--- a/website/CSE389.pptx
+++ b/website/CSE389.pptx
@@ -1,52 +1,53 @@
 
 <file path=ppt/presentation.xml><?xml version="1.0" encoding="utf-8"?>
-<p:presentation xmlns:a="http://schemas.openxmlformats.org/drawingml/2006/main" xmlns:r="http://schemas.openxmlformats.org/officeDocument/2006/relationships" xmlns:mc="http://schemas.openxmlformats.org/markup-compatibility/2006" xmlns:mv="urn:schemas-microsoft-com:mac:vml" xmlns:p="http://schemas.openxmlformats.org/presentationml/2006/main" xmlns:c="http://schemas.openxmlformats.org/drawingml/2006/chart" xmlns:dgm="http://schemas.openxmlformats.org/drawingml/2006/diagram" xmlns:o="urn:schemas-microsoft-com:office:office" xmlns:v="urn:schemas-microsoft-com:vml" xmlns:pvml="urn:schemas-microsoft-com:office:powerpoint" xmlns:com="http://schemas.openxmlformats.org/drawingml/2006/compatibility" xmlns:p14="http://schemas.microsoft.com/office/powerpoint/2010/main" xmlns:p15="http://schemas.microsoft.com/office/powerpoint/2012/main" xmlns:ahyp="http://schemas.microsoft.com/office/drawing/2018/hyperlinkcolor" autoCompressPictures="0" embedTrueTypeFonts="1" strictFirstAndLastChars="0" saveSubsetFonts="1">
+<p:presentation xmlns:a="http://schemas.openxmlformats.org/drawingml/2006/main" xmlns:r="http://schemas.openxmlformats.org/officeDocument/2006/relationships" xmlns:p="http://schemas.openxmlformats.org/presentationml/2006/main" strictFirstAndLastChars="0" embedTrueTypeFonts="1" saveSubsetFonts="1" autoCompressPictures="0">
   <p:sldMasterIdLst>
-    <p:sldMasterId id="2147483659" r:id="rId4"/>
+    <p:sldMasterId id="2147483659" r:id="rId1"/>
   </p:sldMasterIdLst>
   <p:notesMasterIdLst>
-    <p:notesMasterId r:id="rId5"/>
+    <p:notesMasterId r:id="rId21"/>
   </p:notesMasterIdLst>
   <p:sldIdLst>
-    <p:sldId id="256" r:id="rId6"/>
-    <p:sldId id="257" r:id="rId7"/>
-    <p:sldId id="258" r:id="rId8"/>
-    <p:sldId id="259" r:id="rId9"/>
-    <p:sldId id="260" r:id="rId10"/>
-    <p:sldId id="261" r:id="rId11"/>
-    <p:sldId id="262" r:id="rId12"/>
-    <p:sldId id="263" r:id="rId13"/>
-    <p:sldId id="264" r:id="rId14"/>
-    <p:sldId id="265" r:id="rId15"/>
-    <p:sldId id="266" r:id="rId16"/>
-    <p:sldId id="267" r:id="rId17"/>
-    <p:sldId id="268" r:id="rId18"/>
-    <p:sldId id="269" r:id="rId19"/>
-    <p:sldId id="270" r:id="rId20"/>
-    <p:sldId id="271" r:id="rId21"/>
-    <p:sldId id="272" r:id="rId22"/>
-    <p:sldId id="273" r:id="rId23"/>
+    <p:sldId id="256" r:id="rId2"/>
+    <p:sldId id="274" r:id="rId3"/>
+    <p:sldId id="257" r:id="rId4"/>
+    <p:sldId id="258" r:id="rId5"/>
+    <p:sldId id="259" r:id="rId6"/>
+    <p:sldId id="260" r:id="rId7"/>
+    <p:sldId id="261" r:id="rId8"/>
+    <p:sldId id="262" r:id="rId9"/>
+    <p:sldId id="263" r:id="rId10"/>
+    <p:sldId id="264" r:id="rId11"/>
+    <p:sldId id="265" r:id="rId12"/>
+    <p:sldId id="266" r:id="rId13"/>
+    <p:sldId id="267" r:id="rId14"/>
+    <p:sldId id="268" r:id="rId15"/>
+    <p:sldId id="269" r:id="rId16"/>
+    <p:sldId id="270" r:id="rId17"/>
+    <p:sldId id="271" r:id="rId18"/>
+    <p:sldId id="272" r:id="rId19"/>
+    <p:sldId id="273" r:id="rId20"/>
   </p:sldIdLst>
-  <p:sldSz cy="5143500" cx="9144000"/>
+  <p:sldSz cx="9144000" cy="5143500" type="screen16x9"/>
   <p:notesSz cx="6858000" cy="9144000"/>
   <p:embeddedFontLst>
     <p:embeddedFont>
-      <p:font typeface="Economica"/>
-      <p:regular r:id="rId24"/>
-      <p:bold r:id="rId25"/>
-      <p:italic r:id="rId26"/>
-      <p:boldItalic r:id="rId27"/>
+      <p:font typeface="Economica" panose="020B0604020202020204" charset="0"/>
+      <p:regular r:id="rId22"/>
+      <p:bold r:id="rId23"/>
+      <p:italic r:id="rId24"/>
+      <p:boldItalic r:id="rId25"/>
     </p:embeddedFont>
     <p:embeddedFont>
-      <p:font typeface="Open Sans"/>
-      <p:regular r:id="rId28"/>
-      <p:bold r:id="rId29"/>
-      <p:italic r:id="rId30"/>
-      <p:boldItalic r:id="rId31"/>
+      <p:font typeface="Open Sans" panose="020B0604020202020204" charset="0"/>
+      <p:regular r:id="rId26"/>
+      <p:bold r:id="rId27"/>
+      <p:italic r:id="rId28"/>
+      <p:boldItalic r:id="rId29"/>
     </p:embeddedFont>
   </p:embeddedFontLst>
   <p:defaultTextStyle>
-    <a:defPPr lvl="0" marR="0" rtl="0" algn="l">
+    <a:defPPr marR="0" lvl="0" algn="l" rtl="0">
       <a:lnSpc>
         <a:spcPct val="100000"/>
       </a:lnSpc>
@@ -57,7 +58,7 @@
         <a:spcPts val="0"/>
       </a:spcAft>
     </a:defPPr>
-    <a:lvl1pPr lvl="0" marR="0" rtl="0" algn="l">
+    <a:lvl1pPr marR="0" lvl="0" algn="l" rtl="0">
       <a:lnSpc>
         <a:spcPct val="100000"/>
       </a:lnSpc>
@@ -71,7 +72,7 @@
         <a:srgbClr val="000000"/>
       </a:buClr>
       <a:buFont typeface="Arial"/>
-      <a:defRPr b="0" i="0" sz="1400" u="none" cap="none" strike="noStrike">
+      <a:defRPr sz="1400" b="0" i="0" u="none" strike="noStrike" cap="none">
         <a:solidFill>
           <a:srgbClr val="000000"/>
         </a:solidFill>
@@ -81,7 +82,7 @@
         <a:sym typeface="Arial"/>
       </a:defRPr>
     </a:lvl1pPr>
-    <a:lvl2pPr lvl="1" marR="0" rtl="0" algn="l">
+    <a:lvl2pPr marR="0" lvl="1" algn="l" rtl="0">
       <a:lnSpc>
         <a:spcPct val="100000"/>
       </a:lnSpc>
@@ -95,7 +96,7 @@
         <a:srgbClr val="000000"/>
       </a:buClr>
       <a:buFont typeface="Arial"/>
-      <a:defRPr b="0" i="0" sz="1400" u="none" cap="none" strike="noStrike">
+      <a:defRPr sz="1400" b="0" i="0" u="none" strike="noStrike" cap="none">
         <a:solidFill>
           <a:srgbClr val="000000"/>
         </a:solidFill>
@@ -105,7 +106,7 @@
         <a:sym typeface="Arial"/>
       </a:defRPr>
     </a:lvl2pPr>
-    <a:lvl3pPr lvl="2" marR="0" rtl="0" algn="l">
+    <a:lvl3pPr marR="0" lvl="2" algn="l" rtl="0">
       <a:lnSpc>
         <a:spcPct val="100000"/>
       </a:lnSpc>
@@ -119,7 +120,7 @@
         <a:srgbClr val="000000"/>
       </a:buClr>
       <a:buFont typeface="Arial"/>
-      <a:defRPr b="0" i="0" sz="1400" u="none" cap="none" strike="noStrike">
+      <a:defRPr sz="1400" b="0" i="0" u="none" strike="noStrike" cap="none">
         <a:solidFill>
           <a:srgbClr val="000000"/>
         </a:solidFill>
@@ -129,7 +130,7 @@
         <a:sym typeface="Arial"/>
       </a:defRPr>
     </a:lvl3pPr>
-    <a:lvl4pPr lvl="3" marR="0" rtl="0" algn="l">
+    <a:lvl4pPr marR="0" lvl="3" algn="l" rtl="0">
       <a:lnSpc>
         <a:spcPct val="100000"/>
       </a:lnSpc>
@@ -143,7 +144,7 @@
         <a:srgbClr val="000000"/>
       </a:buClr>
       <a:buFont typeface="Arial"/>
-      <a:defRPr b="0" i="0" sz="1400" u="none" cap="none" strike="noStrike">
+      <a:defRPr sz="1400" b="0" i="0" u="none" strike="noStrike" cap="none">
         <a:solidFill>
           <a:srgbClr val="000000"/>
         </a:solidFill>
@@ -153,7 +154,7 @@
         <a:sym typeface="Arial"/>
       </a:defRPr>
     </a:lvl4pPr>
-    <a:lvl5pPr lvl="4" marR="0" rtl="0" algn="l">
+    <a:lvl5pPr marR="0" lvl="4" algn="l" rtl="0">
       <a:lnSpc>
         <a:spcPct val="100000"/>
       </a:lnSpc>
@@ -167,7 +168,7 @@
         <a:srgbClr val="000000"/>
       </a:buClr>
       <a:buFont typeface="Arial"/>
-      <a:defRPr b="0" i="0" sz="1400" u="none" cap="none" strike="noStrike">
+      <a:defRPr sz="1400" b="0" i="0" u="none" strike="noStrike" cap="none">
         <a:solidFill>
           <a:srgbClr val="000000"/>
         </a:solidFill>
@@ -177,7 +178,7 @@
         <a:sym typeface="Arial"/>
       </a:defRPr>
     </a:lvl5pPr>
-    <a:lvl6pPr lvl="5" marR="0" rtl="0" algn="l">
+    <a:lvl6pPr marR="0" lvl="5" algn="l" rtl="0">
       <a:lnSpc>
         <a:spcPct val="100000"/>
       </a:lnSpc>
@@ -191,7 +192,7 @@
         <a:srgbClr val="000000"/>
       </a:buClr>
       <a:buFont typeface="Arial"/>
-      <a:defRPr b="0" i="0" sz="1400" u="none" cap="none" strike="noStrike">
+      <a:defRPr sz="1400" b="0" i="0" u="none" strike="noStrike" cap="none">
         <a:solidFill>
           <a:srgbClr val="000000"/>
         </a:solidFill>
@@ -201,7 +202,7 @@
         <a:sym typeface="Arial"/>
       </a:defRPr>
     </a:lvl6pPr>
-    <a:lvl7pPr lvl="6" marR="0" rtl="0" algn="l">
+    <a:lvl7pPr marR="0" lvl="6" algn="l" rtl="0">
       <a:lnSpc>
         <a:spcPct val="100000"/>
       </a:lnSpc>
@@ -215,7 +216,7 @@
         <a:srgbClr val="000000"/>
       </a:buClr>
       <a:buFont typeface="Arial"/>
-      <a:defRPr b="0" i="0" sz="1400" u="none" cap="none" strike="noStrike">
+      <a:defRPr sz="1400" b="0" i="0" u="none" strike="noStrike" cap="none">
         <a:solidFill>
           <a:srgbClr val="000000"/>
         </a:solidFill>
@@ -225,7 +226,7 @@
         <a:sym typeface="Arial"/>
       </a:defRPr>
     </a:lvl7pPr>
-    <a:lvl8pPr lvl="7" marR="0" rtl="0" algn="l">
+    <a:lvl8pPr marR="0" lvl="7" algn="l" rtl="0">
       <a:lnSpc>
         <a:spcPct val="100000"/>
       </a:lnSpc>
@@ -239,7 +240,7 @@
         <a:srgbClr val="000000"/>
       </a:buClr>
       <a:buFont typeface="Arial"/>
-      <a:defRPr b="0" i="0" sz="1400" u="none" cap="none" strike="noStrike">
+      <a:defRPr sz="1400" b="0" i="0" u="none" strike="noStrike" cap="none">
         <a:solidFill>
           <a:srgbClr val="000000"/>
         </a:solidFill>
@@ -249,7 +250,7 @@
         <a:sym typeface="Arial"/>
       </a:defRPr>
     </a:lvl8pPr>
-    <a:lvl9pPr lvl="8" marR="0" rtl="0" algn="l">
+    <a:lvl9pPr marR="0" lvl="8" algn="l" rtl="0">
       <a:lnSpc>
         <a:spcPct val="100000"/>
       </a:lnSpc>
@@ -263,7 +264,7 @@
         <a:srgbClr val="000000"/>
       </a:buClr>
       <a:buFont typeface="Arial"/>
-      <a:defRPr b="0" i="0" sz="1400" u="none" cap="none" strike="noStrike">
+      <a:defRPr sz="1400" b="0" i="0" u="none" strike="noStrike" cap="none">
         <a:solidFill>
           <a:srgbClr val="000000"/>
         </a:solidFill>
@@ -276,7 +277,7 @@
   </p:defaultTextStyle>
   <p:extLst>
     <p:ext uri="{EFAFB233-063F-42B5-8137-9DF3F51BA10A}">
-      <p15:sldGuideLst>
+      <p15:sldGuideLst xmlns:p15="http://schemas.microsoft.com/office/powerpoint/2012/main">
         <p15:guide id="1" orient="horz" pos="1620">
           <p15:clr>
             <a:srgbClr val="A4A3A4"/>
@@ -294,11 +295,16 @@
 </file>
 
 <file path=ppt/notesMasters/notesMaster1.xml><?xml version="1.0" encoding="utf-8"?>
-<p:notesMaster xmlns:a="http://schemas.openxmlformats.org/drawingml/2006/main" xmlns:r="http://schemas.openxmlformats.org/officeDocument/2006/relationships" xmlns:mc="http://schemas.openxmlformats.org/markup-compatibility/2006" xmlns:mv="urn:schemas-microsoft-com:mac:vml" xmlns:p="http://schemas.openxmlformats.org/presentationml/2006/main" xmlns:c="http://schemas.openxmlformats.org/drawingml/2006/chart" xmlns:dgm="http://schemas.openxmlformats.org/drawingml/2006/diagram" xmlns:o="urn:schemas-microsoft-com:office:office" xmlns:v="urn:schemas-microsoft-com:vml" xmlns:pvml="urn:schemas-microsoft-com:office:powerpoint" xmlns:com="http://schemas.openxmlformats.org/drawingml/2006/compatibility" xmlns:p14="http://schemas.microsoft.com/office/powerpoint/2010/main" xmlns:p15="http://schemas.microsoft.com/office/powerpoint/2012/main" xmlns:ahyp="http://schemas.microsoft.com/office/drawing/2018/hyperlinkcolor">
+<p:notesMaster xmlns:a="http://schemas.openxmlformats.org/drawingml/2006/main" xmlns:r="http://schemas.openxmlformats.org/officeDocument/2006/relationships" xmlns:p="http://schemas.openxmlformats.org/presentationml/2006/main">
   <p:cSld>
+    <p:bg>
+      <p:bgRef idx="1001">
+        <a:schemeClr val="bg1"/>
+      </p:bgRef>
+    </p:bg>
     <p:spTree>
       <p:nvGrpSpPr>
-        <p:cNvPr id="2" name="Shape 2"/>
+        <p:cNvPr id="1" name="Shape 2"/>
         <p:cNvGrpSpPr/>
         <p:nvPr/>
       </p:nvGrpSpPr>
@@ -313,9 +319,11 @@
       <p:sp>
         <p:nvSpPr>
           <p:cNvPr id="3" name="Google Shape;3;n"/>
-          <p:cNvSpPr/>
+          <p:cNvSpPr>
+            <a:spLocks noGrp="1" noRot="1" noChangeAspect="1"/>
+          </p:cNvSpPr>
           <p:nvPr>
-            <p:ph idx="2" type="sldImg"/>
+            <p:ph type="sldImg" idx="2"/>
           </p:nvPr>
         </p:nvSpPr>
         <p:spPr>
@@ -324,9 +332,13 @@
             <a:ext cx="6096075" cy="3429000"/>
           </a:xfrm>
           <a:custGeom>
-            <a:rect b="b" l="l" r="r" t="t"/>
+            <a:avLst/>
+            <a:gdLst/>
+            <a:ahLst/>
+            <a:cxnLst/>
+            <a:rect l="l" t="t" r="r" b="b"/>
             <a:pathLst>
-              <a:path extrusionOk="0" h="120000" w="120000">
+              <a:path w="120000" h="120000" extrusionOk="0">
                 <a:moveTo>
                   <a:pt x="0" y="0"/>
                 </a:moveTo>
@@ -344,23 +356,25 @@
             </a:pathLst>
           </a:custGeom>
           <a:noFill/>
-          <a:ln cap="flat" cmpd="sng" w="9525">
+          <a:ln w="9525" cap="flat" cmpd="sng">
             <a:solidFill>
               <a:srgbClr val="000000"/>
             </a:solidFill>
             <a:prstDash val="solid"/>
             <a:round/>
-            <a:headEnd len="sm" w="sm" type="none"/>
-            <a:tailEnd len="sm" w="sm" type="none"/>
+            <a:headEnd type="none" w="sm" len="sm"/>
+            <a:tailEnd type="none" w="sm" len="sm"/>
           </a:ln>
         </p:spPr>
       </p:sp>
       <p:sp>
         <p:nvSpPr>
           <p:cNvPr id="4" name="Google Shape;4;n"/>
-          <p:cNvSpPr txBox="1"/>
+          <p:cNvSpPr txBox="1">
+            <a:spLocks noGrp="1"/>
+          </p:cNvSpPr>
           <p:nvPr>
-            <p:ph idx="1" type="body"/>
+            <p:ph type="body" idx="1"/>
           </p:nvPr>
         </p:nvSpPr>
         <p:spPr>
@@ -377,11 +391,11 @@
           </a:ln>
         </p:spPr>
         <p:txBody>
-          <a:bodyPr anchorCtr="0" anchor="t" bIns="91425" lIns="91425" spcFirstLastPara="1" rIns="91425" wrap="square" tIns="91425">
+          <a:bodyPr spcFirstLastPara="1" wrap="square" lIns="91425" tIns="91425" rIns="91425" bIns="91425" anchor="t" anchorCtr="0">
             <a:noAutofit/>
           </a:bodyPr>
           <a:lstStyle>
-            <a:lvl1pPr indent="-298450" lvl="0" marL="457200">
+            <a:lvl1pPr marL="457200" lvl="0" indent="-298450">
               <a:spcBef>
                 <a:spcPts val="0"/>
               </a:spcBef>
@@ -392,7 +406,7 @@
               <a:buChar char="●"/>
               <a:defRPr sz="1100"/>
             </a:lvl1pPr>
-            <a:lvl2pPr indent="-298450" lvl="1" marL="914400">
+            <a:lvl2pPr marL="914400" lvl="1" indent="-298450">
               <a:spcBef>
                 <a:spcPts val="0"/>
               </a:spcBef>
@@ -403,7 +417,7 @@
               <a:buChar char="○"/>
               <a:defRPr sz="1100"/>
             </a:lvl2pPr>
-            <a:lvl3pPr indent="-298450" lvl="2" marL="1371600">
+            <a:lvl3pPr marL="1371600" lvl="2" indent="-298450">
               <a:spcBef>
                 <a:spcPts val="0"/>
               </a:spcBef>
@@ -414,7 +428,7 @@
               <a:buChar char="■"/>
               <a:defRPr sz="1100"/>
             </a:lvl3pPr>
-            <a:lvl4pPr indent="-298450" lvl="3" marL="1828800">
+            <a:lvl4pPr marL="1828800" lvl="3" indent="-298450">
               <a:spcBef>
                 <a:spcPts val="0"/>
               </a:spcBef>
@@ -425,7 +439,7 @@
               <a:buChar char="●"/>
               <a:defRPr sz="1100"/>
             </a:lvl4pPr>
-            <a:lvl5pPr indent="-298450" lvl="4" marL="2286000">
+            <a:lvl5pPr marL="2286000" lvl="4" indent="-298450">
               <a:spcBef>
                 <a:spcPts val="0"/>
               </a:spcBef>
@@ -436,7 +450,7 @@
               <a:buChar char="○"/>
               <a:defRPr sz="1100"/>
             </a:lvl5pPr>
-            <a:lvl6pPr indent="-298450" lvl="5" marL="2743200">
+            <a:lvl6pPr marL="2743200" lvl="5" indent="-298450">
               <a:spcBef>
                 <a:spcPts val="0"/>
               </a:spcBef>
@@ -447,7 +461,7 @@
               <a:buChar char="■"/>
               <a:defRPr sz="1100"/>
             </a:lvl6pPr>
-            <a:lvl7pPr indent="-298450" lvl="6" marL="3200400">
+            <a:lvl7pPr marL="3200400" lvl="6" indent="-298450">
               <a:spcBef>
                 <a:spcPts val="0"/>
               </a:spcBef>
@@ -458,7 +472,7 @@
               <a:buChar char="●"/>
               <a:defRPr sz="1100"/>
             </a:lvl7pPr>
-            <a:lvl8pPr indent="-298450" lvl="7" marL="3657600">
+            <a:lvl8pPr marL="3657600" lvl="7" indent="-298450">
               <a:spcBef>
                 <a:spcPts val="0"/>
               </a:spcBef>
@@ -469,7 +483,7 @@
               <a:buChar char="○"/>
               <a:defRPr sz="1100"/>
             </a:lvl8pPr>
-            <a:lvl9pPr indent="-298450" lvl="8" marL="4114800">
+            <a:lvl9pPr marL="4114800" lvl="8" indent="-298450">
               <a:spcBef>
                 <a:spcPts val="0"/>
               </a:spcBef>
@@ -481,14 +495,16 @@
               <a:defRPr sz="1100"/>
             </a:lvl9pPr>
           </a:lstStyle>
-          <a:p/>
+          <a:p>
+            <a:endParaRPr/>
+          </a:p>
         </p:txBody>
       </p:sp>
     </p:spTree>
   </p:cSld>
-  <p:clrMap accent1="accent1" accent2="accent2" accent3="accent3" accent4="accent4" accent5="accent5" accent6="accent6" bg1="lt1" bg2="dk2" tx1="dk1" tx2="lt2" folHlink="folHlink" hlink="hlink"/>
+  <p:clrMap bg1="lt1" tx1="dk1" bg2="dk2" tx2="lt2" accent1="accent1" accent2="accent2" accent3="accent3" accent4="accent4" accent5="accent5" accent6="accent6" hlink="hlink" folHlink="folHlink"/>
   <p:notesStyle>
-    <a:defPPr lvl="0" marR="0" rtl="0" algn="l">
+    <a:defPPr marR="0" lvl="0" algn="l" rtl="0">
       <a:lnSpc>
         <a:spcPct val="100000"/>
       </a:lnSpc>
@@ -499,7 +515,7 @@
         <a:spcPts val="0"/>
       </a:spcAft>
     </a:defPPr>
-    <a:lvl1pPr lvl="0" marR="0" rtl="0" algn="l">
+    <a:lvl1pPr marR="0" lvl="0" algn="l" rtl="0">
       <a:lnSpc>
         <a:spcPct val="100000"/>
       </a:lnSpc>
@@ -513,7 +529,7 @@
         <a:srgbClr val="000000"/>
       </a:buClr>
       <a:buFont typeface="Arial"/>
-      <a:defRPr b="0" i="0" sz="1400" u="none" cap="none" strike="noStrike">
+      <a:defRPr sz="1400" b="0" i="0" u="none" strike="noStrike" cap="none">
         <a:solidFill>
           <a:srgbClr val="000000"/>
         </a:solidFill>
@@ -523,7 +539,7 @@
         <a:sym typeface="Arial"/>
       </a:defRPr>
     </a:lvl1pPr>
-    <a:lvl2pPr lvl="1" marR="0" rtl="0" algn="l">
+    <a:lvl2pPr marR="0" lvl="1" algn="l" rtl="0">
       <a:lnSpc>
         <a:spcPct val="100000"/>
       </a:lnSpc>
@@ -537,7 +553,7 @@
         <a:srgbClr val="000000"/>
       </a:buClr>
       <a:buFont typeface="Arial"/>
-      <a:defRPr b="0" i="0" sz="1400" u="none" cap="none" strike="noStrike">
+      <a:defRPr sz="1400" b="0" i="0" u="none" strike="noStrike" cap="none">
         <a:solidFill>
           <a:srgbClr val="000000"/>
         </a:solidFill>
@@ -547,7 +563,7 @@
         <a:sym typeface="Arial"/>
       </a:defRPr>
     </a:lvl2pPr>
-    <a:lvl3pPr lvl="2" marR="0" rtl="0" algn="l">
+    <a:lvl3pPr marR="0" lvl="2" algn="l" rtl="0">
       <a:lnSpc>
         <a:spcPct val="100000"/>
       </a:lnSpc>
@@ -561,7 +577,7 @@
         <a:srgbClr val="000000"/>
       </a:buClr>
       <a:buFont typeface="Arial"/>
-      <a:defRPr b="0" i="0" sz="1400" u="none" cap="none" strike="noStrike">
+      <a:defRPr sz="1400" b="0" i="0" u="none" strike="noStrike" cap="none">
         <a:solidFill>
           <a:srgbClr val="000000"/>
         </a:solidFill>
@@ -571,7 +587,7 @@
         <a:sym typeface="Arial"/>
       </a:defRPr>
     </a:lvl3pPr>
-    <a:lvl4pPr lvl="3" marR="0" rtl="0" algn="l">
+    <a:lvl4pPr marR="0" lvl="3" algn="l" rtl="0">
       <a:lnSpc>
         <a:spcPct val="100000"/>
       </a:lnSpc>
@@ -585,7 +601,7 @@
         <a:srgbClr val="000000"/>
       </a:buClr>
       <a:buFont typeface="Arial"/>
-      <a:defRPr b="0" i="0" sz="1400" u="none" cap="none" strike="noStrike">
+      <a:defRPr sz="1400" b="0" i="0" u="none" strike="noStrike" cap="none">
         <a:solidFill>
           <a:srgbClr val="000000"/>
         </a:solidFill>
@@ -595,7 +611,7 @@
         <a:sym typeface="Arial"/>
       </a:defRPr>
     </a:lvl4pPr>
-    <a:lvl5pPr lvl="4" marR="0" rtl="0" algn="l">
+    <a:lvl5pPr marR="0" lvl="4" algn="l" rtl="0">
       <a:lnSpc>
         <a:spcPct val="100000"/>
       </a:lnSpc>
@@ -609,7 +625,7 @@
         <a:srgbClr val="000000"/>
       </a:buClr>
       <a:buFont typeface="Arial"/>
-      <a:defRPr b="0" i="0" sz="1400" u="none" cap="none" strike="noStrike">
+      <a:defRPr sz="1400" b="0" i="0" u="none" strike="noStrike" cap="none">
         <a:solidFill>
           <a:srgbClr val="000000"/>
         </a:solidFill>
@@ -619,7 +635,7 @@
         <a:sym typeface="Arial"/>
       </a:defRPr>
     </a:lvl5pPr>
-    <a:lvl6pPr lvl="5" marR="0" rtl="0" algn="l">
+    <a:lvl6pPr marR="0" lvl="5" algn="l" rtl="0">
       <a:lnSpc>
         <a:spcPct val="100000"/>
       </a:lnSpc>
@@ -633,7 +649,7 @@
         <a:srgbClr val="000000"/>
       </a:buClr>
       <a:buFont typeface="Arial"/>
-      <a:defRPr b="0" i="0" sz="1400" u="none" cap="none" strike="noStrike">
+      <a:defRPr sz="1400" b="0" i="0" u="none" strike="noStrike" cap="none">
         <a:solidFill>
           <a:srgbClr val="000000"/>
         </a:solidFill>
@@ -643,7 +659,7 @@
         <a:sym typeface="Arial"/>
       </a:defRPr>
     </a:lvl6pPr>
-    <a:lvl7pPr lvl="6" marR="0" rtl="0" algn="l">
+    <a:lvl7pPr marR="0" lvl="6" algn="l" rtl="0">
       <a:lnSpc>
         <a:spcPct val="100000"/>
       </a:lnSpc>
@@ -657,7 +673,7 @@
         <a:srgbClr val="000000"/>
       </a:buClr>
       <a:buFont typeface="Arial"/>
-      <a:defRPr b="0" i="0" sz="1400" u="none" cap="none" strike="noStrike">
+      <a:defRPr sz="1400" b="0" i="0" u="none" strike="noStrike" cap="none">
         <a:solidFill>
           <a:srgbClr val="000000"/>
         </a:solidFill>
@@ -667,7 +683,7 @@
         <a:sym typeface="Arial"/>
       </a:defRPr>
     </a:lvl7pPr>
-    <a:lvl8pPr lvl="7" marR="0" rtl="0" algn="l">
+    <a:lvl8pPr marR="0" lvl="7" algn="l" rtl="0">
       <a:lnSpc>
         <a:spcPct val="100000"/>
       </a:lnSpc>
@@ -681,7 +697,7 @@
         <a:srgbClr val="000000"/>
       </a:buClr>
       <a:buFont typeface="Arial"/>
-      <a:defRPr b="0" i="0" sz="1400" u="none" cap="none" strike="noStrike">
+      <a:defRPr sz="1400" b="0" i="0" u="none" strike="noStrike" cap="none">
         <a:solidFill>
           <a:srgbClr val="000000"/>
         </a:solidFill>
@@ -691,7 +707,7 @@
         <a:sym typeface="Arial"/>
       </a:defRPr>
     </a:lvl8pPr>
-    <a:lvl9pPr lvl="8" marR="0" rtl="0" algn="l">
+    <a:lvl9pPr marR="0" lvl="8" algn="l" rtl="0">
       <a:lnSpc>
         <a:spcPct val="100000"/>
       </a:lnSpc>
@@ -705,7 +721,7 @@
         <a:srgbClr val="000000"/>
       </a:buClr>
       <a:buFont typeface="Arial"/>
-      <a:defRPr b="0" i="0" sz="1400" u="none" cap="none" strike="noStrike">
+      <a:defRPr sz="1400" b="0" i="0" u="none" strike="noStrike" cap="none">
         <a:solidFill>
           <a:srgbClr val="000000"/>
         </a:solidFill>
@@ -720,11 +736,11 @@
 </file>
 
 <file path=ppt/notesSlides/notesSlide1.xml><?xml version="1.0" encoding="utf-8"?>
-<p:notes xmlns:a="http://schemas.openxmlformats.org/drawingml/2006/main" xmlns:r="http://schemas.openxmlformats.org/officeDocument/2006/relationships" xmlns:mc="http://schemas.openxmlformats.org/markup-compatibility/2006" xmlns:mv="urn:schemas-microsoft-com:mac:vml" xmlns:p="http://schemas.openxmlformats.org/presentationml/2006/main" xmlns:c="http://schemas.openxmlformats.org/drawingml/2006/chart" xmlns:dgm="http://schemas.openxmlformats.org/drawingml/2006/diagram" xmlns:o="urn:schemas-microsoft-com:office:office" xmlns:v="urn:schemas-microsoft-com:vml" xmlns:pvml="urn:schemas-microsoft-com:office:powerpoint" xmlns:com="http://schemas.openxmlformats.org/drawingml/2006/compatibility" xmlns:p14="http://schemas.microsoft.com/office/powerpoint/2010/main" xmlns:p15="http://schemas.microsoft.com/office/powerpoint/2012/main" xmlns:ahyp="http://schemas.microsoft.com/office/drawing/2018/hyperlinkcolor" showMasterPhAnim="0" showMasterSp="0">
+<p:notes xmlns:a="http://schemas.openxmlformats.org/drawingml/2006/main" xmlns:r="http://schemas.openxmlformats.org/officeDocument/2006/relationships" xmlns:p="http://schemas.openxmlformats.org/presentationml/2006/main" showMasterSp="0" showMasterPhAnim="0">
   <p:cSld>
     <p:spTree>
       <p:nvGrpSpPr>
-        <p:cNvPr id="58" name="Shape 58"/>
+        <p:cNvPr id="1" name="Shape 58"/>
         <p:cNvGrpSpPr/>
         <p:nvPr/>
       </p:nvGrpSpPr>
@@ -739,9 +755,11 @@
       <p:sp>
         <p:nvSpPr>
           <p:cNvPr id="59" name="Google Shape;59;p:notes"/>
-          <p:cNvSpPr/>
+          <p:cNvSpPr>
+            <a:spLocks noGrp="1" noRot="1" noChangeAspect="1"/>
+          </p:cNvSpPr>
           <p:nvPr>
-            <p:ph idx="2" type="sldImg"/>
+            <p:ph type="sldImg" idx="2"/>
           </p:nvPr>
         </p:nvSpPr>
         <p:spPr>
@@ -750,9 +768,13 @@
             <a:ext cx="6096075" cy="3429000"/>
           </a:xfrm>
           <a:custGeom>
-            <a:rect b="b" l="l" r="r" t="t"/>
+            <a:avLst/>
+            <a:gdLst/>
+            <a:ahLst/>
+            <a:cxnLst/>
+            <a:rect l="l" t="t" r="r" b="b"/>
             <a:pathLst>
-              <a:path extrusionOk="0" h="120000" w="120000">
+              <a:path w="120000" h="120000" extrusionOk="0">
                 <a:moveTo>
                   <a:pt x="0" y="0"/>
                 </a:moveTo>
@@ -774,9 +796,11 @@
       <p:sp>
         <p:nvSpPr>
           <p:cNvPr id="60" name="Google Shape;60;p:notes"/>
-          <p:cNvSpPr txBox="1"/>
+          <p:cNvSpPr txBox="1">
+            <a:spLocks noGrp="1"/>
+          </p:cNvSpPr>
           <p:nvPr>
-            <p:ph idx="1" type="body"/>
+            <p:ph type="body" idx="1"/>
           </p:nvPr>
         </p:nvSpPr>
         <p:spPr>
@@ -789,12 +813,12 @@
           </a:prstGeom>
         </p:spPr>
         <p:txBody>
-          <a:bodyPr anchorCtr="0" anchor="t" bIns="91425" lIns="91425" spcFirstLastPara="1" rIns="91425" wrap="square" tIns="91425">
+          <a:bodyPr spcFirstLastPara="1" wrap="square" lIns="91425" tIns="91425" rIns="91425" bIns="91425" anchor="t" anchorCtr="0">
             <a:noAutofit/>
           </a:bodyPr>
           <a:lstStyle/>
           <a:p>
-            <a:pPr indent="0" lvl="0" marL="0" rtl="0" algn="l">
+            <a:pPr marL="0" lvl="0" indent="0" algn="l" rtl="0">
               <a:spcBef>
                 <a:spcPts val="0"/>
               </a:spcBef>
@@ -803,9 +827,6 @@
               </a:spcAft>
               <a:buNone/>
             </a:pPr>
-            <a:r>
-              <a:t/>
-            </a:r>
             <a:endParaRPr/>
           </a:p>
         </p:txBody>
@@ -819,11 +840,11 @@
 </file>
 
 <file path=ppt/notesSlides/notesSlide10.xml><?xml version="1.0" encoding="utf-8"?>
-<p:notes xmlns:a="http://schemas.openxmlformats.org/drawingml/2006/main" xmlns:r="http://schemas.openxmlformats.org/officeDocument/2006/relationships" xmlns:mc="http://schemas.openxmlformats.org/markup-compatibility/2006" xmlns:mv="urn:schemas-microsoft-com:mac:vml" xmlns:p="http://schemas.openxmlformats.org/presentationml/2006/main" xmlns:c="http://schemas.openxmlformats.org/drawingml/2006/chart" xmlns:dgm="http://schemas.openxmlformats.org/drawingml/2006/diagram" xmlns:o="urn:schemas-microsoft-com:office:office" xmlns:v="urn:schemas-microsoft-com:vml" xmlns:pvml="urn:schemas-microsoft-com:office:powerpoint" xmlns:com="http://schemas.openxmlformats.org/drawingml/2006/compatibility" xmlns:p14="http://schemas.microsoft.com/office/powerpoint/2010/main" xmlns:p15="http://schemas.microsoft.com/office/powerpoint/2012/main" xmlns:ahyp="http://schemas.microsoft.com/office/drawing/2018/hyperlinkcolor" showMasterPhAnim="0" showMasterSp="0">
+<p:notes xmlns:a="http://schemas.openxmlformats.org/drawingml/2006/main" xmlns:r="http://schemas.openxmlformats.org/officeDocument/2006/relationships" xmlns:p="http://schemas.openxmlformats.org/presentationml/2006/main" showMasterSp="0" showMasterPhAnim="0">
   <p:cSld>
     <p:spTree>
       <p:nvGrpSpPr>
-        <p:cNvPr id="112" name="Shape 112"/>
+        <p:cNvPr id="1" name="Shape 105"/>
         <p:cNvGrpSpPr/>
         <p:nvPr/>
       </p:nvGrpSpPr>
@@ -837,10 +858,12 @@
       </p:grpSpPr>
       <p:sp>
         <p:nvSpPr>
-          <p:cNvPr id="113" name="Google Shape;113;ga207e45302_1_7:notes"/>
-          <p:cNvSpPr/>
+          <p:cNvPr id="106" name="Google Shape;106;ga207e45302_1_1:notes"/>
+          <p:cNvSpPr>
+            <a:spLocks noGrp="1" noRot="1" noChangeAspect="1"/>
+          </p:cNvSpPr>
           <p:nvPr>
-            <p:ph idx="2" type="sldImg"/>
+            <p:ph type="sldImg" idx="2"/>
           </p:nvPr>
         </p:nvSpPr>
         <p:spPr>
@@ -849,9 +872,13 @@
             <a:ext cx="6096000" cy="3429000"/>
           </a:xfrm>
           <a:custGeom>
-            <a:rect b="b" l="l" r="r" t="t"/>
+            <a:avLst/>
+            <a:gdLst/>
+            <a:ahLst/>
+            <a:cxnLst/>
+            <a:rect l="l" t="t" r="r" b="b"/>
             <a:pathLst>
-              <a:path extrusionOk="0" h="120000" w="120000">
+              <a:path w="120000" h="120000" extrusionOk="0">
                 <a:moveTo>
                   <a:pt x="0" y="0"/>
                 </a:moveTo>
@@ -872,10 +899,12 @@
       </p:sp>
       <p:sp>
         <p:nvSpPr>
-          <p:cNvPr id="114" name="Google Shape;114;ga207e45302_1_7:notes"/>
-          <p:cNvSpPr txBox="1"/>
+          <p:cNvPr id="107" name="Google Shape;107;ga207e45302_1_1:notes"/>
+          <p:cNvSpPr txBox="1">
+            <a:spLocks noGrp="1"/>
+          </p:cNvSpPr>
           <p:nvPr>
-            <p:ph idx="1" type="body"/>
+            <p:ph type="body" idx="1"/>
           </p:nvPr>
         </p:nvSpPr>
         <p:spPr>
@@ -888,12 +917,120 @@
           </a:prstGeom>
         </p:spPr>
         <p:txBody>
-          <a:bodyPr anchorCtr="0" anchor="t" bIns="91425" lIns="91425" spcFirstLastPara="1" rIns="91425" wrap="square" tIns="91425">
+          <a:bodyPr spcFirstLastPara="1" wrap="square" lIns="91425" tIns="91425" rIns="91425" bIns="91425" anchor="t" anchorCtr="0">
             <a:noAutofit/>
           </a:bodyPr>
           <a:lstStyle/>
           <a:p>
-            <a:pPr indent="0" lvl="0" marL="0" rtl="0" algn="l">
+            <a:pPr marL="0" lvl="0" indent="0" algn="l" rtl="0">
+              <a:spcBef>
+                <a:spcPts val="0"/>
+              </a:spcBef>
+              <a:spcAft>
+                <a:spcPts val="0"/>
+              </a:spcAft>
+              <a:buNone/>
+            </a:pPr>
+            <a:r>
+              <a:rPr lang="en"/>
+              <a:t>For information, it first store it and format it into the variable and print it out as we want.</a:t>
+            </a:r>
+            <a:endParaRPr/>
+          </a:p>
+        </p:txBody>
+      </p:sp>
+    </p:spTree>
+  </p:cSld>
+  <p:clrMapOvr>
+    <a:masterClrMapping/>
+  </p:clrMapOvr>
+</p:notes>
+</file>
+
+<file path=ppt/notesSlides/notesSlide11.xml><?xml version="1.0" encoding="utf-8"?>
+<p:notes xmlns:a="http://schemas.openxmlformats.org/drawingml/2006/main" xmlns:r="http://schemas.openxmlformats.org/officeDocument/2006/relationships" xmlns:p="http://schemas.openxmlformats.org/presentationml/2006/main" showMasterSp="0" showMasterPhAnim="0">
+  <p:cSld>
+    <p:spTree>
+      <p:nvGrpSpPr>
+        <p:cNvPr id="1" name="Shape 112"/>
+        <p:cNvGrpSpPr/>
+        <p:nvPr/>
+      </p:nvGrpSpPr>
+      <p:grpSpPr>
+        <a:xfrm>
+          <a:off x="0" y="0"/>
+          <a:ext cx="0" cy="0"/>
+          <a:chOff x="0" y="0"/>
+          <a:chExt cx="0" cy="0"/>
+        </a:xfrm>
+      </p:grpSpPr>
+      <p:sp>
+        <p:nvSpPr>
+          <p:cNvPr id="113" name="Google Shape;113;ga207e45302_1_7:notes"/>
+          <p:cNvSpPr>
+            <a:spLocks noGrp="1" noRot="1" noChangeAspect="1"/>
+          </p:cNvSpPr>
+          <p:nvPr>
+            <p:ph type="sldImg" idx="2"/>
+          </p:nvPr>
+        </p:nvSpPr>
+        <p:spPr>
+          <a:xfrm>
+            <a:off x="381300" y="685800"/>
+            <a:ext cx="6096000" cy="3429000"/>
+          </a:xfrm>
+          <a:custGeom>
+            <a:avLst/>
+            <a:gdLst/>
+            <a:ahLst/>
+            <a:cxnLst/>
+            <a:rect l="l" t="t" r="r" b="b"/>
+            <a:pathLst>
+              <a:path w="120000" h="120000" extrusionOk="0">
+                <a:moveTo>
+                  <a:pt x="0" y="0"/>
+                </a:moveTo>
+                <a:lnTo>
+                  <a:pt x="120000" y="0"/>
+                </a:lnTo>
+                <a:lnTo>
+                  <a:pt x="120000" y="120000"/>
+                </a:lnTo>
+                <a:lnTo>
+                  <a:pt x="0" y="120000"/>
+                </a:lnTo>
+                <a:close/>
+              </a:path>
+            </a:pathLst>
+          </a:custGeom>
+        </p:spPr>
+      </p:sp>
+      <p:sp>
+        <p:nvSpPr>
+          <p:cNvPr id="114" name="Google Shape;114;ga207e45302_1_7:notes"/>
+          <p:cNvSpPr txBox="1">
+            <a:spLocks noGrp="1"/>
+          </p:cNvSpPr>
+          <p:nvPr>
+            <p:ph type="body" idx="1"/>
+          </p:nvPr>
+        </p:nvSpPr>
+        <p:spPr>
+          <a:xfrm>
+            <a:off x="685800" y="4343400"/>
+            <a:ext cx="5486400" cy="4114800"/>
+          </a:xfrm>
+          <a:prstGeom prst="rect">
+            <a:avLst/>
+          </a:prstGeom>
+        </p:spPr>
+        <p:txBody>
+          <a:bodyPr spcFirstLastPara="1" wrap="square" lIns="91425" tIns="91425" rIns="91425" bIns="91425" anchor="t" anchorCtr="0">
+            <a:noAutofit/>
+          </a:bodyPr>
+          <a:lstStyle/>
+          <a:p>
+            <a:pPr marL="0" lvl="0" indent="0" algn="l" rtl="0">
               <a:spcBef>
                 <a:spcPts val="0"/>
               </a:spcBef>
@@ -926,12 +1063,12 @@
 </p:notes>
 </file>
 
-<file path=ppt/notesSlides/notesSlide11.xml><?xml version="1.0" encoding="utf-8"?>
-<p:notes xmlns:a="http://schemas.openxmlformats.org/drawingml/2006/main" xmlns:r="http://schemas.openxmlformats.org/officeDocument/2006/relationships" xmlns:mc="http://schemas.openxmlformats.org/markup-compatibility/2006" xmlns:mv="urn:schemas-microsoft-com:mac:vml" xmlns:p="http://schemas.openxmlformats.org/presentationml/2006/main" xmlns:c="http://schemas.openxmlformats.org/drawingml/2006/chart" xmlns:dgm="http://schemas.openxmlformats.org/drawingml/2006/diagram" xmlns:o="urn:schemas-microsoft-com:office:office" xmlns:v="urn:schemas-microsoft-com:vml" xmlns:pvml="urn:schemas-microsoft-com:office:powerpoint" xmlns:com="http://schemas.openxmlformats.org/drawingml/2006/compatibility" xmlns:p14="http://schemas.microsoft.com/office/powerpoint/2010/main" xmlns:p15="http://schemas.microsoft.com/office/powerpoint/2012/main" xmlns:ahyp="http://schemas.microsoft.com/office/drawing/2018/hyperlinkcolor" showMasterPhAnim="0" showMasterSp="0">
+<file path=ppt/notesSlides/notesSlide12.xml><?xml version="1.0" encoding="utf-8"?>
+<p:notes xmlns:a="http://schemas.openxmlformats.org/drawingml/2006/main" xmlns:r="http://schemas.openxmlformats.org/officeDocument/2006/relationships" xmlns:p="http://schemas.openxmlformats.org/presentationml/2006/main" showMasterSp="0" showMasterPhAnim="0">
   <p:cSld>
     <p:spTree>
       <p:nvGrpSpPr>
-        <p:cNvPr id="119" name="Shape 119"/>
+        <p:cNvPr id="1" name="Shape 119"/>
         <p:cNvGrpSpPr/>
         <p:nvPr/>
       </p:nvGrpSpPr>
@@ -946,9 +1083,11 @@
       <p:sp>
         <p:nvSpPr>
           <p:cNvPr id="120" name="Google Shape;120;ga207e45302_1_13:notes"/>
-          <p:cNvSpPr/>
+          <p:cNvSpPr>
+            <a:spLocks noGrp="1" noRot="1" noChangeAspect="1"/>
+          </p:cNvSpPr>
           <p:nvPr>
-            <p:ph idx="2" type="sldImg"/>
+            <p:ph type="sldImg" idx="2"/>
           </p:nvPr>
         </p:nvSpPr>
         <p:spPr>
@@ -957,9 +1096,13 @@
             <a:ext cx="6096000" cy="3429000"/>
           </a:xfrm>
           <a:custGeom>
-            <a:rect b="b" l="l" r="r" t="t"/>
+            <a:avLst/>
+            <a:gdLst/>
+            <a:ahLst/>
+            <a:cxnLst/>
+            <a:rect l="l" t="t" r="r" b="b"/>
             <a:pathLst>
-              <a:path extrusionOk="0" h="120000" w="120000">
+              <a:path w="120000" h="120000" extrusionOk="0">
                 <a:moveTo>
                   <a:pt x="0" y="0"/>
                 </a:moveTo>
@@ -981,9 +1124,11 @@
       <p:sp>
         <p:nvSpPr>
           <p:cNvPr id="121" name="Google Shape;121;ga207e45302_1_13:notes"/>
-          <p:cNvSpPr txBox="1"/>
+          <p:cNvSpPr txBox="1">
+            <a:spLocks noGrp="1"/>
+          </p:cNvSpPr>
           <p:nvPr>
-            <p:ph idx="1" type="body"/>
+            <p:ph type="body" idx="1"/>
           </p:nvPr>
         </p:nvSpPr>
         <p:spPr>
@@ -996,12 +1141,12 @@
           </a:prstGeom>
         </p:spPr>
         <p:txBody>
-          <a:bodyPr anchorCtr="0" anchor="t" bIns="91425" lIns="91425" spcFirstLastPara="1" rIns="91425" wrap="square" tIns="91425">
+          <a:bodyPr spcFirstLastPara="1" wrap="square" lIns="91425" tIns="91425" rIns="91425" bIns="91425" anchor="t" anchorCtr="0">
             <a:noAutofit/>
           </a:bodyPr>
           <a:lstStyle/>
           <a:p>
-            <a:pPr indent="0" lvl="0" marL="0" rtl="0" algn="l">
+            <a:pPr marL="0" lvl="0" indent="0" algn="l" rtl="0">
               <a:spcBef>
                 <a:spcPts val="0"/>
               </a:spcBef>
@@ -1026,12 +1171,12 @@
 </p:notes>
 </file>
 
-<file path=ppt/notesSlides/notesSlide12.xml><?xml version="1.0" encoding="utf-8"?>
-<p:notes xmlns:a="http://schemas.openxmlformats.org/drawingml/2006/main" xmlns:r="http://schemas.openxmlformats.org/officeDocument/2006/relationships" xmlns:mc="http://schemas.openxmlformats.org/markup-compatibility/2006" xmlns:mv="urn:schemas-microsoft-com:mac:vml" xmlns:p="http://schemas.openxmlformats.org/presentationml/2006/main" xmlns:c="http://schemas.openxmlformats.org/drawingml/2006/chart" xmlns:dgm="http://schemas.openxmlformats.org/drawingml/2006/diagram" xmlns:o="urn:schemas-microsoft-com:office:office" xmlns:v="urn:schemas-microsoft-com:vml" xmlns:pvml="urn:schemas-microsoft-com:office:powerpoint" xmlns:com="http://schemas.openxmlformats.org/drawingml/2006/compatibility" xmlns:p14="http://schemas.microsoft.com/office/powerpoint/2010/main" xmlns:p15="http://schemas.microsoft.com/office/powerpoint/2012/main" xmlns:ahyp="http://schemas.microsoft.com/office/drawing/2018/hyperlinkcolor" showMasterPhAnim="0" showMasterSp="0">
+<file path=ppt/notesSlides/notesSlide13.xml><?xml version="1.0" encoding="utf-8"?>
+<p:notes xmlns:a="http://schemas.openxmlformats.org/drawingml/2006/main" xmlns:r="http://schemas.openxmlformats.org/officeDocument/2006/relationships" xmlns:p="http://schemas.openxmlformats.org/presentationml/2006/main" showMasterSp="0" showMasterPhAnim="0">
   <p:cSld>
     <p:spTree>
       <p:nvGrpSpPr>
-        <p:cNvPr id="126" name="Shape 126"/>
+        <p:cNvPr id="1" name="Shape 126"/>
         <p:cNvGrpSpPr/>
         <p:nvPr/>
       </p:nvGrpSpPr>
@@ -1046,9 +1191,11 @@
       <p:sp>
         <p:nvSpPr>
           <p:cNvPr id="127" name="Google Shape;127;ga207e45302_1_19:notes"/>
-          <p:cNvSpPr/>
+          <p:cNvSpPr>
+            <a:spLocks noGrp="1" noRot="1" noChangeAspect="1"/>
+          </p:cNvSpPr>
           <p:nvPr>
-            <p:ph idx="2" type="sldImg"/>
+            <p:ph type="sldImg" idx="2"/>
           </p:nvPr>
         </p:nvSpPr>
         <p:spPr>
@@ -1057,9 +1204,13 @@
             <a:ext cx="6096000" cy="3429000"/>
           </a:xfrm>
           <a:custGeom>
-            <a:rect b="b" l="l" r="r" t="t"/>
+            <a:avLst/>
+            <a:gdLst/>
+            <a:ahLst/>
+            <a:cxnLst/>
+            <a:rect l="l" t="t" r="r" b="b"/>
             <a:pathLst>
-              <a:path extrusionOk="0" h="120000" w="120000">
+              <a:path w="120000" h="120000" extrusionOk="0">
                 <a:moveTo>
                   <a:pt x="0" y="0"/>
                 </a:moveTo>
@@ -1081,9 +1232,11 @@
       <p:sp>
         <p:nvSpPr>
           <p:cNvPr id="128" name="Google Shape;128;ga207e45302_1_19:notes"/>
-          <p:cNvSpPr txBox="1"/>
+          <p:cNvSpPr txBox="1">
+            <a:spLocks noGrp="1"/>
+          </p:cNvSpPr>
           <p:nvPr>
-            <p:ph idx="1" type="body"/>
+            <p:ph type="body" idx="1"/>
           </p:nvPr>
         </p:nvSpPr>
         <p:spPr>
@@ -1096,12 +1249,12 @@
           </a:prstGeom>
         </p:spPr>
         <p:txBody>
-          <a:bodyPr anchorCtr="0" anchor="t" bIns="91425" lIns="91425" spcFirstLastPara="1" rIns="91425" wrap="square" tIns="91425">
+          <a:bodyPr spcFirstLastPara="1" wrap="square" lIns="91425" tIns="91425" rIns="91425" bIns="91425" anchor="t" anchorCtr="0">
             <a:noAutofit/>
           </a:bodyPr>
           <a:lstStyle/>
           <a:p>
-            <a:pPr indent="0" lvl="0" marL="0" rtl="0" algn="l">
+            <a:pPr marL="0" lvl="0" indent="0" algn="l" rtl="0">
               <a:spcBef>
                 <a:spcPts val="0"/>
               </a:spcBef>
@@ -1126,12 +1279,12 @@
 </p:notes>
 </file>
 
-<file path=ppt/notesSlides/notesSlide13.xml><?xml version="1.0" encoding="utf-8"?>
-<p:notes xmlns:a="http://schemas.openxmlformats.org/drawingml/2006/main" xmlns:r="http://schemas.openxmlformats.org/officeDocument/2006/relationships" xmlns:mc="http://schemas.openxmlformats.org/markup-compatibility/2006" xmlns:mv="urn:schemas-microsoft-com:mac:vml" xmlns:p="http://schemas.openxmlformats.org/presentationml/2006/main" xmlns:c="http://schemas.openxmlformats.org/drawingml/2006/chart" xmlns:dgm="http://schemas.openxmlformats.org/drawingml/2006/diagram" xmlns:o="urn:schemas-microsoft-com:office:office" xmlns:v="urn:schemas-microsoft-com:vml" xmlns:pvml="urn:schemas-microsoft-com:office:powerpoint" xmlns:com="http://schemas.openxmlformats.org/drawingml/2006/compatibility" xmlns:p14="http://schemas.microsoft.com/office/powerpoint/2010/main" xmlns:p15="http://schemas.microsoft.com/office/powerpoint/2012/main" xmlns:ahyp="http://schemas.microsoft.com/office/drawing/2018/hyperlinkcolor" showMasterPhAnim="0" showMasterSp="0">
+<file path=ppt/notesSlides/notesSlide14.xml><?xml version="1.0" encoding="utf-8"?>
+<p:notes xmlns:a="http://schemas.openxmlformats.org/drawingml/2006/main" xmlns:r="http://schemas.openxmlformats.org/officeDocument/2006/relationships" xmlns:p="http://schemas.openxmlformats.org/presentationml/2006/main" showMasterSp="0" showMasterPhAnim="0">
   <p:cSld>
     <p:spTree>
       <p:nvGrpSpPr>
-        <p:cNvPr id="133" name="Shape 133"/>
+        <p:cNvPr id="1" name="Shape 133"/>
         <p:cNvGrpSpPr/>
         <p:nvPr/>
       </p:nvGrpSpPr>
@@ -1146,9 +1299,11 @@
       <p:sp>
         <p:nvSpPr>
           <p:cNvPr id="134" name="Google Shape;134;ga207e45302_1_25:notes"/>
-          <p:cNvSpPr/>
+          <p:cNvSpPr>
+            <a:spLocks noGrp="1" noRot="1" noChangeAspect="1"/>
+          </p:cNvSpPr>
           <p:nvPr>
-            <p:ph idx="2" type="sldImg"/>
+            <p:ph type="sldImg" idx="2"/>
           </p:nvPr>
         </p:nvSpPr>
         <p:spPr>
@@ -1157,9 +1312,13 @@
             <a:ext cx="6096000" cy="3429000"/>
           </a:xfrm>
           <a:custGeom>
-            <a:rect b="b" l="l" r="r" t="t"/>
+            <a:avLst/>
+            <a:gdLst/>
+            <a:ahLst/>
+            <a:cxnLst/>
+            <a:rect l="l" t="t" r="r" b="b"/>
             <a:pathLst>
-              <a:path extrusionOk="0" h="120000" w="120000">
+              <a:path w="120000" h="120000" extrusionOk="0">
                 <a:moveTo>
                   <a:pt x="0" y="0"/>
                 </a:moveTo>
@@ -1181,9 +1340,11 @@
       <p:sp>
         <p:nvSpPr>
           <p:cNvPr id="135" name="Google Shape;135;ga207e45302_1_25:notes"/>
-          <p:cNvSpPr txBox="1"/>
+          <p:cNvSpPr txBox="1">
+            <a:spLocks noGrp="1"/>
+          </p:cNvSpPr>
           <p:nvPr>
-            <p:ph idx="1" type="body"/>
+            <p:ph type="body" idx="1"/>
           </p:nvPr>
         </p:nvSpPr>
         <p:spPr>
@@ -1196,12 +1357,12 @@
           </a:prstGeom>
         </p:spPr>
         <p:txBody>
-          <a:bodyPr anchorCtr="0" anchor="t" bIns="91425" lIns="91425" spcFirstLastPara="1" rIns="91425" wrap="square" tIns="91425">
+          <a:bodyPr spcFirstLastPara="1" wrap="square" lIns="91425" tIns="91425" rIns="91425" bIns="91425" anchor="t" anchorCtr="0">
             <a:noAutofit/>
           </a:bodyPr>
           <a:lstStyle/>
           <a:p>
-            <a:pPr indent="0" lvl="0" marL="0" rtl="0" algn="l">
+            <a:pPr marL="0" lvl="0" indent="0" algn="l" rtl="0">
               <a:spcBef>
                 <a:spcPts val="0"/>
               </a:spcBef>
@@ -1226,12 +1387,12 @@
 </p:notes>
 </file>
 
-<file path=ppt/notesSlides/notesSlide14.xml><?xml version="1.0" encoding="utf-8"?>
-<p:notes xmlns:a="http://schemas.openxmlformats.org/drawingml/2006/main" xmlns:r="http://schemas.openxmlformats.org/officeDocument/2006/relationships" xmlns:mc="http://schemas.openxmlformats.org/markup-compatibility/2006" xmlns:mv="urn:schemas-microsoft-com:mac:vml" xmlns:p="http://schemas.openxmlformats.org/presentationml/2006/main" xmlns:c="http://schemas.openxmlformats.org/drawingml/2006/chart" xmlns:dgm="http://schemas.openxmlformats.org/drawingml/2006/diagram" xmlns:o="urn:schemas-microsoft-com:office:office" xmlns:v="urn:schemas-microsoft-com:vml" xmlns:pvml="urn:schemas-microsoft-com:office:powerpoint" xmlns:com="http://schemas.openxmlformats.org/drawingml/2006/compatibility" xmlns:p14="http://schemas.microsoft.com/office/powerpoint/2010/main" xmlns:p15="http://schemas.microsoft.com/office/powerpoint/2012/main" xmlns:ahyp="http://schemas.microsoft.com/office/drawing/2018/hyperlinkcolor" showMasterPhAnim="0" showMasterSp="0">
+<file path=ppt/notesSlides/notesSlide15.xml><?xml version="1.0" encoding="utf-8"?>
+<p:notes xmlns:a="http://schemas.openxmlformats.org/drawingml/2006/main" xmlns:r="http://schemas.openxmlformats.org/officeDocument/2006/relationships" xmlns:p="http://schemas.openxmlformats.org/presentationml/2006/main" showMasterSp="0" showMasterPhAnim="0">
   <p:cSld>
     <p:spTree>
       <p:nvGrpSpPr>
-        <p:cNvPr id="140" name="Shape 140"/>
+        <p:cNvPr id="1" name="Shape 140"/>
         <p:cNvGrpSpPr/>
         <p:nvPr/>
       </p:nvGrpSpPr>
@@ -1246,9 +1407,11 @@
       <p:sp>
         <p:nvSpPr>
           <p:cNvPr id="141" name="Google Shape;141;ga28ae4333f_0_16:notes"/>
-          <p:cNvSpPr/>
+          <p:cNvSpPr>
+            <a:spLocks noGrp="1" noRot="1" noChangeAspect="1"/>
+          </p:cNvSpPr>
           <p:nvPr>
-            <p:ph idx="2" type="sldImg"/>
+            <p:ph type="sldImg" idx="2"/>
           </p:nvPr>
         </p:nvSpPr>
         <p:spPr>
@@ -1257,9 +1420,13 @@
             <a:ext cx="6096000" cy="3429000"/>
           </a:xfrm>
           <a:custGeom>
-            <a:rect b="b" l="l" r="r" t="t"/>
+            <a:avLst/>
+            <a:gdLst/>
+            <a:ahLst/>
+            <a:cxnLst/>
+            <a:rect l="l" t="t" r="r" b="b"/>
             <a:pathLst>
-              <a:path extrusionOk="0" h="120000" w="120000">
+              <a:path w="120000" h="120000" extrusionOk="0">
                 <a:moveTo>
                   <a:pt x="0" y="0"/>
                 </a:moveTo>
@@ -1281,9 +1448,11 @@
       <p:sp>
         <p:nvSpPr>
           <p:cNvPr id="142" name="Google Shape;142;ga28ae4333f_0_16:notes"/>
-          <p:cNvSpPr txBox="1"/>
+          <p:cNvSpPr txBox="1">
+            <a:spLocks noGrp="1"/>
+          </p:cNvSpPr>
           <p:nvPr>
-            <p:ph idx="1" type="body"/>
+            <p:ph type="body" idx="1"/>
           </p:nvPr>
         </p:nvSpPr>
         <p:spPr>
@@ -1296,12 +1465,12 @@
           </a:prstGeom>
         </p:spPr>
         <p:txBody>
-          <a:bodyPr anchorCtr="0" anchor="t" bIns="91425" lIns="91425" spcFirstLastPara="1" rIns="91425" wrap="square" tIns="91425">
+          <a:bodyPr spcFirstLastPara="1" wrap="square" lIns="91425" tIns="91425" rIns="91425" bIns="91425" anchor="t" anchorCtr="0">
             <a:noAutofit/>
           </a:bodyPr>
           <a:lstStyle/>
           <a:p>
-            <a:pPr indent="0" lvl="0" marL="0" rtl="0" algn="l">
+            <a:pPr marL="0" lvl="0" indent="0" algn="l" rtl="0">
               <a:spcBef>
                 <a:spcPts val="0"/>
               </a:spcBef>
@@ -1326,12 +1495,12 @@
 </p:notes>
 </file>
 
-<file path=ppt/notesSlides/notesSlide15.xml><?xml version="1.0" encoding="utf-8"?>
-<p:notes xmlns:a="http://schemas.openxmlformats.org/drawingml/2006/main" xmlns:r="http://schemas.openxmlformats.org/officeDocument/2006/relationships" xmlns:mc="http://schemas.openxmlformats.org/markup-compatibility/2006" xmlns:mv="urn:schemas-microsoft-com:mac:vml" xmlns:p="http://schemas.openxmlformats.org/presentationml/2006/main" xmlns:c="http://schemas.openxmlformats.org/drawingml/2006/chart" xmlns:dgm="http://schemas.openxmlformats.org/drawingml/2006/diagram" xmlns:o="urn:schemas-microsoft-com:office:office" xmlns:v="urn:schemas-microsoft-com:vml" xmlns:pvml="urn:schemas-microsoft-com:office:powerpoint" xmlns:com="http://schemas.openxmlformats.org/drawingml/2006/compatibility" xmlns:p14="http://schemas.microsoft.com/office/powerpoint/2010/main" xmlns:p15="http://schemas.microsoft.com/office/powerpoint/2012/main" xmlns:ahyp="http://schemas.microsoft.com/office/drawing/2018/hyperlinkcolor" showMasterPhAnim="0" showMasterSp="0">
+<file path=ppt/notesSlides/notesSlide16.xml><?xml version="1.0" encoding="utf-8"?>
+<p:notes xmlns:a="http://schemas.openxmlformats.org/drawingml/2006/main" xmlns:r="http://schemas.openxmlformats.org/officeDocument/2006/relationships" xmlns:p="http://schemas.openxmlformats.org/presentationml/2006/main" showMasterSp="0" showMasterPhAnim="0">
   <p:cSld>
     <p:spTree>
       <p:nvGrpSpPr>
-        <p:cNvPr id="146" name="Shape 146"/>
+        <p:cNvPr id="1" name="Shape 146"/>
         <p:cNvGrpSpPr/>
         <p:nvPr/>
       </p:nvGrpSpPr>
@@ -1346,9 +1515,11 @@
       <p:sp>
         <p:nvSpPr>
           <p:cNvPr id="147" name="Google Shape;147;ga28ae4333f_0_21:notes"/>
-          <p:cNvSpPr/>
+          <p:cNvSpPr>
+            <a:spLocks noGrp="1" noRot="1" noChangeAspect="1"/>
+          </p:cNvSpPr>
           <p:nvPr>
-            <p:ph idx="2" type="sldImg"/>
+            <p:ph type="sldImg" idx="2"/>
           </p:nvPr>
         </p:nvSpPr>
         <p:spPr>
@@ -1357,9 +1528,13 @@
             <a:ext cx="6096000" cy="3429000"/>
           </a:xfrm>
           <a:custGeom>
-            <a:rect b="b" l="l" r="r" t="t"/>
+            <a:avLst/>
+            <a:gdLst/>
+            <a:ahLst/>
+            <a:cxnLst/>
+            <a:rect l="l" t="t" r="r" b="b"/>
             <a:pathLst>
-              <a:path extrusionOk="0" h="120000" w="120000">
+              <a:path w="120000" h="120000" extrusionOk="0">
                 <a:moveTo>
                   <a:pt x="0" y="0"/>
                 </a:moveTo>
@@ -1381,9 +1556,11 @@
       <p:sp>
         <p:nvSpPr>
           <p:cNvPr id="148" name="Google Shape;148;ga28ae4333f_0_21:notes"/>
-          <p:cNvSpPr txBox="1"/>
+          <p:cNvSpPr txBox="1">
+            <a:spLocks noGrp="1"/>
+          </p:cNvSpPr>
           <p:nvPr>
-            <p:ph idx="1" type="body"/>
+            <p:ph type="body" idx="1"/>
           </p:nvPr>
         </p:nvSpPr>
         <p:spPr>
@@ -1396,12 +1573,12 @@
           </a:prstGeom>
         </p:spPr>
         <p:txBody>
-          <a:bodyPr anchorCtr="0" anchor="t" bIns="91425" lIns="91425" spcFirstLastPara="1" rIns="91425" wrap="square" tIns="91425">
+          <a:bodyPr spcFirstLastPara="1" wrap="square" lIns="91425" tIns="91425" rIns="91425" bIns="91425" anchor="t" anchorCtr="0">
             <a:noAutofit/>
           </a:bodyPr>
           <a:lstStyle/>
           <a:p>
-            <a:pPr indent="0" lvl="0" marL="0" rtl="0" algn="l">
+            <a:pPr marL="0" lvl="0" indent="0" algn="l" rtl="0">
               <a:spcBef>
                 <a:spcPts val="0"/>
               </a:spcBef>
@@ -1410,9 +1587,6 @@
               </a:spcAft>
               <a:buNone/>
             </a:pPr>
-            <a:r>
-              <a:t/>
-            </a:r>
             <a:endParaRPr/>
           </a:p>
         </p:txBody>
@@ -1425,12 +1599,12 @@
 </p:notes>
 </file>
 
-<file path=ppt/notesSlides/notesSlide16.xml><?xml version="1.0" encoding="utf-8"?>
-<p:notes xmlns:a="http://schemas.openxmlformats.org/drawingml/2006/main" xmlns:r="http://schemas.openxmlformats.org/officeDocument/2006/relationships" xmlns:mc="http://schemas.openxmlformats.org/markup-compatibility/2006" xmlns:mv="urn:schemas-microsoft-com:mac:vml" xmlns:p="http://schemas.openxmlformats.org/presentationml/2006/main" xmlns:c="http://schemas.openxmlformats.org/drawingml/2006/chart" xmlns:dgm="http://schemas.openxmlformats.org/drawingml/2006/diagram" xmlns:o="urn:schemas-microsoft-com:office:office" xmlns:v="urn:schemas-microsoft-com:vml" xmlns:pvml="urn:schemas-microsoft-com:office:powerpoint" xmlns:com="http://schemas.openxmlformats.org/drawingml/2006/compatibility" xmlns:p14="http://schemas.microsoft.com/office/powerpoint/2010/main" xmlns:p15="http://schemas.microsoft.com/office/powerpoint/2012/main" xmlns:ahyp="http://schemas.microsoft.com/office/drawing/2018/hyperlinkcolor" showMasterPhAnim="0" showMasterSp="0">
+<file path=ppt/notesSlides/notesSlide17.xml><?xml version="1.0" encoding="utf-8"?>
+<p:notes xmlns:a="http://schemas.openxmlformats.org/drawingml/2006/main" xmlns:r="http://schemas.openxmlformats.org/officeDocument/2006/relationships" xmlns:p="http://schemas.openxmlformats.org/presentationml/2006/main" showMasterSp="0" showMasterPhAnim="0">
   <p:cSld>
     <p:spTree>
       <p:nvGrpSpPr>
-        <p:cNvPr id="152" name="Shape 152"/>
+        <p:cNvPr id="1" name="Shape 152"/>
         <p:cNvGrpSpPr/>
         <p:nvPr/>
       </p:nvGrpSpPr>
@@ -1445,9 +1619,11 @@
       <p:sp>
         <p:nvSpPr>
           <p:cNvPr id="153" name="Google Shape;153;ga207e45302_1_61:notes"/>
-          <p:cNvSpPr/>
+          <p:cNvSpPr>
+            <a:spLocks noGrp="1" noRot="1" noChangeAspect="1"/>
+          </p:cNvSpPr>
           <p:nvPr>
-            <p:ph idx="2" type="sldImg"/>
+            <p:ph type="sldImg" idx="2"/>
           </p:nvPr>
         </p:nvSpPr>
         <p:spPr>
@@ -1456,9 +1632,13 @@
             <a:ext cx="6096000" cy="3429000"/>
           </a:xfrm>
           <a:custGeom>
-            <a:rect b="b" l="l" r="r" t="t"/>
+            <a:avLst/>
+            <a:gdLst/>
+            <a:ahLst/>
+            <a:cxnLst/>
+            <a:rect l="l" t="t" r="r" b="b"/>
             <a:pathLst>
-              <a:path extrusionOk="0" h="120000" w="120000">
+              <a:path w="120000" h="120000" extrusionOk="0">
                 <a:moveTo>
                   <a:pt x="0" y="0"/>
                 </a:moveTo>
@@ -1480,9 +1660,11 @@
       <p:sp>
         <p:nvSpPr>
           <p:cNvPr id="154" name="Google Shape;154;ga207e45302_1_61:notes"/>
-          <p:cNvSpPr txBox="1"/>
+          <p:cNvSpPr txBox="1">
+            <a:spLocks noGrp="1"/>
+          </p:cNvSpPr>
           <p:nvPr>
-            <p:ph idx="1" type="body"/>
+            <p:ph type="body" idx="1"/>
           </p:nvPr>
         </p:nvSpPr>
         <p:spPr>
@@ -1495,12 +1677,12 @@
           </a:prstGeom>
         </p:spPr>
         <p:txBody>
-          <a:bodyPr anchorCtr="0" anchor="t" bIns="91425" lIns="91425" spcFirstLastPara="1" rIns="91425" wrap="square" tIns="91425">
+          <a:bodyPr spcFirstLastPara="1" wrap="square" lIns="91425" tIns="91425" rIns="91425" bIns="91425" anchor="t" anchorCtr="0">
             <a:noAutofit/>
           </a:bodyPr>
           <a:lstStyle/>
           <a:p>
-            <a:pPr indent="0" lvl="0" marL="0" rtl="0" algn="l">
+            <a:pPr marL="0" lvl="0" indent="0" algn="l" rtl="0">
               <a:spcBef>
                 <a:spcPts val="0"/>
               </a:spcBef>
@@ -1509,9 +1691,6 @@
               </a:spcAft>
               <a:buNone/>
             </a:pPr>
-            <a:r>
-              <a:t/>
-            </a:r>
             <a:endParaRPr/>
           </a:p>
         </p:txBody>
@@ -1524,12 +1703,12 @@
 </p:notes>
 </file>
 
-<file path=ppt/notesSlides/notesSlide17.xml><?xml version="1.0" encoding="utf-8"?>
-<p:notes xmlns:a="http://schemas.openxmlformats.org/drawingml/2006/main" xmlns:r="http://schemas.openxmlformats.org/officeDocument/2006/relationships" xmlns:mc="http://schemas.openxmlformats.org/markup-compatibility/2006" xmlns:mv="urn:schemas-microsoft-com:mac:vml" xmlns:p="http://schemas.openxmlformats.org/presentationml/2006/main" xmlns:c="http://schemas.openxmlformats.org/drawingml/2006/chart" xmlns:dgm="http://schemas.openxmlformats.org/drawingml/2006/diagram" xmlns:o="urn:schemas-microsoft-com:office:office" xmlns:v="urn:schemas-microsoft-com:vml" xmlns:pvml="urn:schemas-microsoft-com:office:powerpoint" xmlns:com="http://schemas.openxmlformats.org/drawingml/2006/compatibility" xmlns:p14="http://schemas.microsoft.com/office/powerpoint/2010/main" xmlns:p15="http://schemas.microsoft.com/office/powerpoint/2012/main" xmlns:ahyp="http://schemas.microsoft.com/office/drawing/2018/hyperlinkcolor" showMasterPhAnim="0" showMasterSp="0">
+<file path=ppt/notesSlides/notesSlide18.xml><?xml version="1.0" encoding="utf-8"?>
+<p:notes xmlns:a="http://schemas.openxmlformats.org/drawingml/2006/main" xmlns:r="http://schemas.openxmlformats.org/officeDocument/2006/relationships" xmlns:p="http://schemas.openxmlformats.org/presentationml/2006/main" showMasterSp="0" showMasterPhAnim="0">
   <p:cSld>
     <p:spTree>
       <p:nvGrpSpPr>
-        <p:cNvPr id="158" name="Shape 158"/>
+        <p:cNvPr id="1" name="Shape 158"/>
         <p:cNvGrpSpPr/>
         <p:nvPr/>
       </p:nvGrpSpPr>
@@ -1544,9 +1723,11 @@
       <p:sp>
         <p:nvSpPr>
           <p:cNvPr id="159" name="Google Shape;159;ga207e45302_1_66:notes"/>
-          <p:cNvSpPr/>
+          <p:cNvSpPr>
+            <a:spLocks noGrp="1" noRot="1" noChangeAspect="1"/>
+          </p:cNvSpPr>
           <p:nvPr>
-            <p:ph idx="2" type="sldImg"/>
+            <p:ph type="sldImg" idx="2"/>
           </p:nvPr>
         </p:nvSpPr>
         <p:spPr>
@@ -1555,9 +1736,13 @@
             <a:ext cx="6096000" cy="3429000"/>
           </a:xfrm>
           <a:custGeom>
-            <a:rect b="b" l="l" r="r" t="t"/>
+            <a:avLst/>
+            <a:gdLst/>
+            <a:ahLst/>
+            <a:cxnLst/>
+            <a:rect l="l" t="t" r="r" b="b"/>
             <a:pathLst>
-              <a:path extrusionOk="0" h="120000" w="120000">
+              <a:path w="120000" h="120000" extrusionOk="0">
                 <a:moveTo>
                   <a:pt x="0" y="0"/>
                 </a:moveTo>
@@ -1579,9 +1764,11 @@
       <p:sp>
         <p:nvSpPr>
           <p:cNvPr id="160" name="Google Shape;160;ga207e45302_1_66:notes"/>
-          <p:cNvSpPr txBox="1"/>
+          <p:cNvSpPr txBox="1">
+            <a:spLocks noGrp="1"/>
+          </p:cNvSpPr>
           <p:nvPr>
-            <p:ph idx="1" type="body"/>
+            <p:ph type="body" idx="1"/>
           </p:nvPr>
         </p:nvSpPr>
         <p:spPr>
@@ -1594,12 +1781,12 @@
           </a:prstGeom>
         </p:spPr>
         <p:txBody>
-          <a:bodyPr anchorCtr="0" anchor="t" bIns="91425" lIns="91425" spcFirstLastPara="1" rIns="91425" wrap="square" tIns="91425">
+          <a:bodyPr spcFirstLastPara="1" wrap="square" lIns="91425" tIns="91425" rIns="91425" bIns="91425" anchor="t" anchorCtr="0">
             <a:noAutofit/>
           </a:bodyPr>
           <a:lstStyle/>
           <a:p>
-            <a:pPr indent="0" lvl="0" marL="0" rtl="0" algn="l">
+            <a:pPr marL="0" lvl="0" indent="0" algn="l" rtl="0">
               <a:spcBef>
                 <a:spcPts val="0"/>
               </a:spcBef>
@@ -1608,9 +1795,6 @@
               </a:spcAft>
               <a:buNone/>
             </a:pPr>
-            <a:r>
-              <a:t/>
-            </a:r>
             <a:endParaRPr/>
           </a:p>
         </p:txBody>
@@ -1623,12 +1807,12 @@
 </p:notes>
 </file>
 
-<file path=ppt/notesSlides/notesSlide18.xml><?xml version="1.0" encoding="utf-8"?>
-<p:notes xmlns:a="http://schemas.openxmlformats.org/drawingml/2006/main" xmlns:r="http://schemas.openxmlformats.org/officeDocument/2006/relationships" xmlns:mc="http://schemas.openxmlformats.org/markup-compatibility/2006" xmlns:mv="urn:schemas-microsoft-com:mac:vml" xmlns:p="http://schemas.openxmlformats.org/presentationml/2006/main" xmlns:c="http://schemas.openxmlformats.org/drawingml/2006/chart" xmlns:dgm="http://schemas.openxmlformats.org/drawingml/2006/diagram" xmlns:o="urn:schemas-microsoft-com:office:office" xmlns:v="urn:schemas-microsoft-com:vml" xmlns:pvml="urn:schemas-microsoft-com:office:powerpoint" xmlns:com="http://schemas.openxmlformats.org/drawingml/2006/compatibility" xmlns:p14="http://schemas.microsoft.com/office/powerpoint/2010/main" xmlns:p15="http://schemas.microsoft.com/office/powerpoint/2012/main" xmlns:ahyp="http://schemas.microsoft.com/office/drawing/2018/hyperlinkcolor" showMasterPhAnim="0" showMasterSp="0">
+<file path=ppt/notesSlides/notesSlide19.xml><?xml version="1.0" encoding="utf-8"?>
+<p:notes xmlns:a="http://schemas.openxmlformats.org/drawingml/2006/main" xmlns:r="http://schemas.openxmlformats.org/officeDocument/2006/relationships" xmlns:p="http://schemas.openxmlformats.org/presentationml/2006/main" showMasterSp="0" showMasterPhAnim="0">
   <p:cSld>
     <p:spTree>
       <p:nvGrpSpPr>
-        <p:cNvPr id="164" name="Shape 164"/>
+        <p:cNvPr id="1" name="Shape 164"/>
         <p:cNvGrpSpPr/>
         <p:nvPr/>
       </p:nvGrpSpPr>
@@ -1643,9 +1827,11 @@
       <p:sp>
         <p:nvSpPr>
           <p:cNvPr id="165" name="Google Shape;165;ga207e45302_1_71:notes"/>
-          <p:cNvSpPr/>
+          <p:cNvSpPr>
+            <a:spLocks noGrp="1" noRot="1" noChangeAspect="1"/>
+          </p:cNvSpPr>
           <p:nvPr>
-            <p:ph idx="2" type="sldImg"/>
+            <p:ph type="sldImg" idx="2"/>
           </p:nvPr>
         </p:nvSpPr>
         <p:spPr>
@@ -1654,9 +1840,13 @@
             <a:ext cx="6096000" cy="3429000"/>
           </a:xfrm>
           <a:custGeom>
-            <a:rect b="b" l="l" r="r" t="t"/>
+            <a:avLst/>
+            <a:gdLst/>
+            <a:ahLst/>
+            <a:cxnLst/>
+            <a:rect l="l" t="t" r="r" b="b"/>
             <a:pathLst>
-              <a:path extrusionOk="0" h="120000" w="120000">
+              <a:path w="120000" h="120000" extrusionOk="0">
                 <a:moveTo>
                   <a:pt x="0" y="0"/>
                 </a:moveTo>
@@ -1678,9 +1868,11 @@
       <p:sp>
         <p:nvSpPr>
           <p:cNvPr id="166" name="Google Shape;166;ga207e45302_1_71:notes"/>
-          <p:cNvSpPr txBox="1"/>
+          <p:cNvSpPr txBox="1">
+            <a:spLocks noGrp="1"/>
+          </p:cNvSpPr>
           <p:nvPr>
-            <p:ph idx="1" type="body"/>
+            <p:ph type="body" idx="1"/>
           </p:nvPr>
         </p:nvSpPr>
         <p:spPr>
@@ -1693,12 +1885,12 @@
           </a:prstGeom>
         </p:spPr>
         <p:txBody>
-          <a:bodyPr anchorCtr="0" anchor="t" bIns="91425" lIns="91425" spcFirstLastPara="1" rIns="91425" wrap="square" tIns="91425">
+          <a:bodyPr spcFirstLastPara="1" wrap="square" lIns="91425" tIns="91425" rIns="91425" bIns="91425" anchor="t" anchorCtr="0">
             <a:noAutofit/>
           </a:bodyPr>
           <a:lstStyle/>
           <a:p>
-            <a:pPr indent="0" lvl="0" marL="0" rtl="0" algn="l">
+            <a:pPr marL="0" lvl="0" indent="0" algn="l" rtl="0">
               <a:spcBef>
                 <a:spcPts val="0"/>
               </a:spcBef>
@@ -1714,7 +1906,7 @@
             <a:endParaRPr/>
           </a:p>
           <a:p>
-            <a:pPr indent="0" lvl="0" marL="0" rtl="0" algn="l">
+            <a:pPr marL="0" lvl="0" indent="0" algn="l" rtl="0">
               <a:spcBef>
                 <a:spcPts val="0"/>
               </a:spcBef>
@@ -1725,15 +1917,7 @@
             </a:pPr>
             <a:r>
               <a:rPr lang="en"/>
-              <a:t>The while loop read every 2048 byte of the file so it avoids saving the </a:t>
-            </a:r>
-            <a:r>
-              <a:rPr lang="en"/>
-              <a:t>whole</a:t>
-            </a:r>
-            <a:r>
-              <a:rPr lang="en"/>
-              <a:t> file into the memory.</a:t>
+              <a:t>The while loop read every 2048 byte of the file so it avoids saving the whole file into the memory.</a:t>
             </a:r>
             <a:endParaRPr/>
           </a:p>
@@ -1748,11 +1932,11 @@
 </file>
 
 <file path=ppt/notesSlides/notesSlide2.xml><?xml version="1.0" encoding="utf-8"?>
-<p:notes xmlns:a="http://schemas.openxmlformats.org/drawingml/2006/main" xmlns:r="http://schemas.openxmlformats.org/officeDocument/2006/relationships" xmlns:mc="http://schemas.openxmlformats.org/markup-compatibility/2006" xmlns:mv="urn:schemas-microsoft-com:mac:vml" xmlns:p="http://schemas.openxmlformats.org/presentationml/2006/main" xmlns:c="http://schemas.openxmlformats.org/drawingml/2006/chart" xmlns:dgm="http://schemas.openxmlformats.org/drawingml/2006/diagram" xmlns:o="urn:schemas-microsoft-com:office:office" xmlns:v="urn:schemas-microsoft-com:vml" xmlns:pvml="urn:schemas-microsoft-com:office:powerpoint" xmlns:com="http://schemas.openxmlformats.org/drawingml/2006/compatibility" xmlns:p14="http://schemas.microsoft.com/office/powerpoint/2010/main" xmlns:p15="http://schemas.microsoft.com/office/powerpoint/2012/main" xmlns:ahyp="http://schemas.microsoft.com/office/drawing/2018/hyperlinkcolor" showMasterPhAnim="0" showMasterSp="0">
+<p:notes xmlns:a="http://schemas.openxmlformats.org/drawingml/2006/main" xmlns:r="http://schemas.openxmlformats.org/officeDocument/2006/relationships" xmlns:p="http://schemas.openxmlformats.org/presentationml/2006/main" showMasterSp="0" showMasterPhAnim="0">
   <p:cSld>
     <p:spTree>
       <p:nvGrpSpPr>
-        <p:cNvPr id="64" name="Shape 64"/>
+        <p:cNvPr id="1" name="Shape 64"/>
         <p:cNvGrpSpPr/>
         <p:nvPr/>
       </p:nvGrpSpPr>
@@ -1767,20 +1951,26 @@
       <p:sp>
         <p:nvSpPr>
           <p:cNvPr id="65" name="Google Shape;65;ga28ae4333f_0_0:notes"/>
-          <p:cNvSpPr/>
+          <p:cNvSpPr>
+            <a:spLocks noGrp="1" noRot="1" noChangeAspect="1"/>
+          </p:cNvSpPr>
           <p:nvPr>
-            <p:ph idx="2" type="sldImg"/>
+            <p:ph type="sldImg" idx="2"/>
           </p:nvPr>
         </p:nvSpPr>
         <p:spPr>
           <a:xfrm>
-            <a:off x="381300" y="685800"/>
+            <a:off x="381000" y="685800"/>
             <a:ext cx="6096000" cy="3429000"/>
           </a:xfrm>
           <a:custGeom>
-            <a:rect b="b" l="l" r="r" t="t"/>
+            <a:avLst/>
+            <a:gdLst/>
+            <a:ahLst/>
+            <a:cxnLst/>
+            <a:rect l="l" t="t" r="r" b="b"/>
             <a:pathLst>
-              <a:path extrusionOk="0" h="120000" w="120000">
+              <a:path w="120000" h="120000" extrusionOk="0">
                 <a:moveTo>
                   <a:pt x="0" y="0"/>
                 </a:moveTo>
@@ -1802,9 +1992,11 @@
       <p:sp>
         <p:nvSpPr>
           <p:cNvPr id="66" name="Google Shape;66;ga28ae4333f_0_0:notes"/>
-          <p:cNvSpPr txBox="1"/>
+          <p:cNvSpPr txBox="1">
+            <a:spLocks noGrp="1"/>
+          </p:cNvSpPr>
           <p:nvPr>
-            <p:ph idx="1" type="body"/>
+            <p:ph type="body" idx="1"/>
           </p:nvPr>
         </p:nvSpPr>
         <p:spPr>
@@ -1817,12 +2009,12 @@
           </a:prstGeom>
         </p:spPr>
         <p:txBody>
-          <a:bodyPr anchorCtr="0" anchor="t" bIns="91425" lIns="91425" spcFirstLastPara="1" rIns="91425" wrap="square" tIns="91425">
+          <a:bodyPr spcFirstLastPara="1" wrap="square" lIns="91425" tIns="91425" rIns="91425" bIns="91425" anchor="t" anchorCtr="0">
             <a:noAutofit/>
           </a:bodyPr>
           <a:lstStyle/>
           <a:p>
-            <a:pPr indent="0" lvl="0" marL="0" rtl="0" algn="l">
+            <a:pPr marL="0" lvl="0" indent="0" algn="l" rtl="0">
               <a:spcBef>
                 <a:spcPts val="0"/>
               </a:spcBef>
@@ -1831,14 +2023,16 @@
               </a:spcAft>
               <a:buNone/>
             </a:pPr>
-            <a:r>
-              <a:t/>
-            </a:r>
             <a:endParaRPr/>
           </a:p>
         </p:txBody>
       </p:sp>
     </p:spTree>
+    <p:extLst>
+      <p:ext uri="{BB962C8B-B14F-4D97-AF65-F5344CB8AC3E}">
+        <p14:creationId xmlns:p14="http://schemas.microsoft.com/office/powerpoint/2010/main" val="4013858732"/>
+      </p:ext>
+    </p:extLst>
   </p:cSld>
   <p:clrMapOvr>
     <a:masterClrMapping/>
@@ -1847,11 +2041,11 @@
 </file>
 
 <file path=ppt/notesSlides/notesSlide3.xml><?xml version="1.0" encoding="utf-8"?>
-<p:notes xmlns:a="http://schemas.openxmlformats.org/drawingml/2006/main" xmlns:r="http://schemas.openxmlformats.org/officeDocument/2006/relationships" xmlns:mc="http://schemas.openxmlformats.org/markup-compatibility/2006" xmlns:mv="urn:schemas-microsoft-com:mac:vml" xmlns:p="http://schemas.openxmlformats.org/presentationml/2006/main" xmlns:c="http://schemas.openxmlformats.org/drawingml/2006/chart" xmlns:dgm="http://schemas.openxmlformats.org/drawingml/2006/diagram" xmlns:o="urn:schemas-microsoft-com:office:office" xmlns:v="urn:schemas-microsoft-com:vml" xmlns:pvml="urn:schemas-microsoft-com:office:powerpoint" xmlns:com="http://schemas.openxmlformats.org/drawingml/2006/compatibility" xmlns:p14="http://schemas.microsoft.com/office/powerpoint/2010/main" xmlns:p15="http://schemas.microsoft.com/office/powerpoint/2012/main" xmlns:ahyp="http://schemas.microsoft.com/office/drawing/2018/hyperlinkcolor" showMasterPhAnim="0" showMasterSp="0">
+<p:notes xmlns:a="http://schemas.openxmlformats.org/drawingml/2006/main" xmlns:r="http://schemas.openxmlformats.org/officeDocument/2006/relationships" xmlns:p="http://schemas.openxmlformats.org/presentationml/2006/main" showMasterSp="0" showMasterPhAnim="0">
   <p:cSld>
     <p:spTree>
       <p:nvGrpSpPr>
-        <p:cNvPr id="69" name="Shape 69"/>
+        <p:cNvPr id="1" name="Shape 64"/>
         <p:cNvGrpSpPr/>
         <p:nvPr/>
       </p:nvGrpSpPr>
@@ -1865,10 +2059,12 @@
       </p:grpSpPr>
       <p:sp>
         <p:nvSpPr>
-          <p:cNvPr id="70" name="Google Shape;70;ga28ae4333f_0_6:notes"/>
-          <p:cNvSpPr/>
+          <p:cNvPr id="65" name="Google Shape;65;ga28ae4333f_0_0:notes"/>
+          <p:cNvSpPr>
+            <a:spLocks noGrp="1" noRot="1" noChangeAspect="1"/>
+          </p:cNvSpPr>
           <p:nvPr>
-            <p:ph idx="2" type="sldImg"/>
+            <p:ph type="sldImg" idx="2"/>
           </p:nvPr>
         </p:nvSpPr>
         <p:spPr>
@@ -1877,9 +2073,13 @@
             <a:ext cx="6096000" cy="3429000"/>
           </a:xfrm>
           <a:custGeom>
-            <a:rect b="b" l="l" r="r" t="t"/>
+            <a:avLst/>
+            <a:gdLst/>
+            <a:ahLst/>
+            <a:cxnLst/>
+            <a:rect l="l" t="t" r="r" b="b"/>
             <a:pathLst>
-              <a:path extrusionOk="0" h="120000" w="120000">
+              <a:path w="120000" h="120000" extrusionOk="0">
                 <a:moveTo>
                   <a:pt x="0" y="0"/>
                 </a:moveTo>
@@ -1900,10 +2100,12 @@
       </p:sp>
       <p:sp>
         <p:nvSpPr>
-          <p:cNvPr id="71" name="Google Shape;71;ga28ae4333f_0_6:notes"/>
-          <p:cNvSpPr txBox="1"/>
+          <p:cNvPr id="66" name="Google Shape;66;ga28ae4333f_0_0:notes"/>
+          <p:cNvSpPr txBox="1">
+            <a:spLocks noGrp="1"/>
+          </p:cNvSpPr>
           <p:nvPr>
-            <p:ph idx="1" type="body"/>
+            <p:ph type="body" idx="1"/>
           </p:nvPr>
         </p:nvSpPr>
         <p:spPr>
@@ -1916,12 +2118,12 @@
           </a:prstGeom>
         </p:spPr>
         <p:txBody>
-          <a:bodyPr anchorCtr="0" anchor="t" bIns="91425" lIns="91425" spcFirstLastPara="1" rIns="91425" wrap="square" tIns="91425">
+          <a:bodyPr spcFirstLastPara="1" wrap="square" lIns="91425" tIns="91425" rIns="91425" bIns="91425" anchor="t" anchorCtr="0">
             <a:noAutofit/>
           </a:bodyPr>
           <a:lstStyle/>
           <a:p>
-            <a:pPr indent="0" lvl="0" marL="0" rtl="0" algn="l">
+            <a:pPr marL="0" lvl="0" indent="0" algn="l" rtl="0">
               <a:spcBef>
                 <a:spcPts val="0"/>
               </a:spcBef>
@@ -1930,9 +2132,6 @@
               </a:spcAft>
               <a:buNone/>
             </a:pPr>
-            <a:r>
-              <a:t/>
-            </a:r>
             <a:endParaRPr/>
           </a:p>
         </p:txBody>
@@ -1946,11 +2145,11 @@
 </file>
 
 <file path=ppt/notesSlides/notesSlide4.xml><?xml version="1.0" encoding="utf-8"?>
-<p:notes xmlns:a="http://schemas.openxmlformats.org/drawingml/2006/main" xmlns:r="http://schemas.openxmlformats.org/officeDocument/2006/relationships" xmlns:mc="http://schemas.openxmlformats.org/markup-compatibility/2006" xmlns:mv="urn:schemas-microsoft-com:mac:vml" xmlns:p="http://schemas.openxmlformats.org/presentationml/2006/main" xmlns:c="http://schemas.openxmlformats.org/drawingml/2006/chart" xmlns:dgm="http://schemas.openxmlformats.org/drawingml/2006/diagram" xmlns:o="urn:schemas-microsoft-com:office:office" xmlns:v="urn:schemas-microsoft-com:vml" xmlns:pvml="urn:schemas-microsoft-com:office:powerpoint" xmlns:com="http://schemas.openxmlformats.org/drawingml/2006/compatibility" xmlns:p14="http://schemas.microsoft.com/office/powerpoint/2010/main" xmlns:p15="http://schemas.microsoft.com/office/powerpoint/2012/main" xmlns:ahyp="http://schemas.microsoft.com/office/drawing/2018/hyperlinkcolor" showMasterPhAnim="0" showMasterSp="0">
+<p:notes xmlns:a="http://schemas.openxmlformats.org/drawingml/2006/main" xmlns:r="http://schemas.openxmlformats.org/officeDocument/2006/relationships" xmlns:p="http://schemas.openxmlformats.org/presentationml/2006/main" showMasterSp="0" showMasterPhAnim="0">
   <p:cSld>
     <p:spTree>
       <p:nvGrpSpPr>
-        <p:cNvPr id="75" name="Shape 75"/>
+        <p:cNvPr id="1" name="Shape 69"/>
         <p:cNvGrpSpPr/>
         <p:nvPr/>
       </p:nvGrpSpPr>
@@ -1964,10 +2163,12 @@
       </p:grpSpPr>
       <p:sp>
         <p:nvSpPr>
-          <p:cNvPr id="76" name="Google Shape;76;ga207e45302_1_41:notes"/>
-          <p:cNvSpPr/>
+          <p:cNvPr id="70" name="Google Shape;70;ga28ae4333f_0_6:notes"/>
+          <p:cNvSpPr>
+            <a:spLocks noGrp="1" noRot="1" noChangeAspect="1"/>
+          </p:cNvSpPr>
           <p:nvPr>
-            <p:ph idx="2" type="sldImg"/>
+            <p:ph type="sldImg" idx="2"/>
           </p:nvPr>
         </p:nvSpPr>
         <p:spPr>
@@ -1976,9 +2177,13 @@
             <a:ext cx="6096000" cy="3429000"/>
           </a:xfrm>
           <a:custGeom>
-            <a:rect b="b" l="l" r="r" t="t"/>
+            <a:avLst/>
+            <a:gdLst/>
+            <a:ahLst/>
+            <a:cxnLst/>
+            <a:rect l="l" t="t" r="r" b="b"/>
             <a:pathLst>
-              <a:path extrusionOk="0" h="120000" w="120000">
+              <a:path w="120000" h="120000" extrusionOk="0">
                 <a:moveTo>
                   <a:pt x="0" y="0"/>
                 </a:moveTo>
@@ -1999,10 +2204,12 @@
       </p:sp>
       <p:sp>
         <p:nvSpPr>
-          <p:cNvPr id="77" name="Google Shape;77;ga207e45302_1_41:notes"/>
-          <p:cNvSpPr txBox="1"/>
+          <p:cNvPr id="71" name="Google Shape;71;ga28ae4333f_0_6:notes"/>
+          <p:cNvSpPr txBox="1">
+            <a:spLocks noGrp="1"/>
+          </p:cNvSpPr>
           <p:nvPr>
-            <p:ph idx="1" type="body"/>
+            <p:ph type="body" idx="1"/>
           </p:nvPr>
         </p:nvSpPr>
         <p:spPr>
@@ -2015,12 +2222,12 @@
           </a:prstGeom>
         </p:spPr>
         <p:txBody>
-          <a:bodyPr anchorCtr="0" anchor="t" bIns="91425" lIns="91425" spcFirstLastPara="1" rIns="91425" wrap="square" tIns="91425">
+          <a:bodyPr spcFirstLastPara="1" wrap="square" lIns="91425" tIns="91425" rIns="91425" bIns="91425" anchor="t" anchorCtr="0">
             <a:noAutofit/>
           </a:bodyPr>
           <a:lstStyle/>
           <a:p>
-            <a:pPr indent="0" lvl="0" marL="0" rtl="0" algn="l">
+            <a:pPr marL="0" lvl="0" indent="0" algn="l" rtl="0">
               <a:spcBef>
                 <a:spcPts val="0"/>
               </a:spcBef>
@@ -2029,73 +2236,6 @@
               </a:spcAft>
               <a:buNone/>
             </a:pPr>
-            <a:r>
-              <a:rPr lang="en"/>
-              <a:t>As you cna see, the sample get request and response in firefox.</a:t>
-            </a:r>
-            <a:endParaRPr/>
-          </a:p>
-          <a:p>
-            <a:pPr indent="0" lvl="0" marL="0" rtl="0" algn="l">
-              <a:spcBef>
-                <a:spcPts val="0"/>
-              </a:spcBef>
-              <a:spcAft>
-                <a:spcPts val="0"/>
-              </a:spcAft>
-              <a:buNone/>
-            </a:pPr>
-            <a:r>
-              <a:rPr lang="en"/>
-              <a:t>The above is the get reuqest.</a:t>
-            </a:r>
-            <a:endParaRPr/>
-          </a:p>
-          <a:p>
-            <a:pPr indent="0" lvl="0" marL="0" rtl="0" algn="l">
-              <a:spcBef>
-                <a:spcPts val="0"/>
-              </a:spcBef>
-              <a:spcAft>
-                <a:spcPts val="0"/>
-              </a:spcAft>
-              <a:buNone/>
-            </a:pPr>
-            <a:r>
-              <a:rPr lang="en"/>
-              <a:t>The bottom one is request header. It shows several information about the browser.</a:t>
-            </a:r>
-            <a:endParaRPr/>
-          </a:p>
-          <a:p>
-            <a:pPr indent="0" lvl="0" marL="0" rtl="0" algn="l">
-              <a:spcBef>
-                <a:spcPts val="0"/>
-              </a:spcBef>
-              <a:spcAft>
-                <a:spcPts val="0"/>
-              </a:spcAft>
-              <a:buNone/>
-            </a:pPr>
-            <a:r>
-              <a:rPr lang="en"/>
-              <a:t>The mid one is the response header that we send it to the browser from the server.</a:t>
-            </a:r>
-            <a:endParaRPr/>
-          </a:p>
-          <a:p>
-            <a:pPr indent="0" lvl="0" marL="0" rtl="0" algn="l">
-              <a:spcBef>
-                <a:spcPts val="0"/>
-              </a:spcBef>
-              <a:spcAft>
-                <a:spcPts val="0"/>
-              </a:spcAft>
-              <a:buNone/>
-            </a:pPr>
-            <a:r>
-              <a:t/>
-            </a:r>
             <a:endParaRPr/>
           </a:p>
         </p:txBody>
@@ -2109,11 +2249,11 @@
 </file>
 
 <file path=ppt/notesSlides/notesSlide5.xml><?xml version="1.0" encoding="utf-8"?>
-<p:notes xmlns:a="http://schemas.openxmlformats.org/drawingml/2006/main" xmlns:r="http://schemas.openxmlformats.org/officeDocument/2006/relationships" xmlns:mc="http://schemas.openxmlformats.org/markup-compatibility/2006" xmlns:mv="urn:schemas-microsoft-com:mac:vml" xmlns:p="http://schemas.openxmlformats.org/presentationml/2006/main" xmlns:c="http://schemas.openxmlformats.org/drawingml/2006/chart" xmlns:dgm="http://schemas.openxmlformats.org/drawingml/2006/diagram" xmlns:o="urn:schemas-microsoft-com:office:office" xmlns:v="urn:schemas-microsoft-com:vml" xmlns:pvml="urn:schemas-microsoft-com:office:powerpoint" xmlns:com="http://schemas.openxmlformats.org/drawingml/2006/compatibility" xmlns:p14="http://schemas.microsoft.com/office/powerpoint/2010/main" xmlns:p15="http://schemas.microsoft.com/office/powerpoint/2012/main" xmlns:ahyp="http://schemas.microsoft.com/office/drawing/2018/hyperlinkcolor" showMasterPhAnim="0" showMasterSp="0">
+<p:notes xmlns:a="http://schemas.openxmlformats.org/drawingml/2006/main" xmlns:r="http://schemas.openxmlformats.org/officeDocument/2006/relationships" xmlns:p="http://schemas.openxmlformats.org/presentationml/2006/main" showMasterSp="0" showMasterPhAnim="0">
   <p:cSld>
     <p:spTree>
       <p:nvGrpSpPr>
-        <p:cNvPr id="81" name="Shape 81"/>
+        <p:cNvPr id="1" name="Shape 75"/>
         <p:cNvGrpSpPr/>
         <p:nvPr/>
       </p:nvGrpSpPr>
@@ -2127,10 +2267,12 @@
       </p:grpSpPr>
       <p:sp>
         <p:nvSpPr>
-          <p:cNvPr id="82" name="Google Shape;82;ga207e45302_1_46:notes"/>
-          <p:cNvSpPr/>
+          <p:cNvPr id="76" name="Google Shape;76;ga207e45302_1_41:notes"/>
+          <p:cNvSpPr>
+            <a:spLocks noGrp="1" noRot="1" noChangeAspect="1"/>
+          </p:cNvSpPr>
           <p:nvPr>
-            <p:ph idx="2" type="sldImg"/>
+            <p:ph type="sldImg" idx="2"/>
           </p:nvPr>
         </p:nvSpPr>
         <p:spPr>
@@ -2139,9 +2281,13 @@
             <a:ext cx="6096000" cy="3429000"/>
           </a:xfrm>
           <a:custGeom>
-            <a:rect b="b" l="l" r="r" t="t"/>
+            <a:avLst/>
+            <a:gdLst/>
+            <a:ahLst/>
+            <a:cxnLst/>
+            <a:rect l="l" t="t" r="r" b="b"/>
             <a:pathLst>
-              <a:path extrusionOk="0" h="120000" w="120000">
+              <a:path w="120000" h="120000" extrusionOk="0">
                 <a:moveTo>
                   <a:pt x="0" y="0"/>
                 </a:moveTo>
@@ -2162,10 +2308,12 @@
       </p:sp>
       <p:sp>
         <p:nvSpPr>
-          <p:cNvPr id="83" name="Google Shape;83;ga207e45302_1_46:notes"/>
-          <p:cNvSpPr txBox="1"/>
+          <p:cNvPr id="77" name="Google Shape;77;ga207e45302_1_41:notes"/>
+          <p:cNvSpPr txBox="1">
+            <a:spLocks noGrp="1"/>
+          </p:cNvSpPr>
           <p:nvPr>
-            <p:ph idx="1" type="body"/>
+            <p:ph type="body" idx="1"/>
           </p:nvPr>
         </p:nvSpPr>
         <p:spPr>
@@ -2178,12 +2326,12 @@
           </a:prstGeom>
         </p:spPr>
         <p:txBody>
-          <a:bodyPr anchorCtr="0" anchor="t" bIns="91425" lIns="91425" spcFirstLastPara="1" rIns="91425" wrap="square" tIns="91425">
+          <a:bodyPr spcFirstLastPara="1" wrap="square" lIns="91425" tIns="91425" rIns="91425" bIns="91425" anchor="t" anchorCtr="0">
             <a:noAutofit/>
           </a:bodyPr>
           <a:lstStyle/>
           <a:p>
-            <a:pPr indent="0" lvl="0" marL="0" rtl="0" algn="l">
+            <a:pPr marL="0" lvl="0" indent="0" algn="l" rtl="0">
               <a:spcBef>
                 <a:spcPts val="0"/>
               </a:spcBef>
@@ -2193,8 +2341,69 @@
               <a:buNone/>
             </a:pPr>
             <a:r>
-              <a:t/>
+              <a:rPr lang="en"/>
+              <a:t>As you cna see, the sample get request and response in firefox.</a:t>
             </a:r>
+            <a:endParaRPr/>
+          </a:p>
+          <a:p>
+            <a:pPr marL="0" lvl="0" indent="0" algn="l" rtl="0">
+              <a:spcBef>
+                <a:spcPts val="0"/>
+              </a:spcBef>
+              <a:spcAft>
+                <a:spcPts val="0"/>
+              </a:spcAft>
+              <a:buNone/>
+            </a:pPr>
+            <a:r>
+              <a:rPr lang="en"/>
+              <a:t>The above is the get reuqest.</a:t>
+            </a:r>
+            <a:endParaRPr/>
+          </a:p>
+          <a:p>
+            <a:pPr marL="0" lvl="0" indent="0" algn="l" rtl="0">
+              <a:spcBef>
+                <a:spcPts val="0"/>
+              </a:spcBef>
+              <a:spcAft>
+                <a:spcPts val="0"/>
+              </a:spcAft>
+              <a:buNone/>
+            </a:pPr>
+            <a:r>
+              <a:rPr lang="en"/>
+              <a:t>The bottom one is request header. It shows several information about the browser.</a:t>
+            </a:r>
+            <a:endParaRPr/>
+          </a:p>
+          <a:p>
+            <a:pPr marL="0" lvl="0" indent="0" algn="l" rtl="0">
+              <a:spcBef>
+                <a:spcPts val="0"/>
+              </a:spcBef>
+              <a:spcAft>
+                <a:spcPts val="0"/>
+              </a:spcAft>
+              <a:buNone/>
+            </a:pPr>
+            <a:r>
+              <a:rPr lang="en"/>
+              <a:t>The mid one is the response header that we send it to the browser from the server.</a:t>
+            </a:r>
+            <a:endParaRPr/>
+          </a:p>
+          <a:p>
+            <a:pPr marL="0" lvl="0" indent="0" algn="l" rtl="0">
+              <a:spcBef>
+                <a:spcPts val="0"/>
+              </a:spcBef>
+              <a:spcAft>
+                <a:spcPts val="0"/>
+              </a:spcAft>
+              <a:buNone/>
+            </a:pPr>
             <a:endParaRPr/>
           </a:p>
         </p:txBody>
@@ -2208,11 +2417,11 @@
 </file>
 
 <file path=ppt/notesSlides/notesSlide6.xml><?xml version="1.0" encoding="utf-8"?>
-<p:notes xmlns:a="http://schemas.openxmlformats.org/drawingml/2006/main" xmlns:r="http://schemas.openxmlformats.org/officeDocument/2006/relationships" xmlns:mc="http://schemas.openxmlformats.org/markup-compatibility/2006" xmlns:mv="urn:schemas-microsoft-com:mac:vml" xmlns:p="http://schemas.openxmlformats.org/presentationml/2006/main" xmlns:c="http://schemas.openxmlformats.org/drawingml/2006/chart" xmlns:dgm="http://schemas.openxmlformats.org/drawingml/2006/diagram" xmlns:o="urn:schemas-microsoft-com:office:office" xmlns:v="urn:schemas-microsoft-com:vml" xmlns:pvml="urn:schemas-microsoft-com:office:powerpoint" xmlns:com="http://schemas.openxmlformats.org/drawingml/2006/compatibility" xmlns:p14="http://schemas.microsoft.com/office/powerpoint/2010/main" xmlns:p15="http://schemas.microsoft.com/office/powerpoint/2012/main" xmlns:ahyp="http://schemas.microsoft.com/office/drawing/2018/hyperlinkcolor" showMasterPhAnim="0" showMasterSp="0">
+<p:notes xmlns:a="http://schemas.openxmlformats.org/drawingml/2006/main" xmlns:r="http://schemas.openxmlformats.org/officeDocument/2006/relationships" xmlns:p="http://schemas.openxmlformats.org/presentationml/2006/main" showMasterSp="0" showMasterPhAnim="0">
   <p:cSld>
     <p:spTree>
       <p:nvGrpSpPr>
-        <p:cNvPr id="87" name="Shape 87"/>
+        <p:cNvPr id="1" name="Shape 81"/>
         <p:cNvGrpSpPr/>
         <p:nvPr/>
       </p:nvGrpSpPr>
@@ -2226,10 +2435,12 @@
       </p:grpSpPr>
       <p:sp>
         <p:nvSpPr>
-          <p:cNvPr id="88" name="Google Shape;88;ga207e45302_1_51:notes"/>
-          <p:cNvSpPr/>
+          <p:cNvPr id="82" name="Google Shape;82;ga207e45302_1_46:notes"/>
+          <p:cNvSpPr>
+            <a:spLocks noGrp="1" noRot="1" noChangeAspect="1"/>
+          </p:cNvSpPr>
           <p:nvPr>
-            <p:ph idx="2" type="sldImg"/>
+            <p:ph type="sldImg" idx="2"/>
           </p:nvPr>
         </p:nvSpPr>
         <p:spPr>
@@ -2238,9 +2449,13 @@
             <a:ext cx="6096000" cy="3429000"/>
           </a:xfrm>
           <a:custGeom>
-            <a:rect b="b" l="l" r="r" t="t"/>
+            <a:avLst/>
+            <a:gdLst/>
+            <a:ahLst/>
+            <a:cxnLst/>
+            <a:rect l="l" t="t" r="r" b="b"/>
             <a:pathLst>
-              <a:path extrusionOk="0" h="120000" w="120000">
+              <a:path w="120000" h="120000" extrusionOk="0">
                 <a:moveTo>
                   <a:pt x="0" y="0"/>
                 </a:moveTo>
@@ -2261,10 +2476,12 @@
       </p:sp>
       <p:sp>
         <p:nvSpPr>
-          <p:cNvPr id="89" name="Google Shape;89;ga207e45302_1_51:notes"/>
-          <p:cNvSpPr txBox="1"/>
+          <p:cNvPr id="83" name="Google Shape;83;ga207e45302_1_46:notes"/>
+          <p:cNvSpPr txBox="1">
+            <a:spLocks noGrp="1"/>
+          </p:cNvSpPr>
           <p:nvPr>
-            <p:ph idx="1" type="body"/>
+            <p:ph type="body" idx="1"/>
           </p:nvPr>
         </p:nvSpPr>
         <p:spPr>
@@ -2277,12 +2494,116 @@
           </a:prstGeom>
         </p:spPr>
         <p:txBody>
-          <a:bodyPr anchorCtr="0" anchor="t" bIns="91425" lIns="91425" spcFirstLastPara="1" rIns="91425" wrap="square" tIns="91425">
+          <a:bodyPr spcFirstLastPara="1" wrap="square" lIns="91425" tIns="91425" rIns="91425" bIns="91425" anchor="t" anchorCtr="0">
             <a:noAutofit/>
           </a:bodyPr>
           <a:lstStyle/>
           <a:p>
-            <a:pPr indent="0" lvl="0" marL="0" rtl="0" algn="l">
+            <a:pPr marL="0" lvl="0" indent="0" algn="l" rtl="0">
+              <a:spcBef>
+                <a:spcPts val="0"/>
+              </a:spcBef>
+              <a:spcAft>
+                <a:spcPts val="0"/>
+              </a:spcAft>
+              <a:buNone/>
+            </a:pPr>
+            <a:endParaRPr/>
+          </a:p>
+        </p:txBody>
+      </p:sp>
+    </p:spTree>
+  </p:cSld>
+  <p:clrMapOvr>
+    <a:masterClrMapping/>
+  </p:clrMapOvr>
+</p:notes>
+</file>
+
+<file path=ppt/notesSlides/notesSlide7.xml><?xml version="1.0" encoding="utf-8"?>
+<p:notes xmlns:a="http://schemas.openxmlformats.org/drawingml/2006/main" xmlns:r="http://schemas.openxmlformats.org/officeDocument/2006/relationships" xmlns:p="http://schemas.openxmlformats.org/presentationml/2006/main" showMasterSp="0" showMasterPhAnim="0">
+  <p:cSld>
+    <p:spTree>
+      <p:nvGrpSpPr>
+        <p:cNvPr id="1" name="Shape 87"/>
+        <p:cNvGrpSpPr/>
+        <p:nvPr/>
+      </p:nvGrpSpPr>
+      <p:grpSpPr>
+        <a:xfrm>
+          <a:off x="0" y="0"/>
+          <a:ext cx="0" cy="0"/>
+          <a:chOff x="0" y="0"/>
+          <a:chExt cx="0" cy="0"/>
+        </a:xfrm>
+      </p:grpSpPr>
+      <p:sp>
+        <p:nvSpPr>
+          <p:cNvPr id="88" name="Google Shape;88;ga207e45302_1_51:notes"/>
+          <p:cNvSpPr>
+            <a:spLocks noGrp="1" noRot="1" noChangeAspect="1"/>
+          </p:cNvSpPr>
+          <p:nvPr>
+            <p:ph type="sldImg" idx="2"/>
+          </p:nvPr>
+        </p:nvSpPr>
+        <p:spPr>
+          <a:xfrm>
+            <a:off x="381300" y="685800"/>
+            <a:ext cx="6096000" cy="3429000"/>
+          </a:xfrm>
+          <a:custGeom>
+            <a:avLst/>
+            <a:gdLst/>
+            <a:ahLst/>
+            <a:cxnLst/>
+            <a:rect l="l" t="t" r="r" b="b"/>
+            <a:pathLst>
+              <a:path w="120000" h="120000" extrusionOk="0">
+                <a:moveTo>
+                  <a:pt x="0" y="0"/>
+                </a:moveTo>
+                <a:lnTo>
+                  <a:pt x="120000" y="0"/>
+                </a:lnTo>
+                <a:lnTo>
+                  <a:pt x="120000" y="120000"/>
+                </a:lnTo>
+                <a:lnTo>
+                  <a:pt x="0" y="120000"/>
+                </a:lnTo>
+                <a:close/>
+              </a:path>
+            </a:pathLst>
+          </a:custGeom>
+        </p:spPr>
+      </p:sp>
+      <p:sp>
+        <p:nvSpPr>
+          <p:cNvPr id="89" name="Google Shape;89;ga207e45302_1_51:notes"/>
+          <p:cNvSpPr txBox="1">
+            <a:spLocks noGrp="1"/>
+          </p:cNvSpPr>
+          <p:nvPr>
+            <p:ph type="body" idx="1"/>
+          </p:nvPr>
+        </p:nvSpPr>
+        <p:spPr>
+          <a:xfrm>
+            <a:off x="685800" y="4343400"/>
+            <a:ext cx="5486400" cy="4114800"/>
+          </a:xfrm>
+          <a:prstGeom prst="rect">
+            <a:avLst/>
+          </a:prstGeom>
+        </p:spPr>
+        <p:txBody>
+          <a:bodyPr spcFirstLastPara="1" wrap="square" lIns="91425" tIns="91425" rIns="91425" bIns="91425" anchor="t" anchorCtr="0">
+            <a:noAutofit/>
+          </a:bodyPr>
+          <a:lstStyle/>
+          <a:p>
+            <a:pPr marL="0" lvl="0" indent="0" algn="l" rtl="0">
               <a:spcBef>
                 <a:spcPts val="0"/>
               </a:spcBef>
@@ -2298,7 +2619,7 @@
             <a:endParaRPr/>
           </a:p>
           <a:p>
-            <a:pPr indent="0" lvl="0" marL="0" rtl="0" algn="l">
+            <a:pPr marL="0" lvl="0" indent="0" algn="l" rtl="0">
               <a:spcBef>
                 <a:spcPts val="0"/>
               </a:spcBef>
@@ -2314,7 +2635,7 @@
             <a:endParaRPr/>
           </a:p>
           <a:p>
-            <a:pPr indent="0" lvl="0" marL="0" rtl="0" algn="l">
+            <a:pPr marL="0" lvl="0" indent="0" algn="l" rtl="0">
               <a:spcBef>
                 <a:spcPts val="0"/>
               </a:spcBef>
@@ -2339,12 +2660,12 @@
 </p:notes>
 </file>
 
-<file path=ppt/notesSlides/notesSlide7.xml><?xml version="1.0" encoding="utf-8"?>
-<p:notes xmlns:a="http://schemas.openxmlformats.org/drawingml/2006/main" xmlns:r="http://schemas.openxmlformats.org/officeDocument/2006/relationships" xmlns:mc="http://schemas.openxmlformats.org/markup-compatibility/2006" xmlns:mv="urn:schemas-microsoft-com:mac:vml" xmlns:p="http://schemas.openxmlformats.org/presentationml/2006/main" xmlns:c="http://schemas.openxmlformats.org/drawingml/2006/chart" xmlns:dgm="http://schemas.openxmlformats.org/drawingml/2006/diagram" xmlns:o="urn:schemas-microsoft-com:office:office" xmlns:v="urn:schemas-microsoft-com:vml" xmlns:pvml="urn:schemas-microsoft-com:office:powerpoint" xmlns:com="http://schemas.openxmlformats.org/drawingml/2006/compatibility" xmlns:p14="http://schemas.microsoft.com/office/powerpoint/2010/main" xmlns:p15="http://schemas.microsoft.com/office/powerpoint/2012/main" xmlns:ahyp="http://schemas.microsoft.com/office/drawing/2018/hyperlinkcolor" showMasterPhAnim="0" showMasterSp="0">
+<file path=ppt/notesSlides/notesSlide8.xml><?xml version="1.0" encoding="utf-8"?>
+<p:notes xmlns:a="http://schemas.openxmlformats.org/drawingml/2006/main" xmlns:r="http://schemas.openxmlformats.org/officeDocument/2006/relationships" xmlns:p="http://schemas.openxmlformats.org/presentationml/2006/main" showMasterSp="0" showMasterPhAnim="0">
   <p:cSld>
     <p:spTree>
       <p:nvGrpSpPr>
-        <p:cNvPr id="93" name="Shape 93"/>
+        <p:cNvPr id="1" name="Shape 93"/>
         <p:cNvGrpSpPr/>
         <p:nvPr/>
       </p:nvGrpSpPr>
@@ -2359,9 +2680,11 @@
       <p:sp>
         <p:nvSpPr>
           <p:cNvPr id="94" name="Google Shape;94;ga207e45302_1_56:notes"/>
-          <p:cNvSpPr/>
+          <p:cNvSpPr>
+            <a:spLocks noGrp="1" noRot="1" noChangeAspect="1"/>
+          </p:cNvSpPr>
           <p:nvPr>
-            <p:ph idx="2" type="sldImg"/>
+            <p:ph type="sldImg" idx="2"/>
           </p:nvPr>
         </p:nvSpPr>
         <p:spPr>
@@ -2370,9 +2693,13 @@
             <a:ext cx="6096000" cy="3429000"/>
           </a:xfrm>
           <a:custGeom>
-            <a:rect b="b" l="l" r="r" t="t"/>
+            <a:avLst/>
+            <a:gdLst/>
+            <a:ahLst/>
+            <a:cxnLst/>
+            <a:rect l="l" t="t" r="r" b="b"/>
             <a:pathLst>
-              <a:path extrusionOk="0" h="120000" w="120000">
+              <a:path w="120000" h="120000" extrusionOk="0">
                 <a:moveTo>
                   <a:pt x="0" y="0"/>
                 </a:moveTo>
@@ -2394,9 +2721,11 @@
       <p:sp>
         <p:nvSpPr>
           <p:cNvPr id="95" name="Google Shape;95;ga207e45302_1_56:notes"/>
-          <p:cNvSpPr txBox="1"/>
+          <p:cNvSpPr txBox="1">
+            <a:spLocks noGrp="1"/>
+          </p:cNvSpPr>
           <p:nvPr>
-            <p:ph idx="1" type="body"/>
+            <p:ph type="body" idx="1"/>
           </p:nvPr>
         </p:nvSpPr>
         <p:spPr>
@@ -2409,12 +2738,12 @@
           </a:prstGeom>
         </p:spPr>
         <p:txBody>
-          <a:bodyPr anchorCtr="0" anchor="t" bIns="91425" lIns="91425" spcFirstLastPara="1" rIns="91425" wrap="square" tIns="91425">
+          <a:bodyPr spcFirstLastPara="1" wrap="square" lIns="91425" tIns="91425" rIns="91425" bIns="91425" anchor="t" anchorCtr="0">
             <a:noAutofit/>
           </a:bodyPr>
           <a:lstStyle/>
           <a:p>
-            <a:pPr indent="0" lvl="0" marL="0" rtl="0" algn="l">
+            <a:pPr marL="0" lvl="0" indent="0" algn="l" rtl="0">
               <a:spcBef>
                 <a:spcPts val="0"/>
               </a:spcBef>
@@ -2430,7 +2759,7 @@
             <a:endParaRPr/>
           </a:p>
           <a:p>
-            <a:pPr indent="0" lvl="0" marL="0" rtl="0" algn="l">
+            <a:pPr marL="0" lvl="0" indent="0" algn="l" rtl="0">
               <a:spcBef>
                 <a:spcPts val="0"/>
               </a:spcBef>
@@ -2455,12 +2784,12 @@
 </p:notes>
 </file>
 
-<file path=ppt/notesSlides/notesSlide8.xml><?xml version="1.0" encoding="utf-8"?>
-<p:notes xmlns:a="http://schemas.openxmlformats.org/drawingml/2006/main" xmlns:r="http://schemas.openxmlformats.org/officeDocument/2006/relationships" xmlns:mc="http://schemas.openxmlformats.org/markup-compatibility/2006" xmlns:mv="urn:schemas-microsoft-com:mac:vml" xmlns:p="http://schemas.openxmlformats.org/presentationml/2006/main" xmlns:c="http://schemas.openxmlformats.org/drawingml/2006/chart" xmlns:dgm="http://schemas.openxmlformats.org/drawingml/2006/diagram" xmlns:o="urn:schemas-microsoft-com:office:office" xmlns:v="urn:schemas-microsoft-com:vml" xmlns:pvml="urn:schemas-microsoft-com:office:powerpoint" xmlns:com="http://schemas.openxmlformats.org/drawingml/2006/compatibility" xmlns:p14="http://schemas.microsoft.com/office/powerpoint/2010/main" xmlns:p15="http://schemas.microsoft.com/office/powerpoint/2012/main" xmlns:ahyp="http://schemas.microsoft.com/office/drawing/2018/hyperlinkcolor" showMasterPhAnim="0" showMasterSp="0">
+<file path=ppt/notesSlides/notesSlide9.xml><?xml version="1.0" encoding="utf-8"?>
+<p:notes xmlns:a="http://schemas.openxmlformats.org/drawingml/2006/main" xmlns:r="http://schemas.openxmlformats.org/officeDocument/2006/relationships" xmlns:p="http://schemas.openxmlformats.org/presentationml/2006/main" showMasterSp="0" showMasterPhAnim="0">
   <p:cSld>
     <p:spTree>
       <p:nvGrpSpPr>
-        <p:cNvPr id="99" name="Shape 99"/>
+        <p:cNvPr id="1" name="Shape 99"/>
         <p:cNvGrpSpPr/>
         <p:nvPr/>
       </p:nvGrpSpPr>
@@ -2475,9 +2804,11 @@
       <p:sp>
         <p:nvSpPr>
           <p:cNvPr id="100" name="Google Shape;100;ga28ae4333f_0_11:notes"/>
-          <p:cNvSpPr/>
+          <p:cNvSpPr>
+            <a:spLocks noGrp="1" noRot="1" noChangeAspect="1"/>
+          </p:cNvSpPr>
           <p:nvPr>
-            <p:ph idx="2" type="sldImg"/>
+            <p:ph type="sldImg" idx="2"/>
           </p:nvPr>
         </p:nvSpPr>
         <p:spPr>
@@ -2486,9 +2817,13 @@
             <a:ext cx="6096000" cy="3429000"/>
           </a:xfrm>
           <a:custGeom>
-            <a:rect b="b" l="l" r="r" t="t"/>
+            <a:avLst/>
+            <a:gdLst/>
+            <a:ahLst/>
+            <a:cxnLst/>
+            <a:rect l="l" t="t" r="r" b="b"/>
             <a:pathLst>
-              <a:path extrusionOk="0" h="120000" w="120000">
+              <a:path w="120000" h="120000" extrusionOk="0">
                 <a:moveTo>
                   <a:pt x="0" y="0"/>
                 </a:moveTo>
@@ -2510,9 +2845,11 @@
       <p:sp>
         <p:nvSpPr>
           <p:cNvPr id="101" name="Google Shape;101;ga28ae4333f_0_11:notes"/>
-          <p:cNvSpPr txBox="1"/>
+          <p:cNvSpPr txBox="1">
+            <a:spLocks noGrp="1"/>
+          </p:cNvSpPr>
           <p:nvPr>
-            <p:ph idx="1" type="body"/>
+            <p:ph type="body" idx="1"/>
           </p:nvPr>
         </p:nvSpPr>
         <p:spPr>
@@ -2525,12 +2862,12 @@
           </a:prstGeom>
         </p:spPr>
         <p:txBody>
-          <a:bodyPr anchorCtr="0" anchor="t" bIns="91425" lIns="91425" spcFirstLastPara="1" rIns="91425" wrap="square" tIns="91425">
+          <a:bodyPr spcFirstLastPara="1" wrap="square" lIns="91425" tIns="91425" rIns="91425" bIns="91425" anchor="t" anchorCtr="0">
             <a:noAutofit/>
           </a:bodyPr>
           <a:lstStyle/>
           <a:p>
-            <a:pPr indent="0" lvl="0" marL="0" rtl="0" algn="l">
+            <a:pPr marL="0" lvl="0" indent="0" algn="l" rtl="0">
               <a:spcBef>
                 <a:spcPts val="0"/>
               </a:spcBef>
@@ -2555,112 +2892,12 @@
 </p:notes>
 </file>
 
-<file path=ppt/notesSlides/notesSlide9.xml><?xml version="1.0" encoding="utf-8"?>
-<p:notes xmlns:a="http://schemas.openxmlformats.org/drawingml/2006/main" xmlns:r="http://schemas.openxmlformats.org/officeDocument/2006/relationships" xmlns:mc="http://schemas.openxmlformats.org/markup-compatibility/2006" xmlns:mv="urn:schemas-microsoft-com:mac:vml" xmlns:p="http://schemas.openxmlformats.org/presentationml/2006/main" xmlns:c="http://schemas.openxmlformats.org/drawingml/2006/chart" xmlns:dgm="http://schemas.openxmlformats.org/drawingml/2006/diagram" xmlns:o="urn:schemas-microsoft-com:office:office" xmlns:v="urn:schemas-microsoft-com:vml" xmlns:pvml="urn:schemas-microsoft-com:office:powerpoint" xmlns:com="http://schemas.openxmlformats.org/drawingml/2006/compatibility" xmlns:p14="http://schemas.microsoft.com/office/powerpoint/2010/main" xmlns:p15="http://schemas.microsoft.com/office/powerpoint/2012/main" xmlns:ahyp="http://schemas.microsoft.com/office/drawing/2018/hyperlinkcolor" showMasterPhAnim="0" showMasterSp="0">
-  <p:cSld>
-    <p:spTree>
-      <p:nvGrpSpPr>
-        <p:cNvPr id="105" name="Shape 105"/>
-        <p:cNvGrpSpPr/>
-        <p:nvPr/>
-      </p:nvGrpSpPr>
-      <p:grpSpPr>
-        <a:xfrm>
-          <a:off x="0" y="0"/>
-          <a:ext cx="0" cy="0"/>
-          <a:chOff x="0" y="0"/>
-          <a:chExt cx="0" cy="0"/>
-        </a:xfrm>
-      </p:grpSpPr>
-      <p:sp>
-        <p:nvSpPr>
-          <p:cNvPr id="106" name="Google Shape;106;ga207e45302_1_1:notes"/>
-          <p:cNvSpPr/>
-          <p:nvPr>
-            <p:ph idx="2" type="sldImg"/>
-          </p:nvPr>
-        </p:nvSpPr>
-        <p:spPr>
-          <a:xfrm>
-            <a:off x="381300" y="685800"/>
-            <a:ext cx="6096000" cy="3429000"/>
-          </a:xfrm>
-          <a:custGeom>
-            <a:rect b="b" l="l" r="r" t="t"/>
-            <a:pathLst>
-              <a:path extrusionOk="0" h="120000" w="120000">
-                <a:moveTo>
-                  <a:pt x="0" y="0"/>
-                </a:moveTo>
-                <a:lnTo>
-                  <a:pt x="120000" y="0"/>
-                </a:lnTo>
-                <a:lnTo>
-                  <a:pt x="120000" y="120000"/>
-                </a:lnTo>
-                <a:lnTo>
-                  <a:pt x="0" y="120000"/>
-                </a:lnTo>
-                <a:close/>
-              </a:path>
-            </a:pathLst>
-          </a:custGeom>
-        </p:spPr>
-      </p:sp>
-      <p:sp>
-        <p:nvSpPr>
-          <p:cNvPr id="107" name="Google Shape;107;ga207e45302_1_1:notes"/>
-          <p:cNvSpPr txBox="1"/>
-          <p:nvPr>
-            <p:ph idx="1" type="body"/>
-          </p:nvPr>
-        </p:nvSpPr>
-        <p:spPr>
-          <a:xfrm>
-            <a:off x="685800" y="4343400"/>
-            <a:ext cx="5486400" cy="4114800"/>
-          </a:xfrm>
-          <a:prstGeom prst="rect">
-            <a:avLst/>
-          </a:prstGeom>
-        </p:spPr>
-        <p:txBody>
-          <a:bodyPr anchorCtr="0" anchor="t" bIns="91425" lIns="91425" spcFirstLastPara="1" rIns="91425" wrap="square" tIns="91425">
-            <a:noAutofit/>
-          </a:bodyPr>
-          <a:lstStyle/>
-          <a:p>
-            <a:pPr indent="0" lvl="0" marL="0" rtl="0" algn="l">
-              <a:spcBef>
-                <a:spcPts val="0"/>
-              </a:spcBef>
-              <a:spcAft>
-                <a:spcPts val="0"/>
-              </a:spcAft>
-              <a:buNone/>
-            </a:pPr>
-            <a:r>
-              <a:rPr lang="en"/>
-              <a:t>For information, it first store it and format it into the variable and print it out as we want.</a:t>
-            </a:r>
-            <a:endParaRPr/>
-          </a:p>
-        </p:txBody>
-      </p:sp>
-    </p:spTree>
-  </p:cSld>
-  <p:clrMapOvr>
-    <a:masterClrMapping/>
-  </p:clrMapOvr>
-</p:notes>
-</file>
-
 <file path=ppt/slideLayouts/slideLayout1.xml><?xml version="1.0" encoding="utf-8"?>
-<p:sldLayout xmlns:a="http://schemas.openxmlformats.org/drawingml/2006/main" xmlns:r="http://schemas.openxmlformats.org/officeDocument/2006/relationships" xmlns:mc="http://schemas.openxmlformats.org/markup-compatibility/2006" xmlns:mv="urn:schemas-microsoft-com:mac:vml" xmlns:p="http://schemas.openxmlformats.org/presentationml/2006/main" xmlns:c="http://schemas.openxmlformats.org/drawingml/2006/chart" xmlns:dgm="http://schemas.openxmlformats.org/drawingml/2006/diagram" xmlns:o="urn:schemas-microsoft-com:office:office" xmlns:v="urn:schemas-microsoft-com:vml" xmlns:pvml="urn:schemas-microsoft-com:office:powerpoint" xmlns:com="http://schemas.openxmlformats.org/drawingml/2006/compatibility" xmlns:p14="http://schemas.microsoft.com/office/powerpoint/2010/main" xmlns:p15="http://schemas.microsoft.com/office/powerpoint/2012/main" xmlns:ahyp="http://schemas.microsoft.com/office/drawing/2018/hyperlinkcolor" matchingName="Title slide" type="title">
+<p:sldLayout xmlns:a="http://schemas.openxmlformats.org/drawingml/2006/main" xmlns:r="http://schemas.openxmlformats.org/officeDocument/2006/relationships" xmlns:p="http://schemas.openxmlformats.org/presentationml/2006/main" matchingName="Title slide" type="title">
   <p:cSld name="TITLE">
     <p:spTree>
       <p:nvGrpSpPr>
-        <p:cNvPr id="9" name="Shape 9"/>
+        <p:cNvPr id="1" name="Shape 9"/>
         <p:cNvGrpSpPr/>
         <p:nvPr/>
       </p:nvGrpSpPr>
@@ -2684,9 +2921,13 @@
             <a:ext cx="1081625" cy="1124950"/>
           </a:xfrm>
           <a:custGeom>
-            <a:rect b="b" l="l" r="r" t="t"/>
+            <a:avLst/>
+            <a:gdLst/>
+            <a:ahLst/>
+            <a:cxnLst/>
+            <a:rect l="l" t="t" r="r" b="b"/>
             <a:pathLst>
-              <a:path extrusionOk="0" h="44998" w="43265">
+              <a:path w="43265" h="44998" extrusionOk="0">
                 <a:moveTo>
                   <a:pt x="0" y="44998"/>
                 </a:moveTo>
@@ -2700,14 +2941,14 @@
             </a:pathLst>
           </a:custGeom>
           <a:noFill/>
-          <a:ln cap="flat" cmpd="sng" w="28575">
+          <a:ln w="28575" cap="flat" cmpd="sng">
             <a:solidFill>
               <a:schemeClr val="lt2"/>
             </a:solidFill>
             <a:prstDash val="solid"/>
             <a:miter lim="8000"/>
-            <a:headEnd len="sm" w="sm" type="none"/>
-            <a:tailEnd len="sm" w="sm" type="none"/>
+            <a:headEnd type="none" w="sm" len="sm"/>
+            <a:tailEnd type="none" w="sm" len="sm"/>
           </a:ln>
         </p:spPr>
       </p:sp>
@@ -2723,9 +2964,13 @@
             <a:ext cx="1081625" cy="1124950"/>
           </a:xfrm>
           <a:custGeom>
-            <a:rect b="b" l="l" r="r" t="t"/>
+            <a:avLst/>
+            <a:gdLst/>
+            <a:ahLst/>
+            <a:cxnLst/>
+            <a:rect l="l" t="t" r="r" b="b"/>
             <a:pathLst>
-              <a:path extrusionOk="0" h="44998" w="43265">
+              <a:path w="43265" h="44998" extrusionOk="0">
                 <a:moveTo>
                   <a:pt x="0" y="44998"/>
                 </a:moveTo>
@@ -2739,21 +2984,23 @@
             </a:pathLst>
           </a:custGeom>
           <a:noFill/>
-          <a:ln cap="flat" cmpd="sng" w="28575">
+          <a:ln w="28575" cap="flat" cmpd="sng">
             <a:solidFill>
               <a:schemeClr val="lt2"/>
             </a:solidFill>
             <a:prstDash val="solid"/>
             <a:miter lim="8000"/>
-            <a:headEnd len="sm" w="sm" type="none"/>
-            <a:tailEnd len="sm" w="sm" type="none"/>
+            <a:headEnd type="none" w="sm" len="sm"/>
+            <a:tailEnd type="none" w="sm" len="sm"/>
           </a:ln>
         </p:spPr>
       </p:sp>
       <p:sp>
         <p:nvSpPr>
           <p:cNvPr id="12" name="Google Shape;12;p2"/>
-          <p:cNvSpPr txBox="1"/>
+          <p:cNvSpPr txBox="1">
+            <a:spLocks noGrp="1"/>
+          </p:cNvSpPr>
           <p:nvPr>
             <p:ph type="ctrTitle"/>
           </p:nvPr>
@@ -2768,7 +3015,7 @@
           </a:prstGeom>
         </p:spPr>
         <p:txBody>
-          <a:bodyPr anchorCtr="0" anchor="b" bIns="91425" lIns="91425" spcFirstLastPara="1" rIns="91425" wrap="square" tIns="91425">
+          <a:bodyPr spcFirstLastPara="1" wrap="square" lIns="91425" tIns="91425" rIns="91425" bIns="91425" anchor="b" anchorCtr="0">
             <a:noAutofit/>
           </a:bodyPr>
           <a:lstStyle>
@@ -2872,15 +3119,19 @@
               <a:defRPr/>
             </a:lvl9pPr>
           </a:lstStyle>
-          <a:p/>
+          <a:p>
+            <a:endParaRPr/>
+          </a:p>
         </p:txBody>
       </p:sp>
       <p:sp>
         <p:nvSpPr>
           <p:cNvPr id="13" name="Google Shape;13;p2"/>
-          <p:cNvSpPr txBox="1"/>
+          <p:cNvSpPr txBox="1">
+            <a:spLocks noGrp="1"/>
+          </p:cNvSpPr>
           <p:nvPr>
-            <p:ph idx="1" type="subTitle"/>
+            <p:ph type="subTitle" idx="1"/>
           </p:nvPr>
         </p:nvSpPr>
         <p:spPr>
@@ -2893,7 +3144,7 @@
           </a:prstGeom>
         </p:spPr>
         <p:txBody>
-          <a:bodyPr anchorCtr="0" anchor="t" bIns="91425" lIns="91425" spcFirstLastPara="1" rIns="91425" wrap="square" tIns="91425">
+          <a:bodyPr spcFirstLastPara="1" wrap="square" lIns="91425" tIns="91425" rIns="91425" bIns="91425" anchor="t" anchorCtr="0">
             <a:noAutofit/>
           </a:bodyPr>
           <a:lstStyle>
@@ -3078,15 +3329,19 @@
               </a:defRPr>
             </a:lvl9pPr>
           </a:lstStyle>
-          <a:p/>
+          <a:p>
+            <a:endParaRPr/>
+          </a:p>
         </p:txBody>
       </p:sp>
       <p:sp>
         <p:nvSpPr>
           <p:cNvPr id="14" name="Google Shape;14;p2"/>
-          <p:cNvSpPr txBox="1"/>
+          <p:cNvSpPr txBox="1">
+            <a:spLocks noGrp="1"/>
+          </p:cNvSpPr>
           <p:nvPr>
-            <p:ph idx="12" type="sldNum"/>
+            <p:ph type="sldNum" idx="12"/>
           </p:nvPr>
         </p:nvSpPr>
         <p:spPr>
@@ -3099,7 +3354,7 @@
           </a:prstGeom>
         </p:spPr>
         <p:txBody>
-          <a:bodyPr anchorCtr="0" anchor="ctr" bIns="91425" lIns="91425" spcFirstLastPara="1" rIns="91425" wrap="square" tIns="91425">
+          <a:bodyPr spcFirstLastPara="1" wrap="square" lIns="91425" tIns="91425" rIns="91425" bIns="91425" anchor="ctr" anchorCtr="0">
             <a:noAutofit/>
           </a:bodyPr>
           <a:lstStyle>
@@ -3141,7 +3396,7 @@
             </a:lvl9pPr>
           </a:lstStyle>
           <a:p>
-            <a:pPr indent="0" lvl="0" marL="0" rtl="0" algn="r">
+            <a:pPr marL="0" lvl="0" indent="0" algn="r" rtl="0">
               <a:spcBef>
                 <a:spcPts val="0"/>
               </a:spcBef>
@@ -3167,11 +3422,11 @@
 </file>
 
 <file path=ppt/slideLayouts/slideLayout10.xml><?xml version="1.0" encoding="utf-8"?>
-<p:sldLayout xmlns:a="http://schemas.openxmlformats.org/drawingml/2006/main" xmlns:r="http://schemas.openxmlformats.org/officeDocument/2006/relationships" xmlns:mc="http://schemas.openxmlformats.org/markup-compatibility/2006" xmlns:mv="urn:schemas-microsoft-com:mac:vml" xmlns:p="http://schemas.openxmlformats.org/presentationml/2006/main" xmlns:c="http://schemas.openxmlformats.org/drawingml/2006/chart" xmlns:dgm="http://schemas.openxmlformats.org/drawingml/2006/diagram" xmlns:o="urn:schemas-microsoft-com:office:office" xmlns:v="urn:schemas-microsoft-com:vml" xmlns:pvml="urn:schemas-microsoft-com:office:powerpoint" xmlns:com="http://schemas.openxmlformats.org/drawingml/2006/compatibility" xmlns:p14="http://schemas.microsoft.com/office/powerpoint/2010/main" xmlns:p15="http://schemas.microsoft.com/office/powerpoint/2012/main" xmlns:ahyp="http://schemas.microsoft.com/office/drawing/2018/hyperlinkcolor" matchingName="Big number">
+<p:sldLayout xmlns:a="http://schemas.openxmlformats.org/drawingml/2006/main" xmlns:r="http://schemas.openxmlformats.org/officeDocument/2006/relationships" xmlns:p="http://schemas.openxmlformats.org/presentationml/2006/main" matchingName="Big number">
   <p:cSld name="BIG_NUMBER">
     <p:spTree>
       <p:nvGrpSpPr>
-        <p:cNvPr id="51" name="Shape 51"/>
+        <p:cNvPr id="1" name="Shape 51"/>
         <p:cNvGrpSpPr/>
         <p:nvPr/>
       </p:nvGrpSpPr>
@@ -3205,12 +3460,12 @@
           </a:ln>
         </p:spPr>
         <p:txBody>
-          <a:bodyPr anchorCtr="0" anchor="ctr" bIns="91425" lIns="91425" spcFirstLastPara="1" rIns="91425" wrap="square" tIns="91425">
+          <a:bodyPr spcFirstLastPara="1" wrap="square" lIns="91425" tIns="91425" rIns="91425" bIns="91425" anchor="ctr" anchorCtr="0">
             <a:noAutofit/>
           </a:bodyPr>
           <a:lstStyle/>
           <a:p>
-            <a:pPr indent="0" lvl="0" marL="0" rtl="0" algn="l">
+            <a:pPr marL="0" lvl="0" indent="0" algn="l" rtl="0">
               <a:spcBef>
                 <a:spcPts val="0"/>
               </a:spcBef>
@@ -3219,9 +3474,6 @@
               </a:spcAft>
               <a:buNone/>
             </a:pPr>
-            <a:r>
-              <a:t/>
-            </a:r>
             <a:endParaRPr/>
           </a:p>
         </p:txBody>
@@ -3229,9 +3481,11 @@
       <p:sp>
         <p:nvSpPr>
           <p:cNvPr id="53" name="Google Shape;53;p11"/>
-          <p:cNvSpPr txBox="1"/>
+          <p:cNvSpPr txBox="1">
+            <a:spLocks noGrp="1"/>
+          </p:cNvSpPr>
           <p:nvPr>
-            <p:ph hasCustomPrompt="1" type="title"/>
+            <p:ph type="title" hasCustomPrompt="1"/>
           </p:nvPr>
         </p:nvSpPr>
         <p:spPr>
@@ -3244,7 +3498,7 @@
           </a:prstGeom>
         </p:spPr>
         <p:txBody>
-          <a:bodyPr anchorCtr="0" anchor="ctr" bIns="91425" lIns="91425" spcFirstLastPara="1" rIns="91425" wrap="square" tIns="91425">
+          <a:bodyPr spcFirstLastPara="1" wrap="square" lIns="91425" tIns="91425" rIns="91425" bIns="91425" anchor="ctr" anchorCtr="0">
             <a:noAutofit/>
           </a:bodyPr>
           <a:lstStyle>
@@ -3421,9 +3675,11 @@
       <p:sp>
         <p:nvSpPr>
           <p:cNvPr id="54" name="Google Shape;54;p11"/>
-          <p:cNvSpPr txBox="1"/>
+          <p:cNvSpPr txBox="1">
+            <a:spLocks noGrp="1"/>
+          </p:cNvSpPr>
           <p:nvPr>
-            <p:ph idx="1" type="body"/>
+            <p:ph type="body" idx="1"/>
           </p:nvPr>
         </p:nvSpPr>
         <p:spPr>
@@ -3436,11 +3692,11 @@
           </a:prstGeom>
         </p:spPr>
         <p:txBody>
-          <a:bodyPr anchorCtr="0" anchor="t" bIns="91425" lIns="91425" spcFirstLastPara="1" rIns="91425" wrap="square" tIns="91425">
+          <a:bodyPr spcFirstLastPara="1" wrap="square" lIns="91425" tIns="91425" rIns="91425" bIns="91425" anchor="t" anchorCtr="0">
             <a:noAutofit/>
           </a:bodyPr>
           <a:lstStyle>
-            <a:lvl1pPr indent="-342900" lvl="0" marL="457200" algn="ctr">
+            <a:lvl1pPr marL="457200" lvl="0" indent="-342900" algn="ctr">
               <a:spcBef>
                 <a:spcPts val="0"/>
               </a:spcBef>
@@ -3451,7 +3707,7 @@
               <a:buChar char="●"/>
               <a:defRPr/>
             </a:lvl1pPr>
-            <a:lvl2pPr indent="-317500" lvl="1" marL="914400" algn="ctr">
+            <a:lvl2pPr marL="914400" lvl="1" indent="-317500" algn="ctr">
               <a:spcBef>
                 <a:spcPts val="1600"/>
               </a:spcBef>
@@ -3462,7 +3718,7 @@
               <a:buChar char="○"/>
               <a:defRPr/>
             </a:lvl2pPr>
-            <a:lvl3pPr indent="-317500" lvl="2" marL="1371600" algn="ctr">
+            <a:lvl3pPr marL="1371600" lvl="2" indent="-317500" algn="ctr">
               <a:spcBef>
                 <a:spcPts val="1600"/>
               </a:spcBef>
@@ -3473,7 +3729,7 @@
               <a:buChar char="■"/>
               <a:defRPr/>
             </a:lvl3pPr>
-            <a:lvl4pPr indent="-317500" lvl="3" marL="1828800" algn="ctr">
+            <a:lvl4pPr marL="1828800" lvl="3" indent="-317500" algn="ctr">
               <a:spcBef>
                 <a:spcPts val="1600"/>
               </a:spcBef>
@@ -3484,7 +3740,7 @@
               <a:buChar char="●"/>
               <a:defRPr/>
             </a:lvl4pPr>
-            <a:lvl5pPr indent="-317500" lvl="4" marL="2286000" algn="ctr">
+            <a:lvl5pPr marL="2286000" lvl="4" indent="-317500" algn="ctr">
               <a:spcBef>
                 <a:spcPts val="1600"/>
               </a:spcBef>
@@ -3495,7 +3751,7 @@
               <a:buChar char="○"/>
               <a:defRPr/>
             </a:lvl5pPr>
-            <a:lvl6pPr indent="-317500" lvl="5" marL="2743200" algn="ctr">
+            <a:lvl6pPr marL="2743200" lvl="5" indent="-317500" algn="ctr">
               <a:spcBef>
                 <a:spcPts val="1600"/>
               </a:spcBef>
@@ -3506,7 +3762,7 @@
               <a:buChar char="■"/>
               <a:defRPr/>
             </a:lvl6pPr>
-            <a:lvl7pPr indent="-317500" lvl="6" marL="3200400" algn="ctr">
+            <a:lvl7pPr marL="3200400" lvl="6" indent="-317500" algn="ctr">
               <a:spcBef>
                 <a:spcPts val="1600"/>
               </a:spcBef>
@@ -3517,7 +3773,7 @@
               <a:buChar char="●"/>
               <a:defRPr/>
             </a:lvl7pPr>
-            <a:lvl8pPr indent="-317500" lvl="7" marL="3657600" algn="ctr">
+            <a:lvl8pPr marL="3657600" lvl="7" indent="-317500" algn="ctr">
               <a:spcBef>
                 <a:spcPts val="1600"/>
               </a:spcBef>
@@ -3528,7 +3784,7 @@
               <a:buChar char="○"/>
               <a:defRPr/>
             </a:lvl8pPr>
-            <a:lvl9pPr indent="-317500" lvl="8" marL="4114800" algn="ctr">
+            <a:lvl9pPr marL="4114800" lvl="8" indent="-317500" algn="ctr">
               <a:spcBef>
                 <a:spcPts val="1600"/>
               </a:spcBef>
@@ -3540,15 +3796,19 @@
               <a:defRPr/>
             </a:lvl9pPr>
           </a:lstStyle>
-          <a:p/>
+          <a:p>
+            <a:endParaRPr/>
+          </a:p>
         </p:txBody>
       </p:sp>
       <p:sp>
         <p:nvSpPr>
           <p:cNvPr id="55" name="Google Shape;55;p11"/>
-          <p:cNvSpPr txBox="1"/>
+          <p:cNvSpPr txBox="1">
+            <a:spLocks noGrp="1"/>
+          </p:cNvSpPr>
           <p:nvPr>
-            <p:ph idx="12" type="sldNum"/>
+            <p:ph type="sldNum" idx="12"/>
           </p:nvPr>
         </p:nvSpPr>
         <p:spPr>
@@ -3561,7 +3821,7 @@
           </a:prstGeom>
         </p:spPr>
         <p:txBody>
-          <a:bodyPr anchorCtr="0" anchor="ctr" bIns="91425" lIns="91425" spcFirstLastPara="1" rIns="91425" wrap="square" tIns="91425">
+          <a:bodyPr spcFirstLastPara="1" wrap="square" lIns="91425" tIns="91425" rIns="91425" bIns="91425" anchor="ctr" anchorCtr="0">
             <a:noAutofit/>
           </a:bodyPr>
           <a:lstStyle>
@@ -3603,7 +3863,7 @@
             </a:lvl9pPr>
           </a:lstStyle>
           <a:p>
-            <a:pPr indent="0" lvl="0" marL="0" rtl="0" algn="r">
+            <a:pPr marL="0" lvl="0" indent="0" algn="r" rtl="0">
               <a:spcBef>
                 <a:spcPts val="0"/>
               </a:spcBef>
@@ -3629,11 +3889,11 @@
 </file>
 
 <file path=ppt/slideLayouts/slideLayout11.xml><?xml version="1.0" encoding="utf-8"?>
-<p:sldLayout xmlns:a="http://schemas.openxmlformats.org/drawingml/2006/main" xmlns:r="http://schemas.openxmlformats.org/officeDocument/2006/relationships" xmlns:mc="http://schemas.openxmlformats.org/markup-compatibility/2006" xmlns:mv="urn:schemas-microsoft-com:mac:vml" xmlns:p="http://schemas.openxmlformats.org/presentationml/2006/main" xmlns:c="http://schemas.openxmlformats.org/drawingml/2006/chart" xmlns:dgm="http://schemas.openxmlformats.org/drawingml/2006/diagram" xmlns:o="urn:schemas-microsoft-com:office:office" xmlns:v="urn:schemas-microsoft-com:vml" xmlns:pvml="urn:schemas-microsoft-com:office:powerpoint" xmlns:com="http://schemas.openxmlformats.org/drawingml/2006/compatibility" xmlns:p14="http://schemas.microsoft.com/office/powerpoint/2010/main" xmlns:p15="http://schemas.microsoft.com/office/powerpoint/2012/main" xmlns:ahyp="http://schemas.microsoft.com/office/drawing/2018/hyperlinkcolor" matchingName="Blank" type="blank">
+<p:sldLayout xmlns:a="http://schemas.openxmlformats.org/drawingml/2006/main" xmlns:r="http://schemas.openxmlformats.org/officeDocument/2006/relationships" xmlns:p="http://schemas.openxmlformats.org/presentationml/2006/main" matchingName="Blank" type="blank">
   <p:cSld name="BLANK">
     <p:spTree>
       <p:nvGrpSpPr>
-        <p:cNvPr id="56" name="Shape 56"/>
+        <p:cNvPr id="1" name="Shape 56"/>
         <p:cNvGrpSpPr/>
         <p:nvPr/>
       </p:nvGrpSpPr>
@@ -3648,9 +3908,11 @@
       <p:sp>
         <p:nvSpPr>
           <p:cNvPr id="57" name="Google Shape;57;p12"/>
-          <p:cNvSpPr txBox="1"/>
+          <p:cNvSpPr txBox="1">
+            <a:spLocks noGrp="1"/>
+          </p:cNvSpPr>
           <p:nvPr>
-            <p:ph idx="12" type="sldNum"/>
+            <p:ph type="sldNum" idx="12"/>
           </p:nvPr>
         </p:nvSpPr>
         <p:spPr>
@@ -3663,7 +3925,7 @@
           </a:prstGeom>
         </p:spPr>
         <p:txBody>
-          <a:bodyPr anchorCtr="0" anchor="ctr" bIns="91425" lIns="91425" spcFirstLastPara="1" rIns="91425" wrap="square" tIns="91425">
+          <a:bodyPr spcFirstLastPara="1" wrap="square" lIns="91425" tIns="91425" rIns="91425" bIns="91425" anchor="ctr" anchorCtr="0">
             <a:noAutofit/>
           </a:bodyPr>
           <a:lstStyle>
@@ -3705,7 +3967,7 @@
             </a:lvl9pPr>
           </a:lstStyle>
           <a:p>
-            <a:pPr indent="0" lvl="0" marL="0" rtl="0" algn="r">
+            <a:pPr marL="0" lvl="0" indent="0" algn="r" rtl="0">
               <a:spcBef>
                 <a:spcPts val="0"/>
               </a:spcBef>
@@ -3731,11 +3993,11 @@
 </file>
 
 <file path=ppt/slideLayouts/slideLayout2.xml><?xml version="1.0" encoding="utf-8"?>
-<p:sldLayout xmlns:a="http://schemas.openxmlformats.org/drawingml/2006/main" xmlns:r="http://schemas.openxmlformats.org/officeDocument/2006/relationships" xmlns:mc="http://schemas.openxmlformats.org/markup-compatibility/2006" xmlns:mv="urn:schemas-microsoft-com:mac:vml" xmlns:p="http://schemas.openxmlformats.org/presentationml/2006/main" xmlns:c="http://schemas.openxmlformats.org/drawingml/2006/chart" xmlns:dgm="http://schemas.openxmlformats.org/drawingml/2006/diagram" xmlns:o="urn:schemas-microsoft-com:office:office" xmlns:v="urn:schemas-microsoft-com:vml" xmlns:pvml="urn:schemas-microsoft-com:office:powerpoint" xmlns:com="http://schemas.openxmlformats.org/drawingml/2006/compatibility" xmlns:p14="http://schemas.microsoft.com/office/powerpoint/2010/main" xmlns:p15="http://schemas.microsoft.com/office/powerpoint/2012/main" xmlns:ahyp="http://schemas.microsoft.com/office/drawing/2018/hyperlinkcolor" matchingName="Section header" type="secHead">
+<p:sldLayout xmlns:a="http://schemas.openxmlformats.org/drawingml/2006/main" xmlns:r="http://schemas.openxmlformats.org/officeDocument/2006/relationships" xmlns:p="http://schemas.openxmlformats.org/presentationml/2006/main" matchingName="Section header" type="secHead">
   <p:cSld name="SECTION_HEADER">
     <p:spTree>
       <p:nvGrpSpPr>
-        <p:cNvPr id="15" name="Shape 15"/>
+        <p:cNvPr id="1" name="Shape 15"/>
         <p:cNvGrpSpPr/>
         <p:nvPr/>
       </p:nvGrpSpPr>
@@ -3759,9 +4021,13 @@
             <a:ext cx="1081625" cy="1124950"/>
           </a:xfrm>
           <a:custGeom>
-            <a:rect b="b" l="l" r="r" t="t"/>
+            <a:avLst/>
+            <a:gdLst/>
+            <a:ahLst/>
+            <a:cxnLst/>
+            <a:rect l="l" t="t" r="r" b="b"/>
             <a:pathLst>
-              <a:path extrusionOk="0" h="44998" w="43265">
+              <a:path w="43265" h="44998" extrusionOk="0">
                 <a:moveTo>
                   <a:pt x="0" y="44998"/>
                 </a:moveTo>
@@ -3775,14 +4041,14 @@
             </a:pathLst>
           </a:custGeom>
           <a:noFill/>
-          <a:ln cap="flat" cmpd="sng" w="28575">
+          <a:ln w="28575" cap="flat" cmpd="sng">
             <a:solidFill>
               <a:schemeClr val="lt2"/>
             </a:solidFill>
             <a:prstDash val="solid"/>
             <a:miter lim="8000"/>
-            <a:headEnd len="sm" w="sm" type="none"/>
-            <a:tailEnd len="sm" w="sm" type="none"/>
+            <a:headEnd type="none" w="sm" len="sm"/>
+            <a:tailEnd type="none" w="sm" len="sm"/>
           </a:ln>
         </p:spPr>
       </p:sp>
@@ -3793,14 +4059,18 @@
           <p:nvPr/>
         </p:nvSpPr>
         <p:spPr>
-          <a:xfrm flipH="1" rot="10800000">
+          <a:xfrm rot="10800000" flipH="1">
             <a:off x="466425" y="3558325"/>
             <a:ext cx="1081625" cy="1124950"/>
           </a:xfrm>
           <a:custGeom>
-            <a:rect b="b" l="l" r="r" t="t"/>
+            <a:avLst/>
+            <a:gdLst/>
+            <a:ahLst/>
+            <a:cxnLst/>
+            <a:rect l="l" t="t" r="r" b="b"/>
             <a:pathLst>
-              <a:path extrusionOk="0" h="44998" w="43265">
+              <a:path w="43265" h="44998" extrusionOk="0">
                 <a:moveTo>
                   <a:pt x="0" y="44998"/>
                 </a:moveTo>
@@ -3814,21 +4084,23 @@
             </a:pathLst>
           </a:custGeom>
           <a:noFill/>
-          <a:ln cap="flat" cmpd="sng" w="28575">
+          <a:ln w="28575" cap="flat" cmpd="sng">
             <a:solidFill>
               <a:schemeClr val="lt2"/>
             </a:solidFill>
             <a:prstDash val="solid"/>
             <a:miter lim="8000"/>
-            <a:headEnd len="sm" w="sm" type="none"/>
-            <a:tailEnd len="sm" w="sm" type="none"/>
+            <a:headEnd type="none" w="sm" len="sm"/>
+            <a:tailEnd type="none" w="sm" len="sm"/>
           </a:ln>
         </p:spPr>
       </p:sp>
       <p:sp>
         <p:nvSpPr>
           <p:cNvPr id="18" name="Google Shape;18;p3"/>
-          <p:cNvSpPr txBox="1"/>
+          <p:cNvSpPr txBox="1">
+            <a:spLocks noGrp="1"/>
+          </p:cNvSpPr>
           <p:nvPr>
             <p:ph type="title"/>
           </p:nvPr>
@@ -3843,7 +4115,7 @@
           </a:prstGeom>
         </p:spPr>
         <p:txBody>
-          <a:bodyPr anchorCtr="0" anchor="ctr" bIns="91425" lIns="91425" spcFirstLastPara="1" rIns="91425" wrap="square" tIns="91425">
+          <a:bodyPr spcFirstLastPara="1" wrap="square" lIns="91425" tIns="91425" rIns="91425" bIns="91425" anchor="ctr" anchorCtr="0">
             <a:noAutofit/>
           </a:bodyPr>
           <a:lstStyle>
@@ -3947,15 +4219,19 @@
               <a:defRPr/>
             </a:lvl9pPr>
           </a:lstStyle>
-          <a:p/>
+          <a:p>
+            <a:endParaRPr/>
+          </a:p>
         </p:txBody>
       </p:sp>
       <p:sp>
         <p:nvSpPr>
           <p:cNvPr id="19" name="Google Shape;19;p3"/>
-          <p:cNvSpPr txBox="1"/>
+          <p:cNvSpPr txBox="1">
+            <a:spLocks noGrp="1"/>
+          </p:cNvSpPr>
           <p:nvPr>
-            <p:ph idx="12" type="sldNum"/>
+            <p:ph type="sldNum" idx="12"/>
           </p:nvPr>
         </p:nvSpPr>
         <p:spPr>
@@ -3968,7 +4244,7 @@
           </a:prstGeom>
         </p:spPr>
         <p:txBody>
-          <a:bodyPr anchorCtr="0" anchor="ctr" bIns="91425" lIns="91425" spcFirstLastPara="1" rIns="91425" wrap="square" tIns="91425">
+          <a:bodyPr spcFirstLastPara="1" wrap="square" lIns="91425" tIns="91425" rIns="91425" bIns="91425" anchor="ctr" anchorCtr="0">
             <a:noAutofit/>
           </a:bodyPr>
           <a:lstStyle>
@@ -4010,7 +4286,7 @@
             </a:lvl9pPr>
           </a:lstStyle>
           <a:p>
-            <a:pPr indent="0" lvl="0" marL="0" rtl="0" algn="r">
+            <a:pPr marL="0" lvl="0" indent="0" algn="r" rtl="0">
               <a:spcBef>
                 <a:spcPts val="0"/>
               </a:spcBef>
@@ -4036,11 +4312,11 @@
 </file>
 
 <file path=ppt/slideLayouts/slideLayout3.xml><?xml version="1.0" encoding="utf-8"?>
-<p:sldLayout xmlns:a="http://schemas.openxmlformats.org/drawingml/2006/main" xmlns:r="http://schemas.openxmlformats.org/officeDocument/2006/relationships" xmlns:mc="http://schemas.openxmlformats.org/markup-compatibility/2006" xmlns:mv="urn:schemas-microsoft-com:mac:vml" xmlns:p="http://schemas.openxmlformats.org/presentationml/2006/main" xmlns:c="http://schemas.openxmlformats.org/drawingml/2006/chart" xmlns:dgm="http://schemas.openxmlformats.org/drawingml/2006/diagram" xmlns:o="urn:schemas-microsoft-com:office:office" xmlns:v="urn:schemas-microsoft-com:vml" xmlns:pvml="urn:schemas-microsoft-com:office:powerpoint" xmlns:com="http://schemas.openxmlformats.org/drawingml/2006/compatibility" xmlns:p14="http://schemas.microsoft.com/office/powerpoint/2010/main" xmlns:p15="http://schemas.microsoft.com/office/powerpoint/2012/main" xmlns:ahyp="http://schemas.microsoft.com/office/drawing/2018/hyperlinkcolor" matchingName="Title and body" type="tx">
+<p:sldLayout xmlns:a="http://schemas.openxmlformats.org/drawingml/2006/main" xmlns:r="http://schemas.openxmlformats.org/officeDocument/2006/relationships" xmlns:p="http://schemas.openxmlformats.org/presentationml/2006/main" matchingName="Title and body" type="tx">
   <p:cSld name="TITLE_AND_BODY">
     <p:spTree>
       <p:nvGrpSpPr>
-        <p:cNvPr id="20" name="Shape 20"/>
+        <p:cNvPr id="1" name="Shape 20"/>
         <p:cNvGrpSpPr/>
         <p:nvPr/>
       </p:nvGrpSpPr>
@@ -4074,12 +4350,12 @@
           </a:ln>
         </p:spPr>
         <p:txBody>
-          <a:bodyPr anchorCtr="0" anchor="ctr" bIns="91425" lIns="91425" spcFirstLastPara="1" rIns="91425" wrap="square" tIns="91425">
+          <a:bodyPr spcFirstLastPara="1" wrap="square" lIns="91425" tIns="91425" rIns="91425" bIns="91425" anchor="ctr" anchorCtr="0">
             <a:noAutofit/>
           </a:bodyPr>
           <a:lstStyle/>
           <a:p>
-            <a:pPr indent="0" lvl="0" marL="0" rtl="0" algn="l">
+            <a:pPr marL="0" lvl="0" indent="0" algn="l" rtl="0">
               <a:spcBef>
                 <a:spcPts val="0"/>
               </a:spcBef>
@@ -4088,9 +4364,6 @@
               </a:spcAft>
               <a:buNone/>
             </a:pPr>
-            <a:r>
-              <a:t/>
-            </a:r>
             <a:endParaRPr/>
           </a:p>
         </p:txBody>
@@ -4098,7 +4371,9 @@
       <p:sp>
         <p:nvSpPr>
           <p:cNvPr id="22" name="Google Shape;22;p4"/>
-          <p:cNvSpPr txBox="1"/>
+          <p:cNvSpPr txBox="1">
+            <a:spLocks noGrp="1"/>
+          </p:cNvSpPr>
           <p:nvPr>
             <p:ph type="title"/>
           </p:nvPr>
@@ -4113,7 +4388,7 @@
           </a:prstGeom>
         </p:spPr>
         <p:txBody>
-          <a:bodyPr anchorCtr="0" anchor="b" bIns="91425" lIns="91425" spcFirstLastPara="1" rIns="91425" wrap="square" tIns="91425">
+          <a:bodyPr spcFirstLastPara="1" wrap="square" lIns="91425" tIns="91425" rIns="91425" bIns="91425" anchor="b" anchorCtr="0">
             <a:noAutofit/>
           </a:bodyPr>
           <a:lstStyle>
@@ -4217,15 +4492,19 @@
               <a:defRPr/>
             </a:lvl9pPr>
           </a:lstStyle>
-          <a:p/>
+          <a:p>
+            <a:endParaRPr/>
+          </a:p>
         </p:txBody>
       </p:sp>
       <p:sp>
         <p:nvSpPr>
           <p:cNvPr id="23" name="Google Shape;23;p4"/>
-          <p:cNvSpPr txBox="1"/>
+          <p:cNvSpPr txBox="1">
+            <a:spLocks noGrp="1"/>
+          </p:cNvSpPr>
           <p:nvPr>
-            <p:ph idx="1" type="body"/>
+            <p:ph type="body" idx="1"/>
           </p:nvPr>
         </p:nvSpPr>
         <p:spPr>
@@ -4238,11 +4517,11 @@
           </a:prstGeom>
         </p:spPr>
         <p:txBody>
-          <a:bodyPr anchorCtr="0" anchor="t" bIns="91425" lIns="91425" spcFirstLastPara="1" rIns="91425" wrap="square" tIns="91425">
+          <a:bodyPr spcFirstLastPara="1" wrap="square" lIns="91425" tIns="91425" rIns="91425" bIns="91425" anchor="t" anchorCtr="0">
             <a:noAutofit/>
           </a:bodyPr>
           <a:lstStyle>
-            <a:lvl1pPr indent="-342900" lvl="0" marL="457200">
+            <a:lvl1pPr marL="457200" lvl="0" indent="-342900">
               <a:spcBef>
                 <a:spcPts val="0"/>
               </a:spcBef>
@@ -4253,7 +4532,7 @@
               <a:buChar char="●"/>
               <a:defRPr/>
             </a:lvl1pPr>
-            <a:lvl2pPr indent="-317500" lvl="1" marL="914400">
+            <a:lvl2pPr marL="914400" lvl="1" indent="-317500">
               <a:spcBef>
                 <a:spcPts val="1600"/>
               </a:spcBef>
@@ -4264,7 +4543,7 @@
               <a:buChar char="○"/>
               <a:defRPr/>
             </a:lvl2pPr>
-            <a:lvl3pPr indent="-317500" lvl="2" marL="1371600">
+            <a:lvl3pPr marL="1371600" lvl="2" indent="-317500">
               <a:spcBef>
                 <a:spcPts val="1600"/>
               </a:spcBef>
@@ -4275,7 +4554,7 @@
               <a:buChar char="■"/>
               <a:defRPr/>
             </a:lvl3pPr>
-            <a:lvl4pPr indent="-317500" lvl="3" marL="1828800">
+            <a:lvl4pPr marL="1828800" lvl="3" indent="-317500">
               <a:spcBef>
                 <a:spcPts val="1600"/>
               </a:spcBef>
@@ -4286,7 +4565,7 @@
               <a:buChar char="●"/>
               <a:defRPr/>
             </a:lvl4pPr>
-            <a:lvl5pPr indent="-317500" lvl="4" marL="2286000">
+            <a:lvl5pPr marL="2286000" lvl="4" indent="-317500">
               <a:spcBef>
                 <a:spcPts val="1600"/>
               </a:spcBef>
@@ -4297,7 +4576,7 @@
               <a:buChar char="○"/>
               <a:defRPr/>
             </a:lvl5pPr>
-            <a:lvl6pPr indent="-317500" lvl="5" marL="2743200">
+            <a:lvl6pPr marL="2743200" lvl="5" indent="-317500">
               <a:spcBef>
                 <a:spcPts val="1600"/>
               </a:spcBef>
@@ -4308,7 +4587,7 @@
               <a:buChar char="■"/>
               <a:defRPr/>
             </a:lvl6pPr>
-            <a:lvl7pPr indent="-317500" lvl="6" marL="3200400">
+            <a:lvl7pPr marL="3200400" lvl="6" indent="-317500">
               <a:spcBef>
                 <a:spcPts val="1600"/>
               </a:spcBef>
@@ -4319,7 +4598,7 @@
               <a:buChar char="●"/>
               <a:defRPr/>
             </a:lvl7pPr>
-            <a:lvl8pPr indent="-317500" lvl="7" marL="3657600">
+            <a:lvl8pPr marL="3657600" lvl="7" indent="-317500">
               <a:spcBef>
                 <a:spcPts val="1600"/>
               </a:spcBef>
@@ -4330,7 +4609,7 @@
               <a:buChar char="○"/>
               <a:defRPr/>
             </a:lvl8pPr>
-            <a:lvl9pPr indent="-317500" lvl="8" marL="4114800">
+            <a:lvl9pPr marL="4114800" lvl="8" indent="-317500">
               <a:spcBef>
                 <a:spcPts val="1600"/>
               </a:spcBef>
@@ -4342,15 +4621,19 @@
               <a:defRPr/>
             </a:lvl9pPr>
           </a:lstStyle>
-          <a:p/>
+          <a:p>
+            <a:endParaRPr/>
+          </a:p>
         </p:txBody>
       </p:sp>
       <p:sp>
         <p:nvSpPr>
           <p:cNvPr id="24" name="Google Shape;24;p4"/>
-          <p:cNvSpPr txBox="1"/>
+          <p:cNvSpPr txBox="1">
+            <a:spLocks noGrp="1"/>
+          </p:cNvSpPr>
           <p:nvPr>
-            <p:ph idx="12" type="sldNum"/>
+            <p:ph type="sldNum" idx="12"/>
           </p:nvPr>
         </p:nvSpPr>
         <p:spPr>
@@ -4363,7 +4646,7 @@
           </a:prstGeom>
         </p:spPr>
         <p:txBody>
-          <a:bodyPr anchorCtr="0" anchor="ctr" bIns="91425" lIns="91425" spcFirstLastPara="1" rIns="91425" wrap="square" tIns="91425">
+          <a:bodyPr spcFirstLastPara="1" wrap="square" lIns="91425" tIns="91425" rIns="91425" bIns="91425" anchor="ctr" anchorCtr="0">
             <a:noAutofit/>
           </a:bodyPr>
           <a:lstStyle>
@@ -4405,7 +4688,7 @@
             </a:lvl9pPr>
           </a:lstStyle>
           <a:p>
-            <a:pPr indent="0" lvl="0" marL="0" rtl="0" algn="r">
+            <a:pPr marL="0" lvl="0" indent="0" algn="r" rtl="0">
               <a:spcBef>
                 <a:spcPts val="0"/>
               </a:spcBef>
@@ -4431,11 +4714,11 @@
 </file>
 
 <file path=ppt/slideLayouts/slideLayout4.xml><?xml version="1.0" encoding="utf-8"?>
-<p:sldLayout xmlns:a="http://schemas.openxmlformats.org/drawingml/2006/main" xmlns:r="http://schemas.openxmlformats.org/officeDocument/2006/relationships" xmlns:mc="http://schemas.openxmlformats.org/markup-compatibility/2006" xmlns:mv="urn:schemas-microsoft-com:mac:vml" xmlns:p="http://schemas.openxmlformats.org/presentationml/2006/main" xmlns:c="http://schemas.openxmlformats.org/drawingml/2006/chart" xmlns:dgm="http://schemas.openxmlformats.org/drawingml/2006/diagram" xmlns:o="urn:schemas-microsoft-com:office:office" xmlns:v="urn:schemas-microsoft-com:vml" xmlns:pvml="urn:schemas-microsoft-com:office:powerpoint" xmlns:com="http://schemas.openxmlformats.org/drawingml/2006/compatibility" xmlns:p14="http://schemas.microsoft.com/office/powerpoint/2010/main" xmlns:p15="http://schemas.microsoft.com/office/powerpoint/2012/main" xmlns:ahyp="http://schemas.microsoft.com/office/drawing/2018/hyperlinkcolor" matchingName="Title and two columns" type="twoColTx">
+<p:sldLayout xmlns:a="http://schemas.openxmlformats.org/drawingml/2006/main" xmlns:r="http://schemas.openxmlformats.org/officeDocument/2006/relationships" xmlns:p="http://schemas.openxmlformats.org/presentationml/2006/main" matchingName="Title and two columns" type="twoColTx">
   <p:cSld name="TITLE_AND_TWO_COLUMNS">
     <p:spTree>
       <p:nvGrpSpPr>
-        <p:cNvPr id="25" name="Shape 25"/>
+        <p:cNvPr id="1" name="Shape 25"/>
         <p:cNvGrpSpPr/>
         <p:nvPr/>
       </p:nvGrpSpPr>
@@ -4450,7 +4733,9 @@
       <p:sp>
         <p:nvSpPr>
           <p:cNvPr id="26" name="Google Shape;26;p5"/>
-          <p:cNvSpPr txBox="1"/>
+          <p:cNvSpPr txBox="1">
+            <a:spLocks noGrp="1"/>
+          </p:cNvSpPr>
           <p:nvPr>
             <p:ph type="title"/>
           </p:nvPr>
@@ -4465,7 +4750,7 @@
           </a:prstGeom>
         </p:spPr>
         <p:txBody>
-          <a:bodyPr anchorCtr="0" anchor="b" bIns="91425" lIns="91425" spcFirstLastPara="1" rIns="91425" wrap="square" tIns="91425">
+          <a:bodyPr spcFirstLastPara="1" wrap="square" lIns="91425" tIns="91425" rIns="91425" bIns="91425" anchor="b" anchorCtr="0">
             <a:noAutofit/>
           </a:bodyPr>
           <a:lstStyle>
@@ -4569,15 +4854,19 @@
               <a:defRPr/>
             </a:lvl9pPr>
           </a:lstStyle>
-          <a:p/>
+          <a:p>
+            <a:endParaRPr/>
+          </a:p>
         </p:txBody>
       </p:sp>
       <p:sp>
         <p:nvSpPr>
           <p:cNvPr id="27" name="Google Shape;27;p5"/>
-          <p:cNvSpPr txBox="1"/>
+          <p:cNvSpPr txBox="1">
+            <a:spLocks noGrp="1"/>
+          </p:cNvSpPr>
           <p:nvPr>
-            <p:ph idx="1" type="body"/>
+            <p:ph type="body" idx="1"/>
           </p:nvPr>
         </p:nvSpPr>
         <p:spPr>
@@ -4590,11 +4879,11 @@
           </a:prstGeom>
         </p:spPr>
         <p:txBody>
-          <a:bodyPr anchorCtr="0" anchor="t" bIns="91425" lIns="91425" spcFirstLastPara="1" rIns="91425" wrap="square" tIns="91425">
+          <a:bodyPr spcFirstLastPara="1" wrap="square" lIns="91425" tIns="91425" rIns="91425" bIns="91425" anchor="t" anchorCtr="0">
             <a:noAutofit/>
           </a:bodyPr>
           <a:lstStyle>
-            <a:lvl1pPr indent="-317500" lvl="0" marL="457200">
+            <a:lvl1pPr marL="457200" lvl="0" indent="-317500">
               <a:spcBef>
                 <a:spcPts val="0"/>
               </a:spcBef>
@@ -4605,7 +4894,7 @@
               <a:buChar char="●"/>
               <a:defRPr sz="1400"/>
             </a:lvl1pPr>
-            <a:lvl2pPr indent="-304800" lvl="1" marL="914400">
+            <a:lvl2pPr marL="914400" lvl="1" indent="-304800">
               <a:spcBef>
                 <a:spcPts val="1600"/>
               </a:spcBef>
@@ -4616,7 +4905,7 @@
               <a:buChar char="○"/>
               <a:defRPr sz="1200"/>
             </a:lvl2pPr>
-            <a:lvl3pPr indent="-304800" lvl="2" marL="1371600">
+            <a:lvl3pPr marL="1371600" lvl="2" indent="-304800">
               <a:spcBef>
                 <a:spcPts val="1600"/>
               </a:spcBef>
@@ -4627,7 +4916,7 @@
               <a:buChar char="■"/>
               <a:defRPr sz="1200"/>
             </a:lvl3pPr>
-            <a:lvl4pPr indent="-304800" lvl="3" marL="1828800">
+            <a:lvl4pPr marL="1828800" lvl="3" indent="-304800">
               <a:spcBef>
                 <a:spcPts val="1600"/>
               </a:spcBef>
@@ -4638,7 +4927,7 @@
               <a:buChar char="●"/>
               <a:defRPr sz="1200"/>
             </a:lvl4pPr>
-            <a:lvl5pPr indent="-304800" lvl="4" marL="2286000">
+            <a:lvl5pPr marL="2286000" lvl="4" indent="-304800">
               <a:spcBef>
                 <a:spcPts val="1600"/>
               </a:spcBef>
@@ -4649,7 +4938,7 @@
               <a:buChar char="○"/>
               <a:defRPr sz="1200"/>
             </a:lvl5pPr>
-            <a:lvl6pPr indent="-304800" lvl="5" marL="2743200">
+            <a:lvl6pPr marL="2743200" lvl="5" indent="-304800">
               <a:spcBef>
                 <a:spcPts val="1600"/>
               </a:spcBef>
@@ -4660,7 +4949,7 @@
               <a:buChar char="■"/>
               <a:defRPr sz="1200"/>
             </a:lvl6pPr>
-            <a:lvl7pPr indent="-304800" lvl="6" marL="3200400">
+            <a:lvl7pPr marL="3200400" lvl="6" indent="-304800">
               <a:spcBef>
                 <a:spcPts val="1600"/>
               </a:spcBef>
@@ -4671,7 +4960,7 @@
               <a:buChar char="●"/>
               <a:defRPr sz="1200"/>
             </a:lvl7pPr>
-            <a:lvl8pPr indent="-304800" lvl="7" marL="3657600">
+            <a:lvl8pPr marL="3657600" lvl="7" indent="-304800">
               <a:spcBef>
                 <a:spcPts val="1600"/>
               </a:spcBef>
@@ -4682,7 +4971,7 @@
               <a:buChar char="○"/>
               <a:defRPr sz="1200"/>
             </a:lvl8pPr>
-            <a:lvl9pPr indent="-304800" lvl="8" marL="4114800">
+            <a:lvl9pPr marL="4114800" lvl="8" indent="-304800">
               <a:spcBef>
                 <a:spcPts val="1600"/>
               </a:spcBef>
@@ -4694,15 +4983,19 @@
               <a:defRPr sz="1200"/>
             </a:lvl9pPr>
           </a:lstStyle>
-          <a:p/>
+          <a:p>
+            <a:endParaRPr/>
+          </a:p>
         </p:txBody>
       </p:sp>
       <p:sp>
         <p:nvSpPr>
           <p:cNvPr id="28" name="Google Shape;28;p5"/>
-          <p:cNvSpPr txBox="1"/>
+          <p:cNvSpPr txBox="1">
+            <a:spLocks noGrp="1"/>
+          </p:cNvSpPr>
           <p:nvPr>
-            <p:ph idx="2" type="body"/>
+            <p:ph type="body" idx="2"/>
           </p:nvPr>
         </p:nvSpPr>
         <p:spPr>
@@ -4715,11 +5008,11 @@
           </a:prstGeom>
         </p:spPr>
         <p:txBody>
-          <a:bodyPr anchorCtr="0" anchor="t" bIns="91425" lIns="91425" spcFirstLastPara="1" rIns="91425" wrap="square" tIns="91425">
+          <a:bodyPr spcFirstLastPara="1" wrap="square" lIns="91425" tIns="91425" rIns="91425" bIns="91425" anchor="t" anchorCtr="0">
             <a:noAutofit/>
           </a:bodyPr>
           <a:lstStyle>
-            <a:lvl1pPr indent="-317500" lvl="0" marL="457200">
+            <a:lvl1pPr marL="457200" lvl="0" indent="-317500">
               <a:spcBef>
                 <a:spcPts val="0"/>
               </a:spcBef>
@@ -4730,7 +5023,7 @@
               <a:buChar char="●"/>
               <a:defRPr sz="1400"/>
             </a:lvl1pPr>
-            <a:lvl2pPr indent="-304800" lvl="1" marL="914400">
+            <a:lvl2pPr marL="914400" lvl="1" indent="-304800">
               <a:spcBef>
                 <a:spcPts val="1600"/>
               </a:spcBef>
@@ -4741,7 +5034,7 @@
               <a:buChar char="○"/>
               <a:defRPr sz="1200"/>
             </a:lvl2pPr>
-            <a:lvl3pPr indent="-304800" lvl="2" marL="1371600">
+            <a:lvl3pPr marL="1371600" lvl="2" indent="-304800">
               <a:spcBef>
                 <a:spcPts val="1600"/>
               </a:spcBef>
@@ -4752,7 +5045,7 @@
               <a:buChar char="■"/>
               <a:defRPr sz="1200"/>
             </a:lvl3pPr>
-            <a:lvl4pPr indent="-304800" lvl="3" marL="1828800">
+            <a:lvl4pPr marL="1828800" lvl="3" indent="-304800">
               <a:spcBef>
                 <a:spcPts val="1600"/>
               </a:spcBef>
@@ -4763,7 +5056,7 @@
               <a:buChar char="●"/>
               <a:defRPr sz="1200"/>
             </a:lvl4pPr>
-            <a:lvl5pPr indent="-304800" lvl="4" marL="2286000">
+            <a:lvl5pPr marL="2286000" lvl="4" indent="-304800">
               <a:spcBef>
                 <a:spcPts val="1600"/>
               </a:spcBef>
@@ -4774,7 +5067,7 @@
               <a:buChar char="○"/>
               <a:defRPr sz="1200"/>
             </a:lvl5pPr>
-            <a:lvl6pPr indent="-304800" lvl="5" marL="2743200">
+            <a:lvl6pPr marL="2743200" lvl="5" indent="-304800">
               <a:spcBef>
                 <a:spcPts val="1600"/>
               </a:spcBef>
@@ -4785,7 +5078,7 @@
               <a:buChar char="■"/>
               <a:defRPr sz="1200"/>
             </a:lvl6pPr>
-            <a:lvl7pPr indent="-304800" lvl="6" marL="3200400">
+            <a:lvl7pPr marL="3200400" lvl="6" indent="-304800">
               <a:spcBef>
                 <a:spcPts val="1600"/>
               </a:spcBef>
@@ -4796,7 +5089,7 @@
               <a:buChar char="●"/>
               <a:defRPr sz="1200"/>
             </a:lvl7pPr>
-            <a:lvl8pPr indent="-304800" lvl="7" marL="3657600">
+            <a:lvl8pPr marL="3657600" lvl="7" indent="-304800">
               <a:spcBef>
                 <a:spcPts val="1600"/>
               </a:spcBef>
@@ -4807,7 +5100,7 @@
               <a:buChar char="○"/>
               <a:defRPr sz="1200"/>
             </a:lvl8pPr>
-            <a:lvl9pPr indent="-304800" lvl="8" marL="4114800">
+            <a:lvl9pPr marL="4114800" lvl="8" indent="-304800">
               <a:spcBef>
                 <a:spcPts val="1600"/>
               </a:spcBef>
@@ -4819,15 +5112,19 @@
               <a:defRPr sz="1200"/>
             </a:lvl9pPr>
           </a:lstStyle>
-          <a:p/>
+          <a:p>
+            <a:endParaRPr/>
+          </a:p>
         </p:txBody>
       </p:sp>
       <p:sp>
         <p:nvSpPr>
           <p:cNvPr id="29" name="Google Shape;29;p5"/>
-          <p:cNvSpPr txBox="1"/>
+          <p:cNvSpPr txBox="1">
+            <a:spLocks noGrp="1"/>
+          </p:cNvSpPr>
           <p:nvPr>
-            <p:ph idx="12" type="sldNum"/>
+            <p:ph type="sldNum" idx="12"/>
           </p:nvPr>
         </p:nvSpPr>
         <p:spPr>
@@ -4840,7 +5137,7 @@
           </a:prstGeom>
         </p:spPr>
         <p:txBody>
-          <a:bodyPr anchorCtr="0" anchor="ctr" bIns="91425" lIns="91425" spcFirstLastPara="1" rIns="91425" wrap="square" tIns="91425">
+          <a:bodyPr spcFirstLastPara="1" wrap="square" lIns="91425" tIns="91425" rIns="91425" bIns="91425" anchor="ctr" anchorCtr="0">
             <a:noAutofit/>
           </a:bodyPr>
           <a:lstStyle>
@@ -4882,7 +5179,7 @@
             </a:lvl9pPr>
           </a:lstStyle>
           <a:p>
-            <a:pPr indent="0" lvl="0" marL="0" rtl="0" algn="r">
+            <a:pPr marL="0" lvl="0" indent="0" algn="r" rtl="0">
               <a:spcBef>
                 <a:spcPts val="0"/>
               </a:spcBef>
@@ -4908,11 +5205,11 @@
 </file>
 
 <file path=ppt/slideLayouts/slideLayout5.xml><?xml version="1.0" encoding="utf-8"?>
-<p:sldLayout xmlns:a="http://schemas.openxmlformats.org/drawingml/2006/main" xmlns:r="http://schemas.openxmlformats.org/officeDocument/2006/relationships" xmlns:mc="http://schemas.openxmlformats.org/markup-compatibility/2006" xmlns:mv="urn:schemas-microsoft-com:mac:vml" xmlns:p="http://schemas.openxmlformats.org/presentationml/2006/main" xmlns:c="http://schemas.openxmlformats.org/drawingml/2006/chart" xmlns:dgm="http://schemas.openxmlformats.org/drawingml/2006/diagram" xmlns:o="urn:schemas-microsoft-com:office:office" xmlns:v="urn:schemas-microsoft-com:vml" xmlns:pvml="urn:schemas-microsoft-com:office:powerpoint" xmlns:com="http://schemas.openxmlformats.org/drawingml/2006/compatibility" xmlns:p14="http://schemas.microsoft.com/office/powerpoint/2010/main" xmlns:p15="http://schemas.microsoft.com/office/powerpoint/2012/main" xmlns:ahyp="http://schemas.microsoft.com/office/drawing/2018/hyperlinkcolor" matchingName="Title only" type="titleOnly">
+<p:sldLayout xmlns:a="http://schemas.openxmlformats.org/drawingml/2006/main" xmlns:r="http://schemas.openxmlformats.org/officeDocument/2006/relationships" xmlns:p="http://schemas.openxmlformats.org/presentationml/2006/main" matchingName="Title only" type="titleOnly">
   <p:cSld name="TITLE_ONLY">
     <p:spTree>
       <p:nvGrpSpPr>
-        <p:cNvPr id="30" name="Shape 30"/>
+        <p:cNvPr id="1" name="Shape 30"/>
         <p:cNvGrpSpPr/>
         <p:nvPr/>
       </p:nvGrpSpPr>
@@ -4927,7 +5224,9 @@
       <p:sp>
         <p:nvSpPr>
           <p:cNvPr id="31" name="Google Shape;31;p6"/>
-          <p:cNvSpPr txBox="1"/>
+          <p:cNvSpPr txBox="1">
+            <a:spLocks noGrp="1"/>
+          </p:cNvSpPr>
           <p:nvPr>
             <p:ph type="title"/>
           </p:nvPr>
@@ -4942,7 +5241,7 @@
           </a:prstGeom>
         </p:spPr>
         <p:txBody>
-          <a:bodyPr anchorCtr="0" anchor="b" bIns="91425" lIns="91425" spcFirstLastPara="1" rIns="91425" wrap="square" tIns="91425">
+          <a:bodyPr spcFirstLastPara="1" wrap="square" lIns="91425" tIns="91425" rIns="91425" bIns="91425" anchor="b" anchorCtr="0">
             <a:noAutofit/>
           </a:bodyPr>
           <a:lstStyle>
@@ -5046,15 +5345,19 @@
               <a:defRPr/>
             </a:lvl9pPr>
           </a:lstStyle>
-          <a:p/>
+          <a:p>
+            <a:endParaRPr/>
+          </a:p>
         </p:txBody>
       </p:sp>
       <p:sp>
         <p:nvSpPr>
           <p:cNvPr id="32" name="Google Shape;32;p6"/>
-          <p:cNvSpPr txBox="1"/>
+          <p:cNvSpPr txBox="1">
+            <a:spLocks noGrp="1"/>
+          </p:cNvSpPr>
           <p:nvPr>
-            <p:ph idx="12" type="sldNum"/>
+            <p:ph type="sldNum" idx="12"/>
           </p:nvPr>
         </p:nvSpPr>
         <p:spPr>
@@ -5067,7 +5370,7 @@
           </a:prstGeom>
         </p:spPr>
         <p:txBody>
-          <a:bodyPr anchorCtr="0" anchor="ctr" bIns="91425" lIns="91425" spcFirstLastPara="1" rIns="91425" wrap="square" tIns="91425">
+          <a:bodyPr spcFirstLastPara="1" wrap="square" lIns="91425" tIns="91425" rIns="91425" bIns="91425" anchor="ctr" anchorCtr="0">
             <a:noAutofit/>
           </a:bodyPr>
           <a:lstStyle>
@@ -5109,7 +5412,7 @@
             </a:lvl9pPr>
           </a:lstStyle>
           <a:p>
-            <a:pPr indent="0" lvl="0" marL="0" rtl="0" algn="r">
+            <a:pPr marL="0" lvl="0" indent="0" algn="r" rtl="0">
               <a:spcBef>
                 <a:spcPts val="0"/>
               </a:spcBef>
@@ -5135,11 +5438,11 @@
 </file>
 
 <file path=ppt/slideLayouts/slideLayout6.xml><?xml version="1.0" encoding="utf-8"?>
-<p:sldLayout xmlns:a="http://schemas.openxmlformats.org/drawingml/2006/main" xmlns:r="http://schemas.openxmlformats.org/officeDocument/2006/relationships" xmlns:mc="http://schemas.openxmlformats.org/markup-compatibility/2006" xmlns:mv="urn:schemas-microsoft-com:mac:vml" xmlns:p="http://schemas.openxmlformats.org/presentationml/2006/main" xmlns:c="http://schemas.openxmlformats.org/drawingml/2006/chart" xmlns:dgm="http://schemas.openxmlformats.org/drawingml/2006/diagram" xmlns:o="urn:schemas-microsoft-com:office:office" xmlns:v="urn:schemas-microsoft-com:vml" xmlns:pvml="urn:schemas-microsoft-com:office:powerpoint" xmlns:com="http://schemas.openxmlformats.org/drawingml/2006/compatibility" xmlns:p14="http://schemas.microsoft.com/office/powerpoint/2010/main" xmlns:p15="http://schemas.microsoft.com/office/powerpoint/2012/main" xmlns:ahyp="http://schemas.microsoft.com/office/drawing/2018/hyperlinkcolor" matchingName="One column text">
+<p:sldLayout xmlns:a="http://schemas.openxmlformats.org/drawingml/2006/main" xmlns:r="http://schemas.openxmlformats.org/officeDocument/2006/relationships" xmlns:p="http://schemas.openxmlformats.org/presentationml/2006/main" matchingName="One column text">
   <p:cSld name="ONE_COLUMN_TEXT">
     <p:spTree>
       <p:nvGrpSpPr>
-        <p:cNvPr id="33" name="Shape 33"/>
+        <p:cNvPr id="1" name="Shape 33"/>
         <p:cNvGrpSpPr/>
         <p:nvPr/>
       </p:nvGrpSpPr>
@@ -5154,7 +5457,9 @@
       <p:sp>
         <p:nvSpPr>
           <p:cNvPr id="34" name="Google Shape;34;p7"/>
-          <p:cNvSpPr txBox="1"/>
+          <p:cNvSpPr txBox="1">
+            <a:spLocks noGrp="1"/>
+          </p:cNvSpPr>
           <p:nvPr>
             <p:ph type="title"/>
           </p:nvPr>
@@ -5169,7 +5474,7 @@
           </a:prstGeom>
         </p:spPr>
         <p:txBody>
-          <a:bodyPr anchorCtr="0" anchor="b" bIns="91425" lIns="91425" spcFirstLastPara="1" rIns="91425" wrap="square" tIns="91425">
+          <a:bodyPr spcFirstLastPara="1" wrap="square" lIns="91425" tIns="91425" rIns="91425" bIns="91425" anchor="b" anchorCtr="0">
             <a:noAutofit/>
           </a:bodyPr>
           <a:lstStyle>
@@ -5273,15 +5578,19 @@
               <a:defRPr sz="3000"/>
             </a:lvl9pPr>
           </a:lstStyle>
-          <a:p/>
+          <a:p>
+            <a:endParaRPr/>
+          </a:p>
         </p:txBody>
       </p:sp>
       <p:sp>
         <p:nvSpPr>
           <p:cNvPr id="35" name="Google Shape;35;p7"/>
-          <p:cNvSpPr txBox="1"/>
+          <p:cNvSpPr txBox="1">
+            <a:spLocks noGrp="1"/>
+          </p:cNvSpPr>
           <p:nvPr>
-            <p:ph idx="1" type="body"/>
+            <p:ph type="body" idx="1"/>
           </p:nvPr>
         </p:nvSpPr>
         <p:spPr>
@@ -5294,11 +5603,11 @@
           </a:prstGeom>
         </p:spPr>
         <p:txBody>
-          <a:bodyPr anchorCtr="0" anchor="t" bIns="91425" lIns="91425" spcFirstLastPara="1" rIns="91425" wrap="square" tIns="91425">
+          <a:bodyPr spcFirstLastPara="1" wrap="square" lIns="91425" tIns="91425" rIns="91425" bIns="91425" anchor="t" anchorCtr="0">
             <a:noAutofit/>
           </a:bodyPr>
           <a:lstStyle>
-            <a:lvl1pPr indent="-304800" lvl="0" marL="457200">
+            <a:lvl1pPr marL="457200" lvl="0" indent="-304800">
               <a:spcBef>
                 <a:spcPts val="0"/>
               </a:spcBef>
@@ -5309,7 +5618,7 @@
               <a:buChar char="●"/>
               <a:defRPr sz="1200"/>
             </a:lvl1pPr>
-            <a:lvl2pPr indent="-304800" lvl="1" marL="914400">
+            <a:lvl2pPr marL="914400" lvl="1" indent="-304800">
               <a:spcBef>
                 <a:spcPts val="1600"/>
               </a:spcBef>
@@ -5320,7 +5629,7 @@
               <a:buChar char="○"/>
               <a:defRPr sz="1200"/>
             </a:lvl2pPr>
-            <a:lvl3pPr indent="-304800" lvl="2" marL="1371600">
+            <a:lvl3pPr marL="1371600" lvl="2" indent="-304800">
               <a:spcBef>
                 <a:spcPts val="1600"/>
               </a:spcBef>
@@ -5331,7 +5640,7 @@
               <a:buChar char="■"/>
               <a:defRPr sz="1200"/>
             </a:lvl3pPr>
-            <a:lvl4pPr indent="-304800" lvl="3" marL="1828800">
+            <a:lvl4pPr marL="1828800" lvl="3" indent="-304800">
               <a:spcBef>
                 <a:spcPts val="1600"/>
               </a:spcBef>
@@ -5342,7 +5651,7 @@
               <a:buChar char="●"/>
               <a:defRPr sz="1200"/>
             </a:lvl4pPr>
-            <a:lvl5pPr indent="-304800" lvl="4" marL="2286000">
+            <a:lvl5pPr marL="2286000" lvl="4" indent="-304800">
               <a:spcBef>
                 <a:spcPts val="1600"/>
               </a:spcBef>
@@ -5353,7 +5662,7 @@
               <a:buChar char="○"/>
               <a:defRPr sz="1200"/>
             </a:lvl5pPr>
-            <a:lvl6pPr indent="-304800" lvl="5" marL="2743200">
+            <a:lvl6pPr marL="2743200" lvl="5" indent="-304800">
               <a:spcBef>
                 <a:spcPts val="1600"/>
               </a:spcBef>
@@ -5364,7 +5673,7 @@
               <a:buChar char="■"/>
               <a:defRPr sz="1200"/>
             </a:lvl6pPr>
-            <a:lvl7pPr indent="-304800" lvl="6" marL="3200400">
+            <a:lvl7pPr marL="3200400" lvl="6" indent="-304800">
               <a:spcBef>
                 <a:spcPts val="1600"/>
               </a:spcBef>
@@ -5375,7 +5684,7 @@
               <a:buChar char="●"/>
               <a:defRPr sz="1200"/>
             </a:lvl7pPr>
-            <a:lvl8pPr indent="-304800" lvl="7" marL="3657600">
+            <a:lvl8pPr marL="3657600" lvl="7" indent="-304800">
               <a:spcBef>
                 <a:spcPts val="1600"/>
               </a:spcBef>
@@ -5386,7 +5695,7 @@
               <a:buChar char="○"/>
               <a:defRPr sz="1200"/>
             </a:lvl8pPr>
-            <a:lvl9pPr indent="-304800" lvl="8" marL="4114800">
+            <a:lvl9pPr marL="4114800" lvl="8" indent="-304800">
               <a:spcBef>
                 <a:spcPts val="1600"/>
               </a:spcBef>
@@ -5398,15 +5707,19 @@
               <a:defRPr sz="1200"/>
             </a:lvl9pPr>
           </a:lstStyle>
-          <a:p/>
+          <a:p>
+            <a:endParaRPr/>
+          </a:p>
         </p:txBody>
       </p:sp>
       <p:sp>
         <p:nvSpPr>
           <p:cNvPr id="36" name="Google Shape;36;p7"/>
-          <p:cNvSpPr txBox="1"/>
+          <p:cNvSpPr txBox="1">
+            <a:spLocks noGrp="1"/>
+          </p:cNvSpPr>
           <p:nvPr>
-            <p:ph idx="12" type="sldNum"/>
+            <p:ph type="sldNum" idx="12"/>
           </p:nvPr>
         </p:nvSpPr>
         <p:spPr>
@@ -5419,7 +5732,7 @@
           </a:prstGeom>
         </p:spPr>
         <p:txBody>
-          <a:bodyPr anchorCtr="0" anchor="ctr" bIns="91425" lIns="91425" spcFirstLastPara="1" rIns="91425" wrap="square" tIns="91425">
+          <a:bodyPr spcFirstLastPara="1" wrap="square" lIns="91425" tIns="91425" rIns="91425" bIns="91425" anchor="ctr" anchorCtr="0">
             <a:noAutofit/>
           </a:bodyPr>
           <a:lstStyle>
@@ -5461,7 +5774,7 @@
             </a:lvl9pPr>
           </a:lstStyle>
           <a:p>
-            <a:pPr indent="0" lvl="0" marL="0" rtl="0" algn="r">
+            <a:pPr marL="0" lvl="0" indent="0" algn="r" rtl="0">
               <a:spcBef>
                 <a:spcPts val="0"/>
               </a:spcBef>
@@ -5487,11 +5800,11 @@
 </file>
 
 <file path=ppt/slideLayouts/slideLayout7.xml><?xml version="1.0" encoding="utf-8"?>
-<p:sldLayout xmlns:a="http://schemas.openxmlformats.org/drawingml/2006/main" xmlns:r="http://schemas.openxmlformats.org/officeDocument/2006/relationships" xmlns:mc="http://schemas.openxmlformats.org/markup-compatibility/2006" xmlns:mv="urn:schemas-microsoft-com:mac:vml" xmlns:p="http://schemas.openxmlformats.org/presentationml/2006/main" xmlns:c="http://schemas.openxmlformats.org/drawingml/2006/chart" xmlns:dgm="http://schemas.openxmlformats.org/drawingml/2006/diagram" xmlns:o="urn:schemas-microsoft-com:office:office" xmlns:v="urn:schemas-microsoft-com:vml" xmlns:pvml="urn:schemas-microsoft-com:office:powerpoint" xmlns:com="http://schemas.openxmlformats.org/drawingml/2006/compatibility" xmlns:p14="http://schemas.microsoft.com/office/powerpoint/2010/main" xmlns:p15="http://schemas.microsoft.com/office/powerpoint/2012/main" xmlns:ahyp="http://schemas.microsoft.com/office/drawing/2018/hyperlinkcolor" matchingName="Main point">
+<p:sldLayout xmlns:a="http://schemas.openxmlformats.org/drawingml/2006/main" xmlns:r="http://schemas.openxmlformats.org/officeDocument/2006/relationships" xmlns:p="http://schemas.openxmlformats.org/presentationml/2006/main" matchingName="Main point">
   <p:cSld name="MAIN_POINT">
     <p:spTree>
       <p:nvGrpSpPr>
-        <p:cNvPr id="37" name="Shape 37"/>
+        <p:cNvPr id="1" name="Shape 37"/>
         <p:cNvGrpSpPr/>
         <p:nvPr/>
       </p:nvGrpSpPr>
@@ -5525,12 +5838,12 @@
           </a:ln>
         </p:spPr>
         <p:txBody>
-          <a:bodyPr anchorCtr="0" anchor="ctr" bIns="91425" lIns="91425" spcFirstLastPara="1" rIns="91425" wrap="square" tIns="91425">
+          <a:bodyPr spcFirstLastPara="1" wrap="square" lIns="91425" tIns="91425" rIns="91425" bIns="91425" anchor="ctr" anchorCtr="0">
             <a:noAutofit/>
           </a:bodyPr>
           <a:lstStyle/>
           <a:p>
-            <a:pPr indent="0" lvl="0" marL="0" rtl="0" algn="l">
+            <a:pPr marL="0" lvl="0" indent="0" algn="l" rtl="0">
               <a:spcBef>
                 <a:spcPts val="0"/>
               </a:spcBef>
@@ -5539,9 +5852,6 @@
               </a:spcAft>
               <a:buNone/>
             </a:pPr>
-            <a:r>
-              <a:t/>
-            </a:r>
             <a:endParaRPr/>
           </a:p>
         </p:txBody>
@@ -5549,7 +5859,9 @@
       <p:sp>
         <p:nvSpPr>
           <p:cNvPr id="39" name="Google Shape;39;p8"/>
-          <p:cNvSpPr txBox="1"/>
+          <p:cNvSpPr txBox="1">
+            <a:spLocks noGrp="1"/>
+          </p:cNvSpPr>
           <p:nvPr>
             <p:ph type="title"/>
           </p:nvPr>
@@ -5564,7 +5876,7 @@
           </a:prstGeom>
         </p:spPr>
         <p:txBody>
-          <a:bodyPr anchorCtr="0" anchor="ctr" bIns="91425" lIns="91425" spcFirstLastPara="1" rIns="91425" wrap="square" tIns="91425">
+          <a:bodyPr spcFirstLastPara="1" wrap="square" lIns="91425" tIns="91425" rIns="91425" bIns="91425" anchor="ctr" anchorCtr="0">
             <a:noAutofit/>
           </a:bodyPr>
           <a:lstStyle>
@@ -5668,15 +5980,19 @@
               <a:defRPr sz="4800"/>
             </a:lvl9pPr>
           </a:lstStyle>
-          <a:p/>
+          <a:p>
+            <a:endParaRPr/>
+          </a:p>
         </p:txBody>
       </p:sp>
       <p:sp>
         <p:nvSpPr>
           <p:cNvPr id="40" name="Google Shape;40;p8"/>
-          <p:cNvSpPr txBox="1"/>
+          <p:cNvSpPr txBox="1">
+            <a:spLocks noGrp="1"/>
+          </p:cNvSpPr>
           <p:nvPr>
-            <p:ph idx="12" type="sldNum"/>
+            <p:ph type="sldNum" idx="12"/>
           </p:nvPr>
         </p:nvSpPr>
         <p:spPr>
@@ -5689,7 +6005,7 @@
           </a:prstGeom>
         </p:spPr>
         <p:txBody>
-          <a:bodyPr anchorCtr="0" anchor="ctr" bIns="91425" lIns="91425" spcFirstLastPara="1" rIns="91425" wrap="square" tIns="91425">
+          <a:bodyPr spcFirstLastPara="1" wrap="square" lIns="91425" tIns="91425" rIns="91425" bIns="91425" anchor="ctr" anchorCtr="0">
             <a:noAutofit/>
           </a:bodyPr>
           <a:lstStyle>
@@ -5731,7 +6047,7 @@
             </a:lvl9pPr>
           </a:lstStyle>
           <a:p>
-            <a:pPr indent="0" lvl="0" marL="0" rtl="0" algn="r">
+            <a:pPr marL="0" lvl="0" indent="0" algn="r" rtl="0">
               <a:spcBef>
                 <a:spcPts val="0"/>
               </a:spcBef>
@@ -5757,11 +6073,11 @@
 </file>
 
 <file path=ppt/slideLayouts/slideLayout8.xml><?xml version="1.0" encoding="utf-8"?>
-<p:sldLayout xmlns:a="http://schemas.openxmlformats.org/drawingml/2006/main" xmlns:r="http://schemas.openxmlformats.org/officeDocument/2006/relationships" xmlns:mc="http://schemas.openxmlformats.org/markup-compatibility/2006" xmlns:mv="urn:schemas-microsoft-com:mac:vml" xmlns:p="http://schemas.openxmlformats.org/presentationml/2006/main" xmlns:c="http://schemas.openxmlformats.org/drawingml/2006/chart" xmlns:dgm="http://schemas.openxmlformats.org/drawingml/2006/diagram" xmlns:o="urn:schemas-microsoft-com:office:office" xmlns:v="urn:schemas-microsoft-com:vml" xmlns:pvml="urn:schemas-microsoft-com:office:powerpoint" xmlns:com="http://schemas.openxmlformats.org/drawingml/2006/compatibility" xmlns:p14="http://schemas.microsoft.com/office/powerpoint/2010/main" xmlns:p15="http://schemas.microsoft.com/office/powerpoint/2012/main" xmlns:ahyp="http://schemas.microsoft.com/office/drawing/2018/hyperlinkcolor" matchingName="Section title and description">
+<p:sldLayout xmlns:a="http://schemas.openxmlformats.org/drawingml/2006/main" xmlns:r="http://schemas.openxmlformats.org/officeDocument/2006/relationships" xmlns:p="http://schemas.openxmlformats.org/presentationml/2006/main" matchingName="Section title and description">
   <p:cSld name="SECTION_TITLE_AND_DESCRIPTION">
     <p:spTree>
       <p:nvGrpSpPr>
-        <p:cNvPr id="41" name="Shape 41"/>
+        <p:cNvPr id="1" name="Shape 41"/>
         <p:cNvGrpSpPr/>
         <p:nvPr/>
       </p:nvGrpSpPr>
@@ -5795,12 +6111,12 @@
           </a:ln>
         </p:spPr>
         <p:txBody>
-          <a:bodyPr anchorCtr="0" anchor="ctr" bIns="91425" lIns="91425" spcFirstLastPara="1" rIns="91425" wrap="square" tIns="91425">
+          <a:bodyPr spcFirstLastPara="1" wrap="square" lIns="91425" tIns="91425" rIns="91425" bIns="91425" anchor="ctr" anchorCtr="0">
             <a:noAutofit/>
           </a:bodyPr>
           <a:lstStyle/>
           <a:p>
-            <a:pPr indent="0" lvl="0" marL="0" rtl="0" algn="l">
+            <a:pPr marL="0" lvl="0" indent="0" algn="l" rtl="0">
               <a:spcBef>
                 <a:spcPts val="0"/>
               </a:spcBef>
@@ -5809,9 +6125,6 @@
               </a:spcAft>
               <a:buNone/>
             </a:pPr>
-            <a:r>
-              <a:t/>
-            </a:r>
             <a:endParaRPr/>
           </a:p>
         </p:txBody>
@@ -5831,21 +6144,23 @@
             <a:avLst/>
           </a:prstGeom>
           <a:noFill/>
-          <a:ln cap="flat" cmpd="sng" w="19050">
+          <a:ln w="19050" cap="flat" cmpd="sng">
             <a:solidFill>
               <a:schemeClr val="lt1"/>
             </a:solidFill>
             <a:prstDash val="solid"/>
             <a:round/>
-            <a:headEnd len="sm" w="sm" type="none"/>
-            <a:tailEnd len="sm" w="sm" type="none"/>
+            <a:headEnd type="none" w="sm" len="sm"/>
+            <a:tailEnd type="none" w="sm" len="sm"/>
           </a:ln>
         </p:spPr>
       </p:cxnSp>
       <p:sp>
         <p:nvSpPr>
           <p:cNvPr id="44" name="Google Shape;44;p9"/>
-          <p:cNvSpPr txBox="1"/>
+          <p:cNvSpPr txBox="1">
+            <a:spLocks noGrp="1"/>
+          </p:cNvSpPr>
           <p:nvPr>
             <p:ph type="title"/>
           </p:nvPr>
@@ -5860,7 +6175,7 @@
           </a:prstGeom>
         </p:spPr>
         <p:txBody>
-          <a:bodyPr anchorCtr="0" anchor="b" bIns="91425" lIns="91425" spcFirstLastPara="1" rIns="91425" wrap="square" tIns="91425">
+          <a:bodyPr spcFirstLastPara="1" wrap="square" lIns="91425" tIns="91425" rIns="91425" bIns="91425" anchor="b" anchorCtr="0">
             <a:noAutofit/>
           </a:bodyPr>
           <a:lstStyle>
@@ -6027,15 +6342,19 @@
               </a:defRPr>
             </a:lvl9pPr>
           </a:lstStyle>
-          <a:p/>
+          <a:p>
+            <a:endParaRPr/>
+          </a:p>
         </p:txBody>
       </p:sp>
       <p:sp>
         <p:nvSpPr>
           <p:cNvPr id="45" name="Google Shape;45;p9"/>
-          <p:cNvSpPr txBox="1"/>
+          <p:cNvSpPr txBox="1">
+            <a:spLocks noGrp="1"/>
+          </p:cNvSpPr>
           <p:nvPr>
-            <p:ph idx="1" type="subTitle"/>
+            <p:ph type="subTitle" idx="1"/>
           </p:nvPr>
         </p:nvSpPr>
         <p:spPr>
@@ -6048,7 +6367,7 @@
           </a:prstGeom>
         </p:spPr>
         <p:txBody>
-          <a:bodyPr anchorCtr="0" anchor="t" bIns="91425" lIns="91425" spcFirstLastPara="1" rIns="91425" wrap="square" tIns="91425">
+          <a:bodyPr spcFirstLastPara="1" wrap="square" lIns="91425" tIns="91425" rIns="91425" bIns="91425" anchor="t" anchorCtr="0">
             <a:noAutofit/>
           </a:bodyPr>
           <a:lstStyle>
@@ -6233,15 +6552,19 @@
               </a:defRPr>
             </a:lvl9pPr>
           </a:lstStyle>
-          <a:p/>
+          <a:p>
+            <a:endParaRPr/>
+          </a:p>
         </p:txBody>
       </p:sp>
       <p:sp>
         <p:nvSpPr>
           <p:cNvPr id="46" name="Google Shape;46;p9"/>
-          <p:cNvSpPr txBox="1"/>
+          <p:cNvSpPr txBox="1">
+            <a:spLocks noGrp="1"/>
+          </p:cNvSpPr>
           <p:nvPr>
-            <p:ph idx="2" type="body"/>
+            <p:ph type="body" idx="2"/>
           </p:nvPr>
         </p:nvSpPr>
         <p:spPr>
@@ -6254,11 +6577,11 @@
           </a:prstGeom>
         </p:spPr>
         <p:txBody>
-          <a:bodyPr anchorCtr="0" anchor="ctr" bIns="91425" lIns="91425" spcFirstLastPara="1" rIns="91425" wrap="square" tIns="91425">
+          <a:bodyPr spcFirstLastPara="1" wrap="square" lIns="91425" tIns="91425" rIns="91425" bIns="91425" anchor="ctr" anchorCtr="0">
             <a:noAutofit/>
           </a:bodyPr>
           <a:lstStyle>
-            <a:lvl1pPr indent="-342900" lvl="0" marL="457200">
+            <a:lvl1pPr marL="457200" lvl="0" indent="-342900">
               <a:spcBef>
                 <a:spcPts val="0"/>
               </a:spcBef>
@@ -6276,7 +6599,7 @@
                 </a:solidFill>
               </a:defRPr>
             </a:lvl1pPr>
-            <a:lvl2pPr indent="-317500" lvl="1" marL="914400">
+            <a:lvl2pPr marL="914400" lvl="1" indent="-317500">
               <a:spcBef>
                 <a:spcPts val="1600"/>
               </a:spcBef>
@@ -6294,7 +6617,7 @@
                 </a:solidFill>
               </a:defRPr>
             </a:lvl2pPr>
-            <a:lvl3pPr indent="-317500" lvl="2" marL="1371600">
+            <a:lvl3pPr marL="1371600" lvl="2" indent="-317500">
               <a:spcBef>
                 <a:spcPts val="1600"/>
               </a:spcBef>
@@ -6312,7 +6635,7 @@
                 </a:solidFill>
               </a:defRPr>
             </a:lvl3pPr>
-            <a:lvl4pPr indent="-317500" lvl="3" marL="1828800">
+            <a:lvl4pPr marL="1828800" lvl="3" indent="-317500">
               <a:spcBef>
                 <a:spcPts val="1600"/>
               </a:spcBef>
@@ -6330,7 +6653,7 @@
                 </a:solidFill>
               </a:defRPr>
             </a:lvl4pPr>
-            <a:lvl5pPr indent="-317500" lvl="4" marL="2286000">
+            <a:lvl5pPr marL="2286000" lvl="4" indent="-317500">
               <a:spcBef>
                 <a:spcPts val="1600"/>
               </a:spcBef>
@@ -6348,7 +6671,7 @@
                 </a:solidFill>
               </a:defRPr>
             </a:lvl5pPr>
-            <a:lvl6pPr indent="-317500" lvl="5" marL="2743200">
+            <a:lvl6pPr marL="2743200" lvl="5" indent="-317500">
               <a:spcBef>
                 <a:spcPts val="1600"/>
               </a:spcBef>
@@ -6366,7 +6689,7 @@
                 </a:solidFill>
               </a:defRPr>
             </a:lvl6pPr>
-            <a:lvl7pPr indent="-317500" lvl="6" marL="3200400">
+            <a:lvl7pPr marL="3200400" lvl="6" indent="-317500">
               <a:spcBef>
                 <a:spcPts val="1600"/>
               </a:spcBef>
@@ -6384,7 +6707,7 @@
                 </a:solidFill>
               </a:defRPr>
             </a:lvl7pPr>
-            <a:lvl8pPr indent="-317500" lvl="7" marL="3657600">
+            <a:lvl8pPr marL="3657600" lvl="7" indent="-317500">
               <a:spcBef>
                 <a:spcPts val="1600"/>
               </a:spcBef>
@@ -6402,7 +6725,7 @@
                 </a:solidFill>
               </a:defRPr>
             </a:lvl8pPr>
-            <a:lvl9pPr indent="-317500" lvl="8" marL="4114800">
+            <a:lvl9pPr marL="4114800" lvl="8" indent="-317500">
               <a:spcBef>
                 <a:spcPts val="1600"/>
               </a:spcBef>
@@ -6421,15 +6744,19 @@
               </a:defRPr>
             </a:lvl9pPr>
           </a:lstStyle>
-          <a:p/>
+          <a:p>
+            <a:endParaRPr/>
+          </a:p>
         </p:txBody>
       </p:sp>
       <p:sp>
         <p:nvSpPr>
           <p:cNvPr id="47" name="Google Shape;47;p9"/>
-          <p:cNvSpPr txBox="1"/>
+          <p:cNvSpPr txBox="1">
+            <a:spLocks noGrp="1"/>
+          </p:cNvSpPr>
           <p:nvPr>
-            <p:ph idx="12" type="sldNum"/>
+            <p:ph type="sldNum" idx="12"/>
           </p:nvPr>
         </p:nvSpPr>
         <p:spPr>
@@ -6442,7 +6769,7 @@
           </a:prstGeom>
         </p:spPr>
         <p:txBody>
-          <a:bodyPr anchorCtr="0" anchor="ctr" bIns="91425" lIns="91425" spcFirstLastPara="1" rIns="91425" wrap="square" tIns="91425">
+          <a:bodyPr spcFirstLastPara="1" wrap="square" lIns="91425" tIns="91425" rIns="91425" bIns="91425" anchor="ctr" anchorCtr="0">
             <a:noAutofit/>
           </a:bodyPr>
           <a:lstStyle>
@@ -6520,7 +6847,7 @@
             </a:lvl9pPr>
           </a:lstStyle>
           <a:p>
-            <a:pPr indent="0" lvl="0" marL="0" rtl="0" algn="r">
+            <a:pPr marL="0" lvl="0" indent="0" algn="r" rtl="0">
               <a:spcBef>
                 <a:spcPts val="0"/>
               </a:spcBef>
@@ -6546,11 +6873,11 @@
 </file>
 
 <file path=ppt/slideLayouts/slideLayout9.xml><?xml version="1.0" encoding="utf-8"?>
-<p:sldLayout xmlns:a="http://schemas.openxmlformats.org/drawingml/2006/main" xmlns:r="http://schemas.openxmlformats.org/officeDocument/2006/relationships" xmlns:mc="http://schemas.openxmlformats.org/markup-compatibility/2006" xmlns:mv="urn:schemas-microsoft-com:mac:vml" xmlns:p="http://schemas.openxmlformats.org/presentationml/2006/main" xmlns:c="http://schemas.openxmlformats.org/drawingml/2006/chart" xmlns:dgm="http://schemas.openxmlformats.org/drawingml/2006/diagram" xmlns:o="urn:schemas-microsoft-com:office:office" xmlns:v="urn:schemas-microsoft-com:vml" xmlns:pvml="urn:schemas-microsoft-com:office:powerpoint" xmlns:com="http://schemas.openxmlformats.org/drawingml/2006/compatibility" xmlns:p14="http://schemas.microsoft.com/office/powerpoint/2010/main" xmlns:p15="http://schemas.microsoft.com/office/powerpoint/2012/main" xmlns:ahyp="http://schemas.microsoft.com/office/drawing/2018/hyperlinkcolor" matchingName="Caption">
+<p:sldLayout xmlns:a="http://schemas.openxmlformats.org/drawingml/2006/main" xmlns:r="http://schemas.openxmlformats.org/officeDocument/2006/relationships" xmlns:p="http://schemas.openxmlformats.org/presentationml/2006/main" matchingName="Caption">
   <p:cSld name="CAPTION_ONLY">
     <p:spTree>
       <p:nvGrpSpPr>
-        <p:cNvPr id="48" name="Shape 48"/>
+        <p:cNvPr id="1" name="Shape 48"/>
         <p:cNvGrpSpPr/>
         <p:nvPr/>
       </p:nvGrpSpPr>
@@ -6565,9 +6892,11 @@
       <p:sp>
         <p:nvSpPr>
           <p:cNvPr id="49" name="Google Shape;49;p10"/>
-          <p:cNvSpPr txBox="1"/>
+          <p:cNvSpPr txBox="1">
+            <a:spLocks noGrp="1"/>
+          </p:cNvSpPr>
           <p:nvPr>
-            <p:ph idx="1" type="body"/>
+            <p:ph type="body" idx="1"/>
           </p:nvPr>
         </p:nvSpPr>
         <p:spPr>
@@ -6580,11 +6909,11 @@
           </a:prstGeom>
         </p:spPr>
         <p:txBody>
-          <a:bodyPr anchorCtr="0" anchor="ctr" bIns="91425" lIns="91425" spcFirstLastPara="1" rIns="91425" wrap="square" tIns="91425">
+          <a:bodyPr spcFirstLastPara="1" wrap="square" lIns="91425" tIns="91425" rIns="91425" bIns="91425" anchor="ctr" anchorCtr="0">
             <a:noAutofit/>
           </a:bodyPr>
           <a:lstStyle>
-            <a:lvl1pPr indent="-228600" lvl="0" marL="457200">
+            <a:lvl1pPr marL="457200" lvl="0" indent="-228600">
               <a:lnSpc>
                 <a:spcPct val="100000"/>
               </a:lnSpc>
@@ -6605,15 +6934,19 @@
               </a:defRPr>
             </a:lvl1pPr>
           </a:lstStyle>
-          <a:p/>
+          <a:p>
+            <a:endParaRPr/>
+          </a:p>
         </p:txBody>
       </p:sp>
       <p:sp>
         <p:nvSpPr>
           <p:cNvPr id="50" name="Google Shape;50;p10"/>
-          <p:cNvSpPr txBox="1"/>
+          <p:cNvSpPr txBox="1">
+            <a:spLocks noGrp="1"/>
+          </p:cNvSpPr>
           <p:nvPr>
-            <p:ph idx="12" type="sldNum"/>
+            <p:ph type="sldNum" idx="12"/>
           </p:nvPr>
         </p:nvSpPr>
         <p:spPr>
@@ -6626,7 +6959,7 @@
           </a:prstGeom>
         </p:spPr>
         <p:txBody>
-          <a:bodyPr anchorCtr="0" anchor="ctr" bIns="91425" lIns="91425" spcFirstLastPara="1" rIns="91425" wrap="square" tIns="91425">
+          <a:bodyPr spcFirstLastPara="1" wrap="square" lIns="91425" tIns="91425" rIns="91425" bIns="91425" anchor="ctr" anchorCtr="0">
             <a:noAutofit/>
           </a:bodyPr>
           <a:lstStyle>
@@ -6668,7 +7001,7 @@
             </a:lvl9pPr>
           </a:lstStyle>
           <a:p>
-            <a:pPr indent="0" lvl="0" marL="0" rtl="0" algn="r">
+            <a:pPr marL="0" lvl="0" indent="0" algn="r" rtl="0">
               <a:spcBef>
                 <a:spcPts val="0"/>
               </a:spcBef>
@@ -6694,18 +7027,19 @@
 </file>
 
 <file path=ppt/slideMasters/slideMaster1.xml><?xml version="1.0" encoding="utf-8"?>
-<p:sldMaster xmlns:a="http://schemas.openxmlformats.org/drawingml/2006/main" xmlns:r="http://schemas.openxmlformats.org/officeDocument/2006/relationships" xmlns:mc="http://schemas.openxmlformats.org/markup-compatibility/2006" xmlns:mv="urn:schemas-microsoft-com:mac:vml" xmlns:p="http://schemas.openxmlformats.org/presentationml/2006/main" xmlns:c="http://schemas.openxmlformats.org/drawingml/2006/chart" xmlns:dgm="http://schemas.openxmlformats.org/drawingml/2006/diagram" xmlns:o="urn:schemas-microsoft-com:office:office" xmlns:v="urn:schemas-microsoft-com:vml" xmlns:pvml="urn:schemas-microsoft-com:office:powerpoint" xmlns:com="http://schemas.openxmlformats.org/drawingml/2006/compatibility" xmlns:p14="http://schemas.microsoft.com/office/powerpoint/2010/main" xmlns:p15="http://schemas.microsoft.com/office/powerpoint/2012/main" xmlns:ahyp="http://schemas.microsoft.com/office/drawing/2018/hyperlinkcolor">
+<p:sldMaster xmlns:a="http://schemas.openxmlformats.org/drawingml/2006/main" xmlns:r="http://schemas.openxmlformats.org/officeDocument/2006/relationships" xmlns:p="http://schemas.openxmlformats.org/presentationml/2006/main">
   <p:cSld name="luxe">
     <p:bg>
       <p:bgPr>
         <a:solidFill>
           <a:schemeClr val="lt1"/>
         </a:solidFill>
+        <a:effectLst/>
       </p:bgPr>
     </p:bg>
     <p:spTree>
       <p:nvGrpSpPr>
-        <p:cNvPr id="5" name="Shape 5"/>
+        <p:cNvPr id="1" name="Shape 5"/>
         <p:cNvGrpSpPr/>
         <p:nvPr/>
       </p:nvGrpSpPr>
@@ -6720,7 +7054,9 @@
       <p:sp>
         <p:nvSpPr>
           <p:cNvPr id="6" name="Google Shape;6;p1"/>
-          <p:cNvSpPr txBox="1"/>
+          <p:cNvSpPr txBox="1">
+            <a:spLocks noGrp="1"/>
+          </p:cNvSpPr>
           <p:nvPr>
             <p:ph type="title"/>
           </p:nvPr>
@@ -6739,7 +7075,7 @@
           </a:ln>
         </p:spPr>
         <p:txBody>
-          <a:bodyPr anchorCtr="0" anchor="b" bIns="91425" lIns="91425" spcFirstLastPara="1" rIns="91425" wrap="square" tIns="91425">
+          <a:bodyPr spcFirstLastPara="1" wrap="square" lIns="91425" tIns="91425" rIns="91425" bIns="91425" anchor="b" anchorCtr="0">
             <a:noAutofit/>
           </a:bodyPr>
           <a:lstStyle>
@@ -6951,15 +7287,19 @@
               </a:defRPr>
             </a:lvl9pPr>
           </a:lstStyle>
-          <a:p/>
+          <a:p>
+            <a:endParaRPr/>
+          </a:p>
         </p:txBody>
       </p:sp>
       <p:sp>
         <p:nvSpPr>
           <p:cNvPr id="7" name="Google Shape;7;p1"/>
-          <p:cNvSpPr txBox="1"/>
+          <p:cNvSpPr txBox="1">
+            <a:spLocks noGrp="1"/>
+          </p:cNvSpPr>
           <p:nvPr>
-            <p:ph idx="1" type="body"/>
+            <p:ph type="body" idx="1"/>
           </p:nvPr>
         </p:nvSpPr>
         <p:spPr>
@@ -6976,11 +7316,11 @@
           </a:ln>
         </p:spPr>
         <p:txBody>
-          <a:bodyPr anchorCtr="0" anchor="t" bIns="91425" lIns="91425" spcFirstLastPara="1" rIns="91425" wrap="square" tIns="91425">
+          <a:bodyPr spcFirstLastPara="1" wrap="square" lIns="91425" tIns="91425" rIns="91425" bIns="91425" anchor="t" anchorCtr="0">
             <a:noAutofit/>
           </a:bodyPr>
           <a:lstStyle>
-            <a:lvl1pPr indent="-342900" lvl="0" marL="457200">
+            <a:lvl1pPr marL="457200" lvl="0" indent="-342900">
               <a:lnSpc>
                 <a:spcPct val="115000"/>
               </a:lnSpc>
@@ -7006,7 +7346,7 @@
                 <a:sym typeface="Open Sans"/>
               </a:defRPr>
             </a:lvl1pPr>
-            <a:lvl2pPr indent="-317500" lvl="1" marL="914400">
+            <a:lvl2pPr marL="914400" lvl="1" indent="-317500">
               <a:lnSpc>
                 <a:spcPct val="115000"/>
               </a:lnSpc>
@@ -7032,7 +7372,7 @@
                 <a:sym typeface="Open Sans"/>
               </a:defRPr>
             </a:lvl2pPr>
-            <a:lvl3pPr indent="-317500" lvl="2" marL="1371600">
+            <a:lvl3pPr marL="1371600" lvl="2" indent="-317500">
               <a:lnSpc>
                 <a:spcPct val="115000"/>
               </a:lnSpc>
@@ -7058,7 +7398,7 @@
                 <a:sym typeface="Open Sans"/>
               </a:defRPr>
             </a:lvl3pPr>
-            <a:lvl4pPr indent="-317500" lvl="3" marL="1828800">
+            <a:lvl4pPr marL="1828800" lvl="3" indent="-317500">
               <a:lnSpc>
                 <a:spcPct val="115000"/>
               </a:lnSpc>
@@ -7084,7 +7424,7 @@
                 <a:sym typeface="Open Sans"/>
               </a:defRPr>
             </a:lvl4pPr>
-            <a:lvl5pPr indent="-317500" lvl="4" marL="2286000">
+            <a:lvl5pPr marL="2286000" lvl="4" indent="-317500">
               <a:lnSpc>
                 <a:spcPct val="115000"/>
               </a:lnSpc>
@@ -7110,7 +7450,7 @@
                 <a:sym typeface="Open Sans"/>
               </a:defRPr>
             </a:lvl5pPr>
-            <a:lvl6pPr indent="-317500" lvl="5" marL="2743200">
+            <a:lvl6pPr marL="2743200" lvl="5" indent="-317500">
               <a:lnSpc>
                 <a:spcPct val="115000"/>
               </a:lnSpc>
@@ -7136,7 +7476,7 @@
                 <a:sym typeface="Open Sans"/>
               </a:defRPr>
             </a:lvl6pPr>
-            <a:lvl7pPr indent="-317500" lvl="6" marL="3200400">
+            <a:lvl7pPr marL="3200400" lvl="6" indent="-317500">
               <a:lnSpc>
                 <a:spcPct val="115000"/>
               </a:lnSpc>
@@ -7162,7 +7502,7 @@
                 <a:sym typeface="Open Sans"/>
               </a:defRPr>
             </a:lvl7pPr>
-            <a:lvl8pPr indent="-317500" lvl="7" marL="3657600">
+            <a:lvl8pPr marL="3657600" lvl="7" indent="-317500">
               <a:lnSpc>
                 <a:spcPct val="115000"/>
               </a:lnSpc>
@@ -7188,7 +7528,7 @@
                 <a:sym typeface="Open Sans"/>
               </a:defRPr>
             </a:lvl8pPr>
-            <a:lvl9pPr indent="-317500" lvl="8" marL="4114800">
+            <a:lvl9pPr marL="4114800" lvl="8" indent="-317500">
               <a:lnSpc>
                 <a:spcPct val="115000"/>
               </a:lnSpc>
@@ -7215,15 +7555,19 @@
               </a:defRPr>
             </a:lvl9pPr>
           </a:lstStyle>
-          <a:p/>
+          <a:p>
+            <a:endParaRPr/>
+          </a:p>
         </p:txBody>
       </p:sp>
       <p:sp>
         <p:nvSpPr>
           <p:cNvPr id="8" name="Google Shape;8;p1"/>
-          <p:cNvSpPr txBox="1"/>
+          <p:cNvSpPr txBox="1">
+            <a:spLocks noGrp="1"/>
+          </p:cNvSpPr>
           <p:nvPr>
-            <p:ph idx="12" type="sldNum"/>
+            <p:ph type="sldNum" idx="12"/>
           </p:nvPr>
         </p:nvSpPr>
         <p:spPr>
@@ -7240,7 +7584,7 @@
           </a:ln>
         </p:spPr>
         <p:txBody>
-          <a:bodyPr anchorCtr="0" anchor="ctr" bIns="91425" lIns="91425" spcFirstLastPara="1" rIns="91425" wrap="square" tIns="91425">
+          <a:bodyPr spcFirstLastPara="1" wrap="square" lIns="91425" tIns="91425" rIns="91425" bIns="91425" anchor="ctr" anchorCtr="0">
             <a:noAutofit/>
           </a:bodyPr>
           <a:lstStyle>
@@ -7354,7 +7698,7 @@
             </a:lvl9pPr>
           </a:lstStyle>
           <a:p>
-            <a:pPr indent="0" lvl="0" marL="0" rtl="0" algn="r">
+            <a:pPr marL="0" lvl="0" indent="0" algn="r" rtl="0">
               <a:spcBef>
                 <a:spcPts val="0"/>
               </a:spcBef>
@@ -7373,7 +7717,7 @@
       </p:sp>
     </p:spTree>
   </p:cSld>
-  <p:clrMap accent1="accent1" accent2="accent2" accent3="accent3" accent4="accent4" accent5="accent5" accent6="accent6" bg1="lt1" bg2="dk2" tx1="dk1" tx2="lt2" folHlink="folHlink" hlink="hlink"/>
+  <p:clrMap bg1="lt1" tx1="dk1" bg2="dk2" tx2="lt2" accent1="accent1" accent2="accent2" accent3="accent3" accent4="accent4" accent5="accent5" accent6="accent6" hlink="hlink" folHlink="folHlink"/>
   <p:sldLayoutIdLst>
     <p:sldLayoutId id="2147483648" r:id="rId1"/>
     <p:sldLayoutId id="2147483649" r:id="rId2"/>
@@ -7387,10 +7731,10 @@
     <p:sldLayoutId id="2147483657" r:id="rId10"/>
     <p:sldLayoutId id="2147483658" r:id="rId11"/>
   </p:sldLayoutIdLst>
-  <p:hf dt="0" ftr="0" hdr="0" sldNum="0"/>
+  <p:hf sldNum="0" hdr="0" ftr="0" dt="0"/>
   <p:txStyles>
     <p:titleStyle>
-      <a:defPPr lvl="0" marR="0" rtl="0" algn="l">
+      <a:defPPr marR="0" lvl="0" algn="l" rtl="0">
         <a:lnSpc>
           <a:spcPct val="100000"/>
         </a:lnSpc>
@@ -7401,7 +7745,7 @@
           <a:spcPts val="0"/>
         </a:spcAft>
       </a:defPPr>
-      <a:lvl1pPr lvl="0" marR="0" rtl="0" algn="l">
+      <a:lvl1pPr marR="0" lvl="0" algn="l" rtl="0">
         <a:lnSpc>
           <a:spcPct val="100000"/>
         </a:lnSpc>
@@ -7415,7 +7759,7 @@
           <a:srgbClr val="000000"/>
         </a:buClr>
         <a:buFont typeface="Arial"/>
-        <a:defRPr b="0" i="0" sz="1400" u="none" cap="none" strike="noStrike">
+        <a:defRPr sz="1400" b="0" i="0" u="none" strike="noStrike" cap="none">
           <a:solidFill>
             <a:srgbClr val="000000"/>
           </a:solidFill>
@@ -7425,7 +7769,7 @@
           <a:sym typeface="Arial"/>
         </a:defRPr>
       </a:lvl1pPr>
-      <a:lvl2pPr lvl="1" marR="0" rtl="0" algn="l">
+      <a:lvl2pPr marR="0" lvl="1" algn="l" rtl="0">
         <a:lnSpc>
           <a:spcPct val="100000"/>
         </a:lnSpc>
@@ -7439,7 +7783,7 @@
           <a:srgbClr val="000000"/>
         </a:buClr>
         <a:buFont typeface="Arial"/>
-        <a:defRPr b="0" i="0" sz="1400" u="none" cap="none" strike="noStrike">
+        <a:defRPr sz="1400" b="0" i="0" u="none" strike="noStrike" cap="none">
           <a:solidFill>
             <a:srgbClr val="000000"/>
           </a:solidFill>
@@ -7449,7 +7793,7 @@
           <a:sym typeface="Arial"/>
         </a:defRPr>
       </a:lvl2pPr>
-      <a:lvl3pPr lvl="2" marR="0" rtl="0" algn="l">
+      <a:lvl3pPr marR="0" lvl="2" algn="l" rtl="0">
         <a:lnSpc>
           <a:spcPct val="100000"/>
         </a:lnSpc>
@@ -7463,7 +7807,7 @@
           <a:srgbClr val="000000"/>
         </a:buClr>
         <a:buFont typeface="Arial"/>
-        <a:defRPr b="0" i="0" sz="1400" u="none" cap="none" strike="noStrike">
+        <a:defRPr sz="1400" b="0" i="0" u="none" strike="noStrike" cap="none">
           <a:solidFill>
             <a:srgbClr val="000000"/>
           </a:solidFill>
@@ -7473,7 +7817,7 @@
           <a:sym typeface="Arial"/>
         </a:defRPr>
       </a:lvl3pPr>
-      <a:lvl4pPr lvl="3" marR="0" rtl="0" algn="l">
+      <a:lvl4pPr marR="0" lvl="3" algn="l" rtl="0">
         <a:lnSpc>
           <a:spcPct val="100000"/>
         </a:lnSpc>
@@ -7487,7 +7831,7 @@
           <a:srgbClr val="000000"/>
         </a:buClr>
         <a:buFont typeface="Arial"/>
-        <a:defRPr b="0" i="0" sz="1400" u="none" cap="none" strike="noStrike">
+        <a:defRPr sz="1400" b="0" i="0" u="none" strike="noStrike" cap="none">
           <a:solidFill>
             <a:srgbClr val="000000"/>
           </a:solidFill>
@@ -7497,7 +7841,7 @@
           <a:sym typeface="Arial"/>
         </a:defRPr>
       </a:lvl4pPr>
-      <a:lvl5pPr lvl="4" marR="0" rtl="0" algn="l">
+      <a:lvl5pPr marR="0" lvl="4" algn="l" rtl="0">
         <a:lnSpc>
           <a:spcPct val="100000"/>
         </a:lnSpc>
@@ -7511,7 +7855,7 @@
           <a:srgbClr val="000000"/>
         </a:buClr>
         <a:buFont typeface="Arial"/>
-        <a:defRPr b="0" i="0" sz="1400" u="none" cap="none" strike="noStrike">
+        <a:defRPr sz="1400" b="0" i="0" u="none" strike="noStrike" cap="none">
           <a:solidFill>
             <a:srgbClr val="000000"/>
           </a:solidFill>
@@ -7521,7 +7865,7 @@
           <a:sym typeface="Arial"/>
         </a:defRPr>
       </a:lvl5pPr>
-      <a:lvl6pPr lvl="5" marR="0" rtl="0" algn="l">
+      <a:lvl6pPr marR="0" lvl="5" algn="l" rtl="0">
         <a:lnSpc>
           <a:spcPct val="100000"/>
         </a:lnSpc>
@@ -7535,7 +7879,7 @@
           <a:srgbClr val="000000"/>
         </a:buClr>
         <a:buFont typeface="Arial"/>
-        <a:defRPr b="0" i="0" sz="1400" u="none" cap="none" strike="noStrike">
+        <a:defRPr sz="1400" b="0" i="0" u="none" strike="noStrike" cap="none">
           <a:solidFill>
             <a:srgbClr val="000000"/>
           </a:solidFill>
@@ -7545,7 +7889,7 @@
           <a:sym typeface="Arial"/>
         </a:defRPr>
       </a:lvl6pPr>
-      <a:lvl7pPr lvl="6" marR="0" rtl="0" algn="l">
+      <a:lvl7pPr marR="0" lvl="6" algn="l" rtl="0">
         <a:lnSpc>
           <a:spcPct val="100000"/>
         </a:lnSpc>
@@ -7559,7 +7903,7 @@
           <a:srgbClr val="000000"/>
         </a:buClr>
         <a:buFont typeface="Arial"/>
-        <a:defRPr b="0" i="0" sz="1400" u="none" cap="none" strike="noStrike">
+        <a:defRPr sz="1400" b="0" i="0" u="none" strike="noStrike" cap="none">
           <a:solidFill>
             <a:srgbClr val="000000"/>
           </a:solidFill>
@@ -7569,7 +7913,7 @@
           <a:sym typeface="Arial"/>
         </a:defRPr>
       </a:lvl7pPr>
-      <a:lvl8pPr lvl="7" marR="0" rtl="0" algn="l">
+      <a:lvl8pPr marR="0" lvl="7" algn="l" rtl="0">
         <a:lnSpc>
           <a:spcPct val="100000"/>
         </a:lnSpc>
@@ -7583,7 +7927,7 @@
           <a:srgbClr val="000000"/>
         </a:buClr>
         <a:buFont typeface="Arial"/>
-        <a:defRPr b="0" i="0" sz="1400" u="none" cap="none" strike="noStrike">
+        <a:defRPr sz="1400" b="0" i="0" u="none" strike="noStrike" cap="none">
           <a:solidFill>
             <a:srgbClr val="000000"/>
           </a:solidFill>
@@ -7593,7 +7937,7 @@
           <a:sym typeface="Arial"/>
         </a:defRPr>
       </a:lvl8pPr>
-      <a:lvl9pPr lvl="8" marR="0" rtl="0" algn="l">
+      <a:lvl9pPr marR="0" lvl="8" algn="l" rtl="0">
         <a:lnSpc>
           <a:spcPct val="100000"/>
         </a:lnSpc>
@@ -7607,7 +7951,7 @@
           <a:srgbClr val="000000"/>
         </a:buClr>
         <a:buFont typeface="Arial"/>
-        <a:defRPr b="0" i="0" sz="1400" u="none" cap="none" strike="noStrike">
+        <a:defRPr sz="1400" b="0" i="0" u="none" strike="noStrike" cap="none">
           <a:solidFill>
             <a:srgbClr val="000000"/>
           </a:solidFill>
@@ -7619,7 +7963,7 @@
       </a:lvl9pPr>
     </p:titleStyle>
     <p:bodyStyle>
-      <a:defPPr lvl="0" marR="0" rtl="0" algn="l">
+      <a:defPPr marR="0" lvl="0" algn="l" rtl="0">
         <a:lnSpc>
           <a:spcPct val="100000"/>
         </a:lnSpc>
@@ -7630,7 +7974,7 @@
           <a:spcPts val="0"/>
         </a:spcAft>
       </a:defPPr>
-      <a:lvl1pPr lvl="0" marR="0" rtl="0" algn="l">
+      <a:lvl1pPr marR="0" lvl="0" algn="l" rtl="0">
         <a:lnSpc>
           <a:spcPct val="100000"/>
         </a:lnSpc>
@@ -7644,7 +7988,7 @@
           <a:srgbClr val="000000"/>
         </a:buClr>
         <a:buFont typeface="Arial"/>
-        <a:defRPr b="0" i="0" sz="1400" u="none" cap="none" strike="noStrike">
+        <a:defRPr sz="1400" b="0" i="0" u="none" strike="noStrike" cap="none">
           <a:solidFill>
             <a:srgbClr val="000000"/>
           </a:solidFill>
@@ -7654,7 +7998,7 @@
           <a:sym typeface="Arial"/>
         </a:defRPr>
       </a:lvl1pPr>
-      <a:lvl2pPr lvl="1" marR="0" rtl="0" algn="l">
+      <a:lvl2pPr marR="0" lvl="1" algn="l" rtl="0">
         <a:lnSpc>
           <a:spcPct val="100000"/>
         </a:lnSpc>
@@ -7668,7 +8012,7 @@
           <a:srgbClr val="000000"/>
         </a:buClr>
         <a:buFont typeface="Arial"/>
-        <a:defRPr b="0" i="0" sz="1400" u="none" cap="none" strike="noStrike">
+        <a:defRPr sz="1400" b="0" i="0" u="none" strike="noStrike" cap="none">
           <a:solidFill>
             <a:srgbClr val="000000"/>
           </a:solidFill>
@@ -7678,7 +8022,7 @@
           <a:sym typeface="Arial"/>
         </a:defRPr>
       </a:lvl2pPr>
-      <a:lvl3pPr lvl="2" marR="0" rtl="0" algn="l">
+      <a:lvl3pPr marR="0" lvl="2" algn="l" rtl="0">
         <a:lnSpc>
           <a:spcPct val="100000"/>
         </a:lnSpc>
@@ -7692,7 +8036,7 @@
           <a:srgbClr val="000000"/>
         </a:buClr>
         <a:buFont typeface="Arial"/>
-        <a:defRPr b="0" i="0" sz="1400" u="none" cap="none" strike="noStrike">
+        <a:defRPr sz="1400" b="0" i="0" u="none" strike="noStrike" cap="none">
           <a:solidFill>
             <a:srgbClr val="000000"/>
           </a:solidFill>
@@ -7702,7 +8046,7 @@
           <a:sym typeface="Arial"/>
         </a:defRPr>
       </a:lvl3pPr>
-      <a:lvl4pPr lvl="3" marR="0" rtl="0" algn="l">
+      <a:lvl4pPr marR="0" lvl="3" algn="l" rtl="0">
         <a:lnSpc>
           <a:spcPct val="100000"/>
         </a:lnSpc>
@@ -7716,7 +8060,7 @@
           <a:srgbClr val="000000"/>
         </a:buClr>
         <a:buFont typeface="Arial"/>
-        <a:defRPr b="0" i="0" sz="1400" u="none" cap="none" strike="noStrike">
+        <a:defRPr sz="1400" b="0" i="0" u="none" strike="noStrike" cap="none">
           <a:solidFill>
             <a:srgbClr val="000000"/>
           </a:solidFill>
@@ -7726,7 +8070,7 @@
           <a:sym typeface="Arial"/>
         </a:defRPr>
       </a:lvl4pPr>
-      <a:lvl5pPr lvl="4" marR="0" rtl="0" algn="l">
+      <a:lvl5pPr marR="0" lvl="4" algn="l" rtl="0">
         <a:lnSpc>
           <a:spcPct val="100000"/>
         </a:lnSpc>
@@ -7740,7 +8084,7 @@
           <a:srgbClr val="000000"/>
         </a:buClr>
         <a:buFont typeface="Arial"/>
-        <a:defRPr b="0" i="0" sz="1400" u="none" cap="none" strike="noStrike">
+        <a:defRPr sz="1400" b="0" i="0" u="none" strike="noStrike" cap="none">
           <a:solidFill>
             <a:srgbClr val="000000"/>
           </a:solidFill>
@@ -7750,7 +8094,7 @@
           <a:sym typeface="Arial"/>
         </a:defRPr>
       </a:lvl5pPr>
-      <a:lvl6pPr lvl="5" marR="0" rtl="0" algn="l">
+      <a:lvl6pPr marR="0" lvl="5" algn="l" rtl="0">
         <a:lnSpc>
           <a:spcPct val="100000"/>
         </a:lnSpc>
@@ -7764,7 +8108,7 @@
           <a:srgbClr val="000000"/>
         </a:buClr>
         <a:buFont typeface="Arial"/>
-        <a:defRPr b="0" i="0" sz="1400" u="none" cap="none" strike="noStrike">
+        <a:defRPr sz="1400" b="0" i="0" u="none" strike="noStrike" cap="none">
           <a:solidFill>
             <a:srgbClr val="000000"/>
           </a:solidFill>
@@ -7774,7 +8118,7 @@
           <a:sym typeface="Arial"/>
         </a:defRPr>
       </a:lvl6pPr>
-      <a:lvl7pPr lvl="6" marR="0" rtl="0" algn="l">
+      <a:lvl7pPr marR="0" lvl="6" algn="l" rtl="0">
         <a:lnSpc>
           <a:spcPct val="100000"/>
         </a:lnSpc>
@@ -7788,7 +8132,7 @@
           <a:srgbClr val="000000"/>
         </a:buClr>
         <a:buFont typeface="Arial"/>
-        <a:defRPr b="0" i="0" sz="1400" u="none" cap="none" strike="noStrike">
+        <a:defRPr sz="1400" b="0" i="0" u="none" strike="noStrike" cap="none">
           <a:solidFill>
             <a:srgbClr val="000000"/>
           </a:solidFill>
@@ -7798,7 +8142,7 @@
           <a:sym typeface="Arial"/>
         </a:defRPr>
       </a:lvl7pPr>
-      <a:lvl8pPr lvl="7" marR="0" rtl="0" algn="l">
+      <a:lvl8pPr marR="0" lvl="7" algn="l" rtl="0">
         <a:lnSpc>
           <a:spcPct val="100000"/>
         </a:lnSpc>
@@ -7812,7 +8156,7 @@
           <a:srgbClr val="000000"/>
         </a:buClr>
         <a:buFont typeface="Arial"/>
-        <a:defRPr b="0" i="0" sz="1400" u="none" cap="none" strike="noStrike">
+        <a:defRPr sz="1400" b="0" i="0" u="none" strike="noStrike" cap="none">
           <a:solidFill>
             <a:srgbClr val="000000"/>
           </a:solidFill>
@@ -7822,7 +8166,7 @@
           <a:sym typeface="Arial"/>
         </a:defRPr>
       </a:lvl8pPr>
-      <a:lvl9pPr lvl="8" marR="0" rtl="0" algn="l">
+      <a:lvl9pPr marR="0" lvl="8" algn="l" rtl="0">
         <a:lnSpc>
           <a:spcPct val="100000"/>
         </a:lnSpc>
@@ -7836,7 +8180,7 @@
           <a:srgbClr val="000000"/>
         </a:buClr>
         <a:buFont typeface="Arial"/>
-        <a:defRPr b="0" i="0" sz="1400" u="none" cap="none" strike="noStrike">
+        <a:defRPr sz="1400" b="0" i="0" u="none" strike="noStrike" cap="none">
           <a:solidFill>
             <a:srgbClr val="000000"/>
           </a:solidFill>
@@ -7848,7 +8192,7 @@
       </a:lvl9pPr>
     </p:bodyStyle>
     <p:otherStyle>
-      <a:defPPr lvl="0" marR="0" rtl="0" algn="l">
+      <a:defPPr marR="0" lvl="0" algn="l" rtl="0">
         <a:lnSpc>
           <a:spcPct val="100000"/>
         </a:lnSpc>
@@ -7859,7 +8203,7 @@
           <a:spcPts val="0"/>
         </a:spcAft>
       </a:defPPr>
-      <a:lvl1pPr lvl="0" marR="0" rtl="0" algn="l">
+      <a:lvl1pPr marR="0" lvl="0" algn="l" rtl="0">
         <a:lnSpc>
           <a:spcPct val="100000"/>
         </a:lnSpc>
@@ -7873,7 +8217,7 @@
           <a:srgbClr val="000000"/>
         </a:buClr>
         <a:buFont typeface="Arial"/>
-        <a:defRPr b="0" i="0" sz="1400" u="none" cap="none" strike="noStrike">
+        <a:defRPr sz="1400" b="0" i="0" u="none" strike="noStrike" cap="none">
           <a:solidFill>
             <a:srgbClr val="000000"/>
           </a:solidFill>
@@ -7883,7 +8227,7 @@
           <a:sym typeface="Arial"/>
         </a:defRPr>
       </a:lvl1pPr>
-      <a:lvl2pPr lvl="1" marR="0" rtl="0" algn="l">
+      <a:lvl2pPr marR="0" lvl="1" algn="l" rtl="0">
         <a:lnSpc>
           <a:spcPct val="100000"/>
         </a:lnSpc>
@@ -7897,7 +8241,7 @@
           <a:srgbClr val="000000"/>
         </a:buClr>
         <a:buFont typeface="Arial"/>
-        <a:defRPr b="0" i="0" sz="1400" u="none" cap="none" strike="noStrike">
+        <a:defRPr sz="1400" b="0" i="0" u="none" strike="noStrike" cap="none">
           <a:solidFill>
             <a:srgbClr val="000000"/>
           </a:solidFill>
@@ -7907,7 +8251,7 @@
           <a:sym typeface="Arial"/>
         </a:defRPr>
       </a:lvl2pPr>
-      <a:lvl3pPr lvl="2" marR="0" rtl="0" algn="l">
+      <a:lvl3pPr marR="0" lvl="2" algn="l" rtl="0">
         <a:lnSpc>
           <a:spcPct val="100000"/>
         </a:lnSpc>
@@ -7921,7 +8265,7 @@
           <a:srgbClr val="000000"/>
         </a:buClr>
         <a:buFont typeface="Arial"/>
-        <a:defRPr b="0" i="0" sz="1400" u="none" cap="none" strike="noStrike">
+        <a:defRPr sz="1400" b="0" i="0" u="none" strike="noStrike" cap="none">
           <a:solidFill>
             <a:srgbClr val="000000"/>
           </a:solidFill>
@@ -7931,7 +8275,7 @@
           <a:sym typeface="Arial"/>
         </a:defRPr>
       </a:lvl3pPr>
-      <a:lvl4pPr lvl="3" marR="0" rtl="0" algn="l">
+      <a:lvl4pPr marR="0" lvl="3" algn="l" rtl="0">
         <a:lnSpc>
           <a:spcPct val="100000"/>
         </a:lnSpc>
@@ -7945,7 +8289,7 @@
           <a:srgbClr val="000000"/>
         </a:buClr>
         <a:buFont typeface="Arial"/>
-        <a:defRPr b="0" i="0" sz="1400" u="none" cap="none" strike="noStrike">
+        <a:defRPr sz="1400" b="0" i="0" u="none" strike="noStrike" cap="none">
           <a:solidFill>
             <a:srgbClr val="000000"/>
           </a:solidFill>
@@ -7955,7 +8299,7 @@
           <a:sym typeface="Arial"/>
         </a:defRPr>
       </a:lvl4pPr>
-      <a:lvl5pPr lvl="4" marR="0" rtl="0" algn="l">
+      <a:lvl5pPr marR="0" lvl="4" algn="l" rtl="0">
         <a:lnSpc>
           <a:spcPct val="100000"/>
         </a:lnSpc>
@@ -7969,7 +8313,7 @@
           <a:srgbClr val="000000"/>
         </a:buClr>
         <a:buFont typeface="Arial"/>
-        <a:defRPr b="0" i="0" sz="1400" u="none" cap="none" strike="noStrike">
+        <a:defRPr sz="1400" b="0" i="0" u="none" strike="noStrike" cap="none">
           <a:solidFill>
             <a:srgbClr val="000000"/>
           </a:solidFill>
@@ -7979,7 +8323,7 @@
           <a:sym typeface="Arial"/>
         </a:defRPr>
       </a:lvl5pPr>
-      <a:lvl6pPr lvl="5" marR="0" rtl="0" algn="l">
+      <a:lvl6pPr marR="0" lvl="5" algn="l" rtl="0">
         <a:lnSpc>
           <a:spcPct val="100000"/>
         </a:lnSpc>
@@ -7993,7 +8337,7 @@
           <a:srgbClr val="000000"/>
         </a:buClr>
         <a:buFont typeface="Arial"/>
-        <a:defRPr b="0" i="0" sz="1400" u="none" cap="none" strike="noStrike">
+        <a:defRPr sz="1400" b="0" i="0" u="none" strike="noStrike" cap="none">
           <a:solidFill>
             <a:srgbClr val="000000"/>
           </a:solidFill>
@@ -8003,7 +8347,7 @@
           <a:sym typeface="Arial"/>
         </a:defRPr>
       </a:lvl6pPr>
-      <a:lvl7pPr lvl="6" marR="0" rtl="0" algn="l">
+      <a:lvl7pPr marR="0" lvl="6" algn="l" rtl="0">
         <a:lnSpc>
           <a:spcPct val="100000"/>
         </a:lnSpc>
@@ -8017,7 +8361,7 @@
           <a:srgbClr val="000000"/>
         </a:buClr>
         <a:buFont typeface="Arial"/>
-        <a:defRPr b="0" i="0" sz="1400" u="none" cap="none" strike="noStrike">
+        <a:defRPr sz="1400" b="0" i="0" u="none" strike="noStrike" cap="none">
           <a:solidFill>
             <a:srgbClr val="000000"/>
           </a:solidFill>
@@ -8027,7 +8371,7 @@
           <a:sym typeface="Arial"/>
         </a:defRPr>
       </a:lvl7pPr>
-      <a:lvl8pPr lvl="7" marR="0" rtl="0" algn="l">
+      <a:lvl8pPr marR="0" lvl="7" algn="l" rtl="0">
         <a:lnSpc>
           <a:spcPct val="100000"/>
         </a:lnSpc>
@@ -8041,7 +8385,7 @@
           <a:srgbClr val="000000"/>
         </a:buClr>
         <a:buFont typeface="Arial"/>
-        <a:defRPr b="0" i="0" sz="1400" u="none" cap="none" strike="noStrike">
+        <a:defRPr sz="1400" b="0" i="0" u="none" strike="noStrike" cap="none">
           <a:solidFill>
             <a:srgbClr val="000000"/>
           </a:solidFill>
@@ -8051,7 +8395,7 @@
           <a:sym typeface="Arial"/>
         </a:defRPr>
       </a:lvl8pPr>
-      <a:lvl9pPr lvl="8" marR="0" rtl="0" algn="l">
+      <a:lvl9pPr marR="0" lvl="8" algn="l" rtl="0">
         <a:lnSpc>
           <a:spcPct val="100000"/>
         </a:lnSpc>
@@ -8065,7 +8409,7 @@
           <a:srgbClr val="000000"/>
         </a:buClr>
         <a:buFont typeface="Arial"/>
-        <a:defRPr b="0" i="0" sz="1400" u="none" cap="none" strike="noStrike">
+        <a:defRPr sz="1400" b="0" i="0" u="none" strike="noStrike" cap="none">
           <a:solidFill>
             <a:srgbClr val="000000"/>
           </a:solidFill>
@@ -8081,7 +8425,7 @@
 </file>
 
 <file path=ppt/slides/slide1.xml><?xml version="1.0" encoding="utf-8"?>
-<p:sld xmlns:a="http://schemas.openxmlformats.org/drawingml/2006/main" xmlns:r="http://schemas.openxmlformats.org/officeDocument/2006/relationships" xmlns:mc="http://schemas.openxmlformats.org/markup-compatibility/2006" xmlns:mv="urn:schemas-microsoft-com:mac:vml" xmlns:p="http://schemas.openxmlformats.org/presentationml/2006/main" xmlns:c="http://schemas.openxmlformats.org/drawingml/2006/chart" xmlns:dgm="http://schemas.openxmlformats.org/drawingml/2006/diagram" xmlns:o="urn:schemas-microsoft-com:office:office" xmlns:v="urn:schemas-microsoft-com:vml" xmlns:pvml="urn:schemas-microsoft-com:office:powerpoint" xmlns:com="http://schemas.openxmlformats.org/drawingml/2006/compatibility" xmlns:p14="http://schemas.microsoft.com/office/powerpoint/2010/main" xmlns:p15="http://schemas.microsoft.com/office/powerpoint/2012/main" xmlns:ahyp="http://schemas.microsoft.com/office/drawing/2018/hyperlinkcolor">
+<p:sld xmlns:a="http://schemas.openxmlformats.org/drawingml/2006/main" xmlns:r="http://schemas.openxmlformats.org/officeDocument/2006/relationships" xmlns:p="http://schemas.openxmlformats.org/presentationml/2006/main">
   <p:cSld>
     <p:bg>
       <p:bgPr>
@@ -8093,11 +8437,12 @@
             <a:fillRect/>
           </a:stretch>
         </a:blipFill>
+        <a:effectLst/>
       </p:bgPr>
     </p:bg>
     <p:spTree>
       <p:nvGrpSpPr>
-        <p:cNvPr id="61" name="Shape 61"/>
+        <p:cNvPr id="1" name="Shape 61"/>
         <p:cNvGrpSpPr/>
         <p:nvPr/>
       </p:nvGrpSpPr>
@@ -8112,7 +8457,9 @@
       <p:sp>
         <p:nvSpPr>
           <p:cNvPr id="62" name="Google Shape;62;p13"/>
-          <p:cNvSpPr txBox="1"/>
+          <p:cNvSpPr txBox="1">
+            <a:spLocks noGrp="1"/>
+          </p:cNvSpPr>
           <p:nvPr>
             <p:ph type="ctrTitle"/>
           </p:nvPr>
@@ -8127,12 +8474,12 @@
           </a:prstGeom>
         </p:spPr>
         <p:txBody>
-          <a:bodyPr anchorCtr="0" anchor="b" bIns="91425" lIns="91425" spcFirstLastPara="1" rIns="91425" wrap="square" tIns="91425">
+          <a:bodyPr spcFirstLastPara="1" wrap="square" lIns="91425" tIns="91425" rIns="91425" bIns="91425" anchor="b" anchorCtr="0">
             <a:noAutofit/>
           </a:bodyPr>
           <a:lstStyle/>
           <a:p>
-            <a:pPr indent="0" lvl="0" marL="0" rtl="0" algn="ctr">
+            <a:pPr marL="0" lvl="0" indent="0" algn="ctr" rtl="0">
               <a:spcBef>
                 <a:spcPts val="0"/>
               </a:spcBef>
@@ -8152,9 +8499,11 @@
       <p:sp>
         <p:nvSpPr>
           <p:cNvPr id="63" name="Google Shape;63;p13"/>
-          <p:cNvSpPr txBox="1"/>
+          <p:cNvSpPr txBox="1">
+            <a:spLocks noGrp="1"/>
+          </p:cNvSpPr>
           <p:nvPr>
-            <p:ph idx="1" type="subTitle"/>
+            <p:ph type="subTitle" idx="1"/>
           </p:nvPr>
         </p:nvSpPr>
         <p:spPr>
@@ -8171,12 +8520,12 @@
           </a:ln>
         </p:spPr>
         <p:txBody>
-          <a:bodyPr anchorCtr="0" anchor="t" bIns="91425" lIns="91425" spcFirstLastPara="1" rIns="91425" wrap="square" tIns="91425">
+          <a:bodyPr spcFirstLastPara="1" wrap="square" lIns="91425" tIns="91425" rIns="91425" bIns="91425" anchor="t" anchorCtr="0">
             <a:noAutofit/>
           </a:bodyPr>
           <a:lstStyle/>
           <a:p>
-            <a:pPr indent="0" lvl="0" marL="0" rtl="0" algn="ctr">
+            <a:pPr marL="0" lvl="0" indent="0" algn="ctr" rtl="0">
               <a:spcBef>
                 <a:spcPts val="0"/>
               </a:spcBef>
@@ -8210,7 +8559,7 @@
 </file>
 
 <file path=ppt/slides/slide10.xml><?xml version="1.0" encoding="utf-8"?>
-<p:sld xmlns:a="http://schemas.openxmlformats.org/drawingml/2006/main" xmlns:r="http://schemas.openxmlformats.org/officeDocument/2006/relationships" xmlns:mc="http://schemas.openxmlformats.org/markup-compatibility/2006" xmlns:mv="urn:schemas-microsoft-com:mac:vml" xmlns:p="http://schemas.openxmlformats.org/presentationml/2006/main" xmlns:c="http://schemas.openxmlformats.org/drawingml/2006/chart" xmlns:dgm="http://schemas.openxmlformats.org/drawingml/2006/diagram" xmlns:o="urn:schemas-microsoft-com:office:office" xmlns:v="urn:schemas-microsoft-com:vml" xmlns:pvml="urn:schemas-microsoft-com:office:powerpoint" xmlns:com="http://schemas.openxmlformats.org/drawingml/2006/compatibility" xmlns:p14="http://schemas.microsoft.com/office/powerpoint/2010/main" xmlns:p15="http://schemas.microsoft.com/office/powerpoint/2012/main" xmlns:ahyp="http://schemas.microsoft.com/office/drawing/2018/hyperlinkcolor">
+<p:sld xmlns:a="http://schemas.openxmlformats.org/drawingml/2006/main" xmlns:r="http://schemas.openxmlformats.org/officeDocument/2006/relationships" xmlns:p="http://schemas.openxmlformats.org/presentationml/2006/main">
   <p:cSld>
     <p:bg>
       <p:bgPr>
@@ -8222,11 +8571,158 @@
             <a:fillRect/>
           </a:stretch>
         </a:blipFill>
+        <a:effectLst/>
       </p:bgPr>
     </p:bg>
     <p:spTree>
       <p:nvGrpSpPr>
-        <p:cNvPr id="115" name="Shape 115"/>
+        <p:cNvPr id="1" name="Shape 108"/>
+        <p:cNvGrpSpPr/>
+        <p:nvPr/>
+      </p:nvGrpSpPr>
+      <p:grpSpPr>
+        <a:xfrm>
+          <a:off x="0" y="0"/>
+          <a:ext cx="0" cy="0"/>
+          <a:chOff x="0" y="0"/>
+          <a:chExt cx="0" cy="0"/>
+        </a:xfrm>
+      </p:grpSpPr>
+      <p:sp>
+        <p:nvSpPr>
+          <p:cNvPr id="109" name="Google Shape;109;p21"/>
+          <p:cNvSpPr txBox="1">
+            <a:spLocks noGrp="1"/>
+          </p:cNvSpPr>
+          <p:nvPr>
+            <p:ph type="title"/>
+          </p:nvPr>
+        </p:nvSpPr>
+        <p:spPr>
+          <a:xfrm>
+            <a:off x="311700" y="315925"/>
+            <a:ext cx="8520600" cy="831300"/>
+          </a:xfrm>
+          <a:prstGeom prst="rect">
+            <a:avLst/>
+          </a:prstGeom>
+        </p:spPr>
+        <p:txBody>
+          <a:bodyPr spcFirstLastPara="1" wrap="square" lIns="91425" tIns="91425" rIns="91425" bIns="91425" anchor="b" anchorCtr="0">
+            <a:noAutofit/>
+          </a:bodyPr>
+          <a:lstStyle/>
+          <a:p>
+            <a:pPr marL="0" lvl="0" indent="0" algn="l" rtl="0">
+              <a:spcBef>
+                <a:spcPts val="0"/>
+              </a:spcBef>
+              <a:spcAft>
+                <a:spcPts val="0"/>
+              </a:spcAft>
+              <a:buNone/>
+            </a:pPr>
+            <a:r>
+              <a:rPr lang="en"/>
+              <a:t>                                Information</a:t>
+            </a:r>
+            <a:endParaRPr/>
+          </a:p>
+        </p:txBody>
+      </p:sp>
+      <p:sp>
+        <p:nvSpPr>
+          <p:cNvPr id="110" name="Google Shape;110;p21"/>
+          <p:cNvSpPr txBox="1">
+            <a:spLocks noGrp="1"/>
+          </p:cNvSpPr>
+          <p:nvPr>
+            <p:ph type="body" idx="1"/>
+          </p:nvPr>
+        </p:nvSpPr>
+        <p:spPr>
+          <a:xfrm>
+            <a:off x="311700" y="1225225"/>
+            <a:ext cx="8520600" cy="3354000"/>
+          </a:xfrm>
+          <a:prstGeom prst="rect">
+            <a:avLst/>
+          </a:prstGeom>
+        </p:spPr>
+        <p:txBody>
+          <a:bodyPr spcFirstLastPara="1" wrap="square" lIns="91425" tIns="91425" rIns="91425" bIns="91425" anchor="t" anchorCtr="0">
+            <a:noAutofit/>
+          </a:bodyPr>
+          <a:lstStyle/>
+          <a:p>
+            <a:pPr marL="0" lvl="0" indent="0" algn="l" rtl="0">
+              <a:spcBef>
+                <a:spcPts val="0"/>
+              </a:spcBef>
+              <a:spcAft>
+                <a:spcPts val="1600"/>
+              </a:spcAft>
+              <a:buNone/>
+            </a:pPr>
+            <a:endParaRPr/>
+          </a:p>
+        </p:txBody>
+      </p:sp>
+      <p:pic>
+        <p:nvPicPr>
+          <p:cNvPr id="111" name="Google Shape;111;p21"/>
+          <p:cNvPicPr preferRelativeResize="0"/>
+          <p:nvPr/>
+        </p:nvPicPr>
+        <p:blipFill>
+          <a:blip r:embed="rId4">
+            <a:alphaModFix/>
+          </a:blip>
+          <a:stretch>
+            <a:fillRect/>
+          </a:stretch>
+        </p:blipFill>
+        <p:spPr>
+          <a:xfrm>
+            <a:off x="311700" y="1745525"/>
+            <a:ext cx="8563851" cy="2062300"/>
+          </a:xfrm>
+          <a:prstGeom prst="rect">
+            <a:avLst/>
+          </a:prstGeom>
+          <a:noFill/>
+          <a:ln>
+            <a:noFill/>
+          </a:ln>
+        </p:spPr>
+      </p:pic>
+    </p:spTree>
+  </p:cSld>
+  <p:clrMapOvr>
+    <a:masterClrMapping/>
+  </p:clrMapOvr>
+</p:sld>
+</file>
+
+<file path=ppt/slides/slide11.xml><?xml version="1.0" encoding="utf-8"?>
+<p:sld xmlns:a="http://schemas.openxmlformats.org/drawingml/2006/main" xmlns:r="http://schemas.openxmlformats.org/officeDocument/2006/relationships" xmlns:p="http://schemas.openxmlformats.org/presentationml/2006/main">
+  <p:cSld>
+    <p:bg>
+      <p:bgPr>
+        <a:blipFill>
+          <a:blip r:embed="rId3">
+            <a:alphaModFix/>
+          </a:blip>
+          <a:stretch>
+            <a:fillRect/>
+          </a:stretch>
+        </a:blipFill>
+        <a:effectLst/>
+      </p:bgPr>
+    </p:bg>
+    <p:spTree>
+      <p:nvGrpSpPr>
+        <p:cNvPr id="1" name="Shape 115"/>
         <p:cNvGrpSpPr/>
         <p:nvPr/>
       </p:nvGrpSpPr>
@@ -8241,7 +8737,9 @@
       <p:sp>
         <p:nvSpPr>
           <p:cNvPr id="116" name="Google Shape;116;p22"/>
-          <p:cNvSpPr txBox="1"/>
+          <p:cNvSpPr txBox="1">
+            <a:spLocks noGrp="1"/>
+          </p:cNvSpPr>
           <p:nvPr>
             <p:ph type="title"/>
           </p:nvPr>
@@ -8256,12 +8754,12 @@
           </a:prstGeom>
         </p:spPr>
         <p:txBody>
-          <a:bodyPr anchorCtr="0" anchor="b" bIns="91425" lIns="91425" spcFirstLastPara="1" rIns="91425" wrap="square" tIns="91425">
+          <a:bodyPr spcFirstLastPara="1" wrap="square" lIns="91425" tIns="91425" rIns="91425" bIns="91425" anchor="b" anchorCtr="0">
             <a:noAutofit/>
           </a:bodyPr>
           <a:lstStyle/>
           <a:p>
-            <a:pPr indent="0" lvl="0" marL="0" rtl="0" algn="l">
+            <a:pPr marL="0" lvl="0" indent="0" algn="l" rtl="0">
               <a:spcBef>
                 <a:spcPts val="0"/>
               </a:spcBef>
@@ -8281,9 +8779,11 @@
       <p:sp>
         <p:nvSpPr>
           <p:cNvPr id="117" name="Google Shape;117;p22"/>
-          <p:cNvSpPr txBox="1"/>
+          <p:cNvSpPr txBox="1">
+            <a:spLocks noGrp="1"/>
+          </p:cNvSpPr>
           <p:nvPr>
-            <p:ph idx="1" type="body"/>
+            <p:ph type="body" idx="1"/>
           </p:nvPr>
         </p:nvSpPr>
         <p:spPr>
@@ -8296,12 +8796,12 @@
           </a:prstGeom>
         </p:spPr>
         <p:txBody>
-          <a:bodyPr anchorCtr="0" anchor="t" bIns="91425" lIns="91425" spcFirstLastPara="1" rIns="91425" wrap="square" tIns="91425">
+          <a:bodyPr spcFirstLastPara="1" wrap="square" lIns="91425" tIns="91425" rIns="91425" bIns="91425" anchor="t" anchorCtr="0">
             <a:noAutofit/>
           </a:bodyPr>
           <a:lstStyle/>
           <a:p>
-            <a:pPr indent="0" lvl="0" marL="0" rtl="0" algn="l">
+            <a:pPr marL="0" lvl="0" indent="0" algn="l" rtl="0">
               <a:spcBef>
                 <a:spcPts val="0"/>
               </a:spcBef>
@@ -8310,9 +8810,6 @@
               </a:spcAft>
               <a:buNone/>
             </a:pPr>
-            <a:r>
-              <a:t/>
-            </a:r>
             <a:endParaRPr/>
           </a:p>
         </p:txBody>
@@ -8353,8 +8850,8 @@
 </p:sld>
 </file>
 
-<file path=ppt/slides/slide11.xml><?xml version="1.0" encoding="utf-8"?>
-<p:sld xmlns:a="http://schemas.openxmlformats.org/drawingml/2006/main" xmlns:r="http://schemas.openxmlformats.org/officeDocument/2006/relationships" xmlns:mc="http://schemas.openxmlformats.org/markup-compatibility/2006" xmlns:mv="urn:schemas-microsoft-com:mac:vml" xmlns:p="http://schemas.openxmlformats.org/presentationml/2006/main" xmlns:c="http://schemas.openxmlformats.org/drawingml/2006/chart" xmlns:dgm="http://schemas.openxmlformats.org/drawingml/2006/diagram" xmlns:o="urn:schemas-microsoft-com:office:office" xmlns:v="urn:schemas-microsoft-com:vml" xmlns:pvml="urn:schemas-microsoft-com:office:powerpoint" xmlns:com="http://schemas.openxmlformats.org/drawingml/2006/compatibility" xmlns:p14="http://schemas.microsoft.com/office/powerpoint/2010/main" xmlns:p15="http://schemas.microsoft.com/office/powerpoint/2012/main" xmlns:ahyp="http://schemas.microsoft.com/office/drawing/2018/hyperlinkcolor">
+<file path=ppt/slides/slide12.xml><?xml version="1.0" encoding="utf-8"?>
+<p:sld xmlns:a="http://schemas.openxmlformats.org/drawingml/2006/main" xmlns:r="http://schemas.openxmlformats.org/officeDocument/2006/relationships" xmlns:p="http://schemas.openxmlformats.org/presentationml/2006/main">
   <p:cSld>
     <p:bg>
       <p:bgPr>
@@ -8366,11 +8863,12 @@
             <a:fillRect/>
           </a:stretch>
         </a:blipFill>
+        <a:effectLst/>
       </p:bgPr>
     </p:bg>
     <p:spTree>
       <p:nvGrpSpPr>
-        <p:cNvPr id="122" name="Shape 122"/>
+        <p:cNvPr id="1" name="Shape 122"/>
         <p:cNvGrpSpPr/>
         <p:nvPr/>
       </p:nvGrpSpPr>
@@ -8385,7 +8883,9 @@
       <p:sp>
         <p:nvSpPr>
           <p:cNvPr id="123" name="Google Shape;123;p23"/>
-          <p:cNvSpPr txBox="1"/>
+          <p:cNvSpPr txBox="1">
+            <a:spLocks noGrp="1"/>
+          </p:cNvSpPr>
           <p:nvPr>
             <p:ph type="title"/>
           </p:nvPr>
@@ -8400,12 +8900,12 @@
           </a:prstGeom>
         </p:spPr>
         <p:txBody>
-          <a:bodyPr anchorCtr="0" anchor="b" bIns="91425" lIns="91425" spcFirstLastPara="1" rIns="91425" wrap="square" tIns="91425">
+          <a:bodyPr spcFirstLastPara="1" wrap="square" lIns="91425" tIns="91425" rIns="91425" bIns="91425" anchor="b" anchorCtr="0">
             <a:noAutofit/>
           </a:bodyPr>
           <a:lstStyle/>
           <a:p>
-            <a:pPr indent="0" lvl="0" marL="0" rtl="0" algn="l">
+            <a:pPr marL="0" lvl="0" indent="0" algn="l" rtl="0">
               <a:spcBef>
                 <a:spcPts val="0"/>
               </a:spcBef>
@@ -8425,9 +8925,11 @@
       <p:sp>
         <p:nvSpPr>
           <p:cNvPr id="124" name="Google Shape;124;p23"/>
-          <p:cNvSpPr txBox="1"/>
+          <p:cNvSpPr txBox="1">
+            <a:spLocks noGrp="1"/>
+          </p:cNvSpPr>
           <p:nvPr>
-            <p:ph idx="1" type="body"/>
+            <p:ph type="body" idx="1"/>
           </p:nvPr>
         </p:nvSpPr>
         <p:spPr>
@@ -8440,12 +8942,12 @@
           </a:prstGeom>
         </p:spPr>
         <p:txBody>
-          <a:bodyPr anchorCtr="0" anchor="t" bIns="91425" lIns="91425" spcFirstLastPara="1" rIns="91425" wrap="square" tIns="91425">
+          <a:bodyPr spcFirstLastPara="1" wrap="square" lIns="91425" tIns="91425" rIns="91425" bIns="91425" anchor="t" anchorCtr="0">
             <a:noAutofit/>
           </a:bodyPr>
           <a:lstStyle/>
           <a:p>
-            <a:pPr indent="0" lvl="0" marL="0" rtl="0" algn="l">
+            <a:pPr marL="0" lvl="0" indent="0" algn="l" rtl="0">
               <a:spcBef>
                 <a:spcPts val="0"/>
               </a:spcBef>
@@ -8454,9 +8956,6 @@
               </a:spcAft>
               <a:buNone/>
             </a:pPr>
-            <a:r>
-              <a:t/>
-            </a:r>
             <a:endParaRPr/>
           </a:p>
         </p:txBody>
@@ -8497,8 +8996,8 @@
 </p:sld>
 </file>
 
-<file path=ppt/slides/slide12.xml><?xml version="1.0" encoding="utf-8"?>
-<p:sld xmlns:a="http://schemas.openxmlformats.org/drawingml/2006/main" xmlns:r="http://schemas.openxmlformats.org/officeDocument/2006/relationships" xmlns:mc="http://schemas.openxmlformats.org/markup-compatibility/2006" xmlns:mv="urn:schemas-microsoft-com:mac:vml" xmlns:p="http://schemas.openxmlformats.org/presentationml/2006/main" xmlns:c="http://schemas.openxmlformats.org/drawingml/2006/chart" xmlns:dgm="http://schemas.openxmlformats.org/drawingml/2006/diagram" xmlns:o="urn:schemas-microsoft-com:office:office" xmlns:v="urn:schemas-microsoft-com:vml" xmlns:pvml="urn:schemas-microsoft-com:office:powerpoint" xmlns:com="http://schemas.openxmlformats.org/drawingml/2006/compatibility" xmlns:p14="http://schemas.microsoft.com/office/powerpoint/2010/main" xmlns:p15="http://schemas.microsoft.com/office/powerpoint/2012/main" xmlns:ahyp="http://schemas.microsoft.com/office/drawing/2018/hyperlinkcolor">
+<file path=ppt/slides/slide13.xml><?xml version="1.0" encoding="utf-8"?>
+<p:sld xmlns:a="http://schemas.openxmlformats.org/drawingml/2006/main" xmlns:r="http://schemas.openxmlformats.org/officeDocument/2006/relationships" xmlns:p="http://schemas.openxmlformats.org/presentationml/2006/main">
   <p:cSld>
     <p:bg>
       <p:bgPr>
@@ -8510,11 +9009,12 @@
             <a:fillRect/>
           </a:stretch>
         </a:blipFill>
+        <a:effectLst/>
       </p:bgPr>
     </p:bg>
     <p:spTree>
       <p:nvGrpSpPr>
-        <p:cNvPr id="129" name="Shape 129"/>
+        <p:cNvPr id="1" name="Shape 129"/>
         <p:cNvGrpSpPr/>
         <p:nvPr/>
       </p:nvGrpSpPr>
@@ -8529,7 +9029,9 @@
       <p:sp>
         <p:nvSpPr>
           <p:cNvPr id="130" name="Google Shape;130;p24"/>
-          <p:cNvSpPr txBox="1"/>
+          <p:cNvSpPr txBox="1">
+            <a:spLocks noGrp="1"/>
+          </p:cNvSpPr>
           <p:nvPr>
             <p:ph type="title"/>
           </p:nvPr>
@@ -8544,12 +9046,12 @@
           </a:prstGeom>
         </p:spPr>
         <p:txBody>
-          <a:bodyPr anchorCtr="0" anchor="b" bIns="91425" lIns="91425" spcFirstLastPara="1" rIns="91425" wrap="square" tIns="91425">
+          <a:bodyPr spcFirstLastPara="1" wrap="square" lIns="91425" tIns="91425" rIns="91425" bIns="91425" anchor="b" anchorCtr="0">
             <a:noAutofit/>
           </a:bodyPr>
           <a:lstStyle/>
           <a:p>
-            <a:pPr indent="0" lvl="0" marL="0" rtl="0" algn="ctr">
+            <a:pPr marL="0" lvl="0" indent="0" algn="ctr" rtl="0">
               <a:spcBef>
                 <a:spcPts val="0"/>
               </a:spcBef>
@@ -8569,9 +9071,11 @@
       <p:sp>
         <p:nvSpPr>
           <p:cNvPr id="131" name="Google Shape;131;p24"/>
-          <p:cNvSpPr txBox="1"/>
+          <p:cNvSpPr txBox="1">
+            <a:spLocks noGrp="1"/>
+          </p:cNvSpPr>
           <p:nvPr>
-            <p:ph idx="1" type="body"/>
+            <p:ph type="body" idx="1"/>
           </p:nvPr>
         </p:nvSpPr>
         <p:spPr>
@@ -8584,12 +9088,12 @@
           </a:prstGeom>
         </p:spPr>
         <p:txBody>
-          <a:bodyPr anchorCtr="0" anchor="t" bIns="91425" lIns="91425" spcFirstLastPara="1" rIns="91425" wrap="square" tIns="91425">
+          <a:bodyPr spcFirstLastPara="1" wrap="square" lIns="91425" tIns="91425" rIns="91425" bIns="91425" anchor="t" anchorCtr="0">
             <a:noAutofit/>
           </a:bodyPr>
           <a:lstStyle/>
           <a:p>
-            <a:pPr indent="0" lvl="0" marL="0" rtl="0" algn="l">
+            <a:pPr marL="0" lvl="0" indent="0" algn="l" rtl="0">
               <a:spcBef>
                 <a:spcPts val="0"/>
               </a:spcBef>
@@ -8598,9 +9102,6 @@
               </a:spcAft>
               <a:buNone/>
             </a:pPr>
-            <a:r>
-              <a:t/>
-            </a:r>
             <a:endParaRPr/>
           </a:p>
         </p:txBody>
@@ -8641,8 +9142,8 @@
 </p:sld>
 </file>
 
-<file path=ppt/slides/slide13.xml><?xml version="1.0" encoding="utf-8"?>
-<p:sld xmlns:a="http://schemas.openxmlformats.org/drawingml/2006/main" xmlns:r="http://schemas.openxmlformats.org/officeDocument/2006/relationships" xmlns:mc="http://schemas.openxmlformats.org/markup-compatibility/2006" xmlns:mv="urn:schemas-microsoft-com:mac:vml" xmlns:p="http://schemas.openxmlformats.org/presentationml/2006/main" xmlns:c="http://schemas.openxmlformats.org/drawingml/2006/chart" xmlns:dgm="http://schemas.openxmlformats.org/drawingml/2006/diagram" xmlns:o="urn:schemas-microsoft-com:office:office" xmlns:v="urn:schemas-microsoft-com:vml" xmlns:pvml="urn:schemas-microsoft-com:office:powerpoint" xmlns:com="http://schemas.openxmlformats.org/drawingml/2006/compatibility" xmlns:p14="http://schemas.microsoft.com/office/powerpoint/2010/main" xmlns:p15="http://schemas.microsoft.com/office/powerpoint/2012/main" xmlns:ahyp="http://schemas.microsoft.com/office/drawing/2018/hyperlinkcolor">
+<file path=ppt/slides/slide14.xml><?xml version="1.0" encoding="utf-8"?>
+<p:sld xmlns:a="http://schemas.openxmlformats.org/drawingml/2006/main" xmlns:r="http://schemas.openxmlformats.org/officeDocument/2006/relationships" xmlns:p="http://schemas.openxmlformats.org/presentationml/2006/main">
   <p:cSld>
     <p:bg>
       <p:bgPr>
@@ -8654,11 +9155,12 @@
             <a:fillRect/>
           </a:stretch>
         </a:blipFill>
+        <a:effectLst/>
       </p:bgPr>
     </p:bg>
     <p:spTree>
       <p:nvGrpSpPr>
-        <p:cNvPr id="136" name="Shape 136"/>
+        <p:cNvPr id="1" name="Shape 136"/>
         <p:cNvGrpSpPr/>
         <p:nvPr/>
       </p:nvGrpSpPr>
@@ -8673,7 +9175,9 @@
       <p:sp>
         <p:nvSpPr>
           <p:cNvPr id="137" name="Google Shape;137;p25"/>
-          <p:cNvSpPr txBox="1"/>
+          <p:cNvSpPr txBox="1">
+            <a:spLocks noGrp="1"/>
+          </p:cNvSpPr>
           <p:nvPr>
             <p:ph type="title"/>
           </p:nvPr>
@@ -8688,12 +9192,12 @@
           </a:prstGeom>
         </p:spPr>
         <p:txBody>
-          <a:bodyPr anchorCtr="0" anchor="b" bIns="91425" lIns="91425" spcFirstLastPara="1" rIns="91425" wrap="square" tIns="91425">
+          <a:bodyPr spcFirstLastPara="1" wrap="square" lIns="91425" tIns="91425" rIns="91425" bIns="91425" anchor="b" anchorCtr="0">
             <a:noAutofit/>
           </a:bodyPr>
           <a:lstStyle/>
           <a:p>
-            <a:pPr indent="0" lvl="0" marL="0" rtl="0" algn="l">
+            <a:pPr marL="0" lvl="0" indent="0" algn="l" rtl="0">
               <a:spcBef>
                 <a:spcPts val="0"/>
               </a:spcBef>
@@ -8713,9 +9217,11 @@
       <p:sp>
         <p:nvSpPr>
           <p:cNvPr id="138" name="Google Shape;138;p25"/>
-          <p:cNvSpPr txBox="1"/>
+          <p:cNvSpPr txBox="1">
+            <a:spLocks noGrp="1"/>
+          </p:cNvSpPr>
           <p:nvPr>
-            <p:ph idx="1" type="body"/>
+            <p:ph type="body" idx="1"/>
           </p:nvPr>
         </p:nvSpPr>
         <p:spPr>
@@ -8728,12 +9234,12 @@
           </a:prstGeom>
         </p:spPr>
         <p:txBody>
-          <a:bodyPr anchorCtr="0" anchor="t" bIns="91425" lIns="91425" spcFirstLastPara="1" rIns="91425" wrap="square" tIns="91425">
+          <a:bodyPr spcFirstLastPara="1" wrap="square" lIns="91425" tIns="91425" rIns="91425" bIns="91425" anchor="t" anchorCtr="0">
             <a:noAutofit/>
           </a:bodyPr>
           <a:lstStyle/>
           <a:p>
-            <a:pPr indent="0" lvl="0" marL="0" rtl="0" algn="l">
+            <a:pPr marL="0" lvl="0" indent="0" algn="l" rtl="0">
               <a:spcBef>
                 <a:spcPts val="0"/>
               </a:spcBef>
@@ -8742,9 +9248,6 @@
               </a:spcAft>
               <a:buNone/>
             </a:pPr>
-            <a:r>
-              <a:t/>
-            </a:r>
             <a:endParaRPr/>
           </a:p>
         </p:txBody>
@@ -8785,8 +9288,8 @@
 </p:sld>
 </file>
 
-<file path=ppt/slides/slide14.xml><?xml version="1.0" encoding="utf-8"?>
-<p:sld xmlns:a="http://schemas.openxmlformats.org/drawingml/2006/main" xmlns:r="http://schemas.openxmlformats.org/officeDocument/2006/relationships" xmlns:mc="http://schemas.openxmlformats.org/markup-compatibility/2006" xmlns:mv="urn:schemas-microsoft-com:mac:vml" xmlns:p="http://schemas.openxmlformats.org/presentationml/2006/main" xmlns:c="http://schemas.openxmlformats.org/drawingml/2006/chart" xmlns:dgm="http://schemas.openxmlformats.org/drawingml/2006/diagram" xmlns:o="urn:schemas-microsoft-com:office:office" xmlns:v="urn:schemas-microsoft-com:vml" xmlns:pvml="urn:schemas-microsoft-com:office:powerpoint" xmlns:com="http://schemas.openxmlformats.org/drawingml/2006/compatibility" xmlns:p14="http://schemas.microsoft.com/office/powerpoint/2010/main" xmlns:p15="http://schemas.microsoft.com/office/powerpoint/2012/main" xmlns:ahyp="http://schemas.microsoft.com/office/drawing/2018/hyperlinkcolor">
+<file path=ppt/slides/slide15.xml><?xml version="1.0" encoding="utf-8"?>
+<p:sld xmlns:a="http://schemas.openxmlformats.org/drawingml/2006/main" xmlns:r="http://schemas.openxmlformats.org/officeDocument/2006/relationships" xmlns:p="http://schemas.openxmlformats.org/presentationml/2006/main">
   <p:cSld>
     <p:bg>
       <p:bgPr>
@@ -8798,11 +9301,12 @@
             <a:fillRect/>
           </a:stretch>
         </a:blipFill>
+        <a:effectLst/>
       </p:bgPr>
     </p:bg>
     <p:spTree>
       <p:nvGrpSpPr>
-        <p:cNvPr id="143" name="Shape 143"/>
+        <p:cNvPr id="1" name="Shape 143"/>
         <p:cNvGrpSpPr/>
         <p:nvPr/>
       </p:nvGrpSpPr>
@@ -8817,7 +9321,9 @@
       <p:sp>
         <p:nvSpPr>
           <p:cNvPr id="144" name="Google Shape;144;p26"/>
-          <p:cNvSpPr txBox="1"/>
+          <p:cNvSpPr txBox="1">
+            <a:spLocks noGrp="1"/>
+          </p:cNvSpPr>
           <p:nvPr>
             <p:ph type="title"/>
           </p:nvPr>
@@ -8832,12 +9338,12 @@
           </a:prstGeom>
         </p:spPr>
         <p:txBody>
-          <a:bodyPr anchorCtr="0" anchor="b" bIns="91425" lIns="91425" spcFirstLastPara="1" rIns="91425" wrap="square" tIns="91425">
+          <a:bodyPr spcFirstLastPara="1" wrap="square" lIns="91425" tIns="91425" rIns="91425" bIns="91425" anchor="b" anchorCtr="0">
             <a:noAutofit/>
           </a:bodyPr>
           <a:lstStyle/>
           <a:p>
-            <a:pPr indent="0" lvl="0" marL="0" rtl="0" algn="l">
+            <a:pPr marL="0" lvl="0" indent="0" algn="l" rtl="0">
               <a:spcBef>
                 <a:spcPts val="0"/>
               </a:spcBef>
@@ -8890,8 +9396,8 @@
 </p:sld>
 </file>
 
-<file path=ppt/slides/slide15.xml><?xml version="1.0" encoding="utf-8"?>
-<p:sld xmlns:a="http://schemas.openxmlformats.org/drawingml/2006/main" xmlns:r="http://schemas.openxmlformats.org/officeDocument/2006/relationships" xmlns:mc="http://schemas.openxmlformats.org/markup-compatibility/2006" xmlns:mv="urn:schemas-microsoft-com:mac:vml" xmlns:p="http://schemas.openxmlformats.org/presentationml/2006/main" xmlns:c="http://schemas.openxmlformats.org/drawingml/2006/chart" xmlns:dgm="http://schemas.openxmlformats.org/drawingml/2006/diagram" xmlns:o="urn:schemas-microsoft-com:office:office" xmlns:v="urn:schemas-microsoft-com:vml" xmlns:pvml="urn:schemas-microsoft-com:office:powerpoint" xmlns:com="http://schemas.openxmlformats.org/drawingml/2006/compatibility" xmlns:p14="http://schemas.microsoft.com/office/powerpoint/2010/main" xmlns:p15="http://schemas.microsoft.com/office/powerpoint/2012/main" xmlns:ahyp="http://schemas.microsoft.com/office/drawing/2018/hyperlinkcolor">
+<file path=ppt/slides/slide16.xml><?xml version="1.0" encoding="utf-8"?>
+<p:sld xmlns:a="http://schemas.openxmlformats.org/drawingml/2006/main" xmlns:r="http://schemas.openxmlformats.org/officeDocument/2006/relationships" xmlns:p="http://schemas.openxmlformats.org/presentationml/2006/main">
   <p:cSld>
     <p:bg>
       <p:bgPr>
@@ -8903,11 +9409,12 @@
             <a:fillRect/>
           </a:stretch>
         </a:blipFill>
+        <a:effectLst/>
       </p:bgPr>
     </p:bg>
     <p:spTree>
       <p:nvGrpSpPr>
-        <p:cNvPr id="149" name="Shape 149"/>
+        <p:cNvPr id="1" name="Shape 149"/>
         <p:cNvGrpSpPr/>
         <p:nvPr/>
       </p:nvGrpSpPr>
@@ -8922,7 +9429,9 @@
       <p:sp>
         <p:nvSpPr>
           <p:cNvPr id="150" name="Google Shape;150;p27"/>
-          <p:cNvSpPr txBox="1"/>
+          <p:cNvSpPr txBox="1">
+            <a:spLocks noGrp="1"/>
+          </p:cNvSpPr>
           <p:nvPr>
             <p:ph type="title"/>
           </p:nvPr>
@@ -8937,12 +9446,12 @@
           </a:prstGeom>
         </p:spPr>
         <p:txBody>
-          <a:bodyPr anchorCtr="0" anchor="b" bIns="91425" lIns="91425" spcFirstLastPara="1" rIns="91425" wrap="square" tIns="91425">
+          <a:bodyPr spcFirstLastPara="1" wrap="square" lIns="91425" tIns="91425" rIns="91425" bIns="91425" anchor="b" anchorCtr="0">
             <a:noAutofit/>
           </a:bodyPr>
           <a:lstStyle/>
           <a:p>
-            <a:pPr indent="0" lvl="0" marL="0" rtl="0" algn="l">
+            <a:pPr marL="0" lvl="0" indent="0" algn="l" rtl="0">
               <a:spcBef>
                 <a:spcPts val="0"/>
               </a:spcBef>
@@ -8962,9 +9471,11 @@
       <p:sp>
         <p:nvSpPr>
           <p:cNvPr id="151" name="Google Shape;151;p27"/>
-          <p:cNvSpPr txBox="1"/>
+          <p:cNvSpPr txBox="1">
+            <a:spLocks noGrp="1"/>
+          </p:cNvSpPr>
           <p:nvPr>
-            <p:ph idx="1" type="body"/>
+            <p:ph type="body" idx="1"/>
           </p:nvPr>
         </p:nvSpPr>
         <p:spPr>
@@ -8977,12 +9488,12 @@
           </a:prstGeom>
         </p:spPr>
         <p:txBody>
-          <a:bodyPr anchorCtr="0" anchor="t" bIns="91425" lIns="91425" spcFirstLastPara="1" rIns="91425" wrap="square" tIns="91425">
+          <a:bodyPr spcFirstLastPara="1" wrap="square" lIns="91425" tIns="91425" rIns="91425" bIns="91425" anchor="t" anchorCtr="0">
             <a:noAutofit/>
           </a:bodyPr>
           <a:lstStyle/>
           <a:p>
-            <a:pPr indent="0" lvl="0" marL="0" rtl="0" algn="ctr">
+            <a:pPr marL="0" lvl="0" indent="0" algn="ctr" rtl="0">
               <a:spcBef>
                 <a:spcPts val="0"/>
               </a:spcBef>
@@ -8998,7 +9509,7 @@
             <a:endParaRPr/>
           </a:p>
           <a:p>
-            <a:pPr indent="0" lvl="0" marL="0" rtl="0" algn="ctr">
+            <a:pPr marL="0" lvl="0" indent="0" algn="ctr" rtl="0">
               <a:spcBef>
                 <a:spcPts val="1600"/>
               </a:spcBef>
@@ -9014,7 +9525,7 @@
             <a:endParaRPr/>
           </a:p>
           <a:p>
-            <a:pPr indent="0" lvl="0" marL="0" rtl="0" algn="ctr">
+            <a:pPr marL="0" lvl="0" indent="0" algn="ctr" rtl="0">
               <a:spcBef>
                 <a:spcPts val="1600"/>
               </a:spcBef>
@@ -9030,7 +9541,7 @@
             <a:endParaRPr/>
           </a:p>
           <a:p>
-            <a:pPr indent="0" lvl="0" marL="0" rtl="0" algn="ctr">
+            <a:pPr marL="0" lvl="0" indent="0" algn="ctr" rtl="0">
               <a:spcBef>
                 <a:spcPts val="1600"/>
               </a:spcBef>
@@ -9055,8 +9566,8 @@
 </p:sld>
 </file>
 
-<file path=ppt/slides/slide16.xml><?xml version="1.0" encoding="utf-8"?>
-<p:sld xmlns:a="http://schemas.openxmlformats.org/drawingml/2006/main" xmlns:r="http://schemas.openxmlformats.org/officeDocument/2006/relationships" xmlns:mc="http://schemas.openxmlformats.org/markup-compatibility/2006" xmlns:mv="urn:schemas-microsoft-com:mac:vml" xmlns:p="http://schemas.openxmlformats.org/presentationml/2006/main" xmlns:c="http://schemas.openxmlformats.org/drawingml/2006/chart" xmlns:dgm="http://schemas.openxmlformats.org/drawingml/2006/diagram" xmlns:o="urn:schemas-microsoft-com:office:office" xmlns:v="urn:schemas-microsoft-com:vml" xmlns:pvml="urn:schemas-microsoft-com:office:powerpoint" xmlns:com="http://schemas.openxmlformats.org/drawingml/2006/compatibility" xmlns:p14="http://schemas.microsoft.com/office/powerpoint/2010/main" xmlns:p15="http://schemas.microsoft.com/office/powerpoint/2012/main" xmlns:ahyp="http://schemas.microsoft.com/office/drawing/2018/hyperlinkcolor">
+<file path=ppt/slides/slide17.xml><?xml version="1.0" encoding="utf-8"?>
+<p:sld xmlns:a="http://schemas.openxmlformats.org/drawingml/2006/main" xmlns:r="http://schemas.openxmlformats.org/officeDocument/2006/relationships" xmlns:p="http://schemas.openxmlformats.org/presentationml/2006/main">
   <p:cSld>
     <p:bg>
       <p:bgPr>
@@ -9068,11 +9579,12 @@
             <a:fillRect/>
           </a:stretch>
         </a:blipFill>
+        <a:effectLst/>
       </p:bgPr>
     </p:bg>
     <p:spTree>
       <p:nvGrpSpPr>
-        <p:cNvPr id="155" name="Shape 155"/>
+        <p:cNvPr id="1" name="Shape 155"/>
         <p:cNvGrpSpPr/>
         <p:nvPr/>
       </p:nvGrpSpPr>
@@ -9087,7 +9599,9 @@
       <p:sp>
         <p:nvSpPr>
           <p:cNvPr id="156" name="Google Shape;156;p28"/>
-          <p:cNvSpPr txBox="1"/>
+          <p:cNvSpPr txBox="1">
+            <a:spLocks noGrp="1"/>
+          </p:cNvSpPr>
           <p:nvPr>
             <p:ph type="title"/>
           </p:nvPr>
@@ -9102,12 +9616,12 @@
           </a:prstGeom>
         </p:spPr>
         <p:txBody>
-          <a:bodyPr anchorCtr="0" anchor="b" bIns="91425" lIns="91425" spcFirstLastPara="1" rIns="91425" wrap="square" tIns="91425">
+          <a:bodyPr spcFirstLastPara="1" wrap="square" lIns="91425" tIns="91425" rIns="91425" bIns="91425" anchor="b" anchorCtr="0">
             <a:noAutofit/>
           </a:bodyPr>
           <a:lstStyle/>
           <a:p>
-            <a:pPr indent="457200" lvl="0" marL="4572000" rtl="0" algn="ctr">
+            <a:pPr marL="4572000" lvl="0" indent="457200" algn="ctr" rtl="0">
               <a:spcBef>
                 <a:spcPts val="0"/>
               </a:spcBef>
@@ -9160,8 +9674,8 @@
 </p:sld>
 </file>
 
-<file path=ppt/slides/slide17.xml><?xml version="1.0" encoding="utf-8"?>
-<p:sld xmlns:a="http://schemas.openxmlformats.org/drawingml/2006/main" xmlns:r="http://schemas.openxmlformats.org/officeDocument/2006/relationships" xmlns:mc="http://schemas.openxmlformats.org/markup-compatibility/2006" xmlns:mv="urn:schemas-microsoft-com:mac:vml" xmlns:p="http://schemas.openxmlformats.org/presentationml/2006/main" xmlns:c="http://schemas.openxmlformats.org/drawingml/2006/chart" xmlns:dgm="http://schemas.openxmlformats.org/drawingml/2006/diagram" xmlns:o="urn:schemas-microsoft-com:office:office" xmlns:v="urn:schemas-microsoft-com:vml" xmlns:pvml="urn:schemas-microsoft-com:office:powerpoint" xmlns:com="http://schemas.openxmlformats.org/drawingml/2006/compatibility" xmlns:p14="http://schemas.microsoft.com/office/powerpoint/2010/main" xmlns:p15="http://schemas.microsoft.com/office/powerpoint/2012/main" xmlns:ahyp="http://schemas.microsoft.com/office/drawing/2018/hyperlinkcolor">
+<file path=ppt/slides/slide18.xml><?xml version="1.0" encoding="utf-8"?>
+<p:sld xmlns:a="http://schemas.openxmlformats.org/drawingml/2006/main" xmlns:r="http://schemas.openxmlformats.org/officeDocument/2006/relationships" xmlns:p="http://schemas.openxmlformats.org/presentationml/2006/main">
   <p:cSld>
     <p:bg>
       <p:bgPr>
@@ -9173,11 +9687,12 @@
             <a:fillRect/>
           </a:stretch>
         </a:blipFill>
+        <a:effectLst/>
       </p:bgPr>
     </p:bg>
     <p:spTree>
       <p:nvGrpSpPr>
-        <p:cNvPr id="161" name="Shape 161"/>
+        <p:cNvPr id="1" name="Shape 161"/>
         <p:cNvGrpSpPr/>
         <p:nvPr/>
       </p:nvGrpSpPr>
@@ -9192,7 +9707,9 @@
       <p:sp>
         <p:nvSpPr>
           <p:cNvPr id="162" name="Google Shape;162;p29"/>
-          <p:cNvSpPr txBox="1"/>
+          <p:cNvSpPr txBox="1">
+            <a:spLocks noGrp="1"/>
+          </p:cNvSpPr>
           <p:nvPr>
             <p:ph type="title"/>
           </p:nvPr>
@@ -9207,12 +9724,12 @@
           </a:prstGeom>
         </p:spPr>
         <p:txBody>
-          <a:bodyPr anchorCtr="0" anchor="b" bIns="91425" lIns="91425" spcFirstLastPara="1" rIns="91425" wrap="square" tIns="91425">
+          <a:bodyPr spcFirstLastPara="1" wrap="square" lIns="91425" tIns="91425" rIns="91425" bIns="91425" anchor="b" anchorCtr="0">
             <a:noAutofit/>
           </a:bodyPr>
           <a:lstStyle/>
           <a:p>
-            <a:pPr indent="457200" lvl="0" marL="0" rtl="0" algn="l">
+            <a:pPr marL="0" lvl="0" indent="457200" algn="l" rtl="0">
               <a:spcBef>
                 <a:spcPts val="0"/>
               </a:spcBef>
@@ -9273,8 +9790,8 @@
 </p:sld>
 </file>
 
-<file path=ppt/slides/slide18.xml><?xml version="1.0" encoding="utf-8"?>
-<p:sld xmlns:a="http://schemas.openxmlformats.org/drawingml/2006/main" xmlns:r="http://schemas.openxmlformats.org/officeDocument/2006/relationships" xmlns:mc="http://schemas.openxmlformats.org/markup-compatibility/2006" xmlns:mv="urn:schemas-microsoft-com:mac:vml" xmlns:p="http://schemas.openxmlformats.org/presentationml/2006/main" xmlns:c="http://schemas.openxmlformats.org/drawingml/2006/chart" xmlns:dgm="http://schemas.openxmlformats.org/drawingml/2006/diagram" xmlns:o="urn:schemas-microsoft-com:office:office" xmlns:v="urn:schemas-microsoft-com:vml" xmlns:pvml="urn:schemas-microsoft-com:office:powerpoint" xmlns:com="http://schemas.openxmlformats.org/drawingml/2006/compatibility" xmlns:p14="http://schemas.microsoft.com/office/powerpoint/2010/main" xmlns:p15="http://schemas.microsoft.com/office/powerpoint/2012/main" xmlns:ahyp="http://schemas.microsoft.com/office/drawing/2018/hyperlinkcolor">
+<file path=ppt/slides/slide19.xml><?xml version="1.0" encoding="utf-8"?>
+<p:sld xmlns:a="http://schemas.openxmlformats.org/drawingml/2006/main" xmlns:r="http://schemas.openxmlformats.org/officeDocument/2006/relationships" xmlns:p="http://schemas.openxmlformats.org/presentationml/2006/main">
   <p:cSld>
     <p:bg>
       <p:bgPr>
@@ -9286,11 +9803,12 @@
             <a:fillRect/>
           </a:stretch>
         </a:blipFill>
+        <a:effectLst/>
       </p:bgPr>
     </p:bg>
     <p:spTree>
       <p:nvGrpSpPr>
-        <p:cNvPr id="167" name="Shape 167"/>
+        <p:cNvPr id="1" name="Shape 167"/>
         <p:cNvGrpSpPr/>
         <p:nvPr/>
       </p:nvGrpSpPr>
@@ -9305,7 +9823,9 @@
       <p:sp>
         <p:nvSpPr>
           <p:cNvPr id="168" name="Google Shape;168;p30"/>
-          <p:cNvSpPr txBox="1"/>
+          <p:cNvSpPr txBox="1">
+            <a:spLocks noGrp="1"/>
+          </p:cNvSpPr>
           <p:nvPr>
             <p:ph type="title"/>
           </p:nvPr>
@@ -9320,12 +9840,12 @@
           </a:prstGeom>
         </p:spPr>
         <p:txBody>
-          <a:bodyPr anchorCtr="0" anchor="b" bIns="91425" lIns="91425" spcFirstLastPara="1" rIns="91425" wrap="square" tIns="91425">
+          <a:bodyPr spcFirstLastPara="1" wrap="square" lIns="91425" tIns="91425" rIns="91425" bIns="91425" anchor="b" anchorCtr="0">
             <a:noAutofit/>
           </a:bodyPr>
           <a:lstStyle/>
           <a:p>
-            <a:pPr indent="0" lvl="0" marL="0" rtl="0" algn="l">
+            <a:pPr marL="0" lvl="0" indent="0" algn="l" rtl="0">
               <a:spcBef>
                 <a:spcPts val="0"/>
               </a:spcBef>
@@ -9345,9 +9865,11 @@
       <p:sp>
         <p:nvSpPr>
           <p:cNvPr id="169" name="Google Shape;169;p30"/>
-          <p:cNvSpPr txBox="1"/>
+          <p:cNvSpPr txBox="1">
+            <a:spLocks noGrp="1"/>
+          </p:cNvSpPr>
           <p:nvPr>
-            <p:ph idx="1" type="body"/>
+            <p:ph type="body" idx="1"/>
           </p:nvPr>
         </p:nvSpPr>
         <p:spPr>
@@ -9360,12 +9882,12 @@
           </a:prstGeom>
         </p:spPr>
         <p:txBody>
-          <a:bodyPr anchorCtr="0" anchor="t" bIns="91425" lIns="91425" spcFirstLastPara="1" rIns="91425" wrap="square" tIns="91425">
+          <a:bodyPr spcFirstLastPara="1" wrap="square" lIns="91425" tIns="91425" rIns="91425" bIns="91425" anchor="t" anchorCtr="0">
             <a:noAutofit/>
           </a:bodyPr>
           <a:lstStyle/>
           <a:p>
-            <a:pPr indent="0" lvl="0" marL="0" rtl="0" algn="l">
+            <a:pPr marL="0" lvl="0" indent="0" algn="l" rtl="0">
               <a:spcBef>
                 <a:spcPts val="0"/>
               </a:spcBef>
@@ -9374,9 +9896,6 @@
               </a:spcAft>
               <a:buNone/>
             </a:pPr>
-            <a:r>
-              <a:t/>
-            </a:r>
             <a:endParaRPr/>
           </a:p>
         </p:txBody>
@@ -9418,7 +9937,7 @@
 </file>
 
 <file path=ppt/slides/slide2.xml><?xml version="1.0" encoding="utf-8"?>
-<p:sld xmlns:a="http://schemas.openxmlformats.org/drawingml/2006/main" xmlns:r="http://schemas.openxmlformats.org/officeDocument/2006/relationships" xmlns:mc="http://schemas.openxmlformats.org/markup-compatibility/2006" xmlns:mv="urn:schemas-microsoft-com:mac:vml" xmlns:p="http://schemas.openxmlformats.org/presentationml/2006/main" xmlns:c="http://schemas.openxmlformats.org/drawingml/2006/chart" xmlns:dgm="http://schemas.openxmlformats.org/drawingml/2006/diagram" xmlns:o="urn:schemas-microsoft-com:office:office" xmlns:v="urn:schemas-microsoft-com:vml" xmlns:pvml="urn:schemas-microsoft-com:office:powerpoint" xmlns:com="http://schemas.openxmlformats.org/drawingml/2006/compatibility" xmlns:p14="http://schemas.microsoft.com/office/powerpoint/2010/main" xmlns:p15="http://schemas.microsoft.com/office/powerpoint/2012/main" xmlns:ahyp="http://schemas.microsoft.com/office/drawing/2018/hyperlinkcolor">
+<p:sld xmlns:a="http://schemas.openxmlformats.org/drawingml/2006/main" xmlns:r="http://schemas.openxmlformats.org/officeDocument/2006/relationships" xmlns:p="http://schemas.openxmlformats.org/presentationml/2006/main">
   <p:cSld>
     <p:bg>
       <p:bgPr>
@@ -9430,11 +9949,169 @@
             <a:fillRect/>
           </a:stretch>
         </a:blipFill>
+        <a:effectLst/>
       </p:bgPr>
     </p:bg>
     <p:spTree>
       <p:nvGrpSpPr>
-        <p:cNvPr id="67" name="Shape 67"/>
+        <p:cNvPr id="1" name="Shape 67"/>
+        <p:cNvGrpSpPr/>
+        <p:nvPr/>
+      </p:nvGrpSpPr>
+      <p:grpSpPr>
+        <a:xfrm>
+          <a:off x="0" y="0"/>
+          <a:ext cx="0" cy="0"/>
+          <a:chOff x="0" y="0"/>
+          <a:chExt cx="0" cy="0"/>
+        </a:xfrm>
+      </p:grpSpPr>
+      <p:sp>
+        <p:nvSpPr>
+          <p:cNvPr id="2" name="TextBox 1">
+            <a:extLst>
+              <a:ext uri="{FF2B5EF4-FFF2-40B4-BE49-F238E27FC236}">
+                <a16:creationId xmlns:a16="http://schemas.microsoft.com/office/drawing/2014/main" id="{087A0A9E-35CF-4AB5-BE26-8FE3E827AFF2}"/>
+              </a:ext>
+            </a:extLst>
+          </p:cNvPr>
+          <p:cNvSpPr txBox="1"/>
+          <p:nvPr/>
+        </p:nvSpPr>
+        <p:spPr>
+          <a:xfrm>
+            <a:off x="2693193" y="651554"/>
+            <a:ext cx="5707857" cy="523220"/>
+          </a:xfrm>
+          <a:prstGeom prst="rect">
+            <a:avLst/>
+          </a:prstGeom>
+          <a:noFill/>
+        </p:spPr>
+        <p:txBody>
+          <a:bodyPr wrap="square" rtlCol="0">
+            <a:spAutoFit/>
+          </a:bodyPr>
+          <a:lstStyle/>
+          <a:p>
+            <a:r>
+              <a:rPr lang="en-US" sz="2800" dirty="0"/>
+              <a:t>Pure Python Server </a:t>
+            </a:r>
+          </a:p>
+        </p:txBody>
+      </p:sp>
+      <p:pic>
+        <p:nvPicPr>
+          <p:cNvPr id="5" name="Picture 4">
+            <a:extLst>
+              <a:ext uri="{FF2B5EF4-FFF2-40B4-BE49-F238E27FC236}">
+                <a16:creationId xmlns:a16="http://schemas.microsoft.com/office/drawing/2014/main" id="{AC198FE9-EDC0-4F5E-9D1F-85CA1F3435B5}"/>
+              </a:ext>
+            </a:extLst>
+          </p:cNvPr>
+          <p:cNvPicPr>
+            <a:picLocks noChangeAspect="1"/>
+          </p:cNvPicPr>
+          <p:nvPr/>
+        </p:nvPicPr>
+        <p:blipFill>
+          <a:blip r:embed="rId4"/>
+          <a:stretch>
+            <a:fillRect/>
+          </a:stretch>
+        </p:blipFill>
+        <p:spPr>
+          <a:xfrm>
+            <a:off x="4203812" y="2422864"/>
+            <a:ext cx="4352925" cy="619125"/>
+          </a:xfrm>
+          <a:prstGeom prst="rect">
+            <a:avLst/>
+          </a:prstGeom>
+        </p:spPr>
+      </p:pic>
+      <p:sp>
+        <p:nvSpPr>
+          <p:cNvPr id="6" name="TextBox 5">
+            <a:extLst>
+              <a:ext uri="{FF2B5EF4-FFF2-40B4-BE49-F238E27FC236}">
+                <a16:creationId xmlns:a16="http://schemas.microsoft.com/office/drawing/2014/main" id="{C66291D2-3732-495D-8EF5-992F69D86EFF}"/>
+              </a:ext>
+            </a:extLst>
+          </p:cNvPr>
+          <p:cNvSpPr txBox="1"/>
+          <p:nvPr/>
+        </p:nvSpPr>
+        <p:spPr>
+          <a:xfrm>
+            <a:off x="0" y="4519811"/>
+            <a:ext cx="3350419" cy="523220"/>
+          </a:xfrm>
+          <a:prstGeom prst="rect">
+            <a:avLst/>
+          </a:prstGeom>
+          <a:noFill/>
+        </p:spPr>
+        <p:txBody>
+          <a:bodyPr wrap="square" rtlCol="0">
+            <a:spAutoFit/>
+          </a:bodyPr>
+          <a:lstStyle/>
+          <a:p>
+            <a:r>
+              <a:rPr lang="en-US" dirty="0">
+                <a:solidFill>
+                  <a:schemeClr val="bg1"/>
+                </a:solidFill>
+              </a:rPr>
+              <a:t>Built in Python Packages ONLY,</a:t>
+            </a:r>
+          </a:p>
+          <a:p>
+            <a:r>
+              <a:rPr lang="en-US" dirty="0">
+                <a:solidFill>
+                  <a:schemeClr val="bg1"/>
+                </a:solidFill>
+              </a:rPr>
+              <a:t>NO external dependencies</a:t>
+            </a:r>
+          </a:p>
+        </p:txBody>
+      </p:sp>
+    </p:spTree>
+    <p:extLst>
+      <p:ext uri="{BB962C8B-B14F-4D97-AF65-F5344CB8AC3E}">
+        <p14:creationId xmlns:p14="http://schemas.microsoft.com/office/powerpoint/2010/main" val="2602403654"/>
+      </p:ext>
+    </p:extLst>
+  </p:cSld>
+  <p:clrMapOvr>
+    <a:masterClrMapping/>
+  </p:clrMapOvr>
+</p:sld>
+</file>
+
+<file path=ppt/slides/slide3.xml><?xml version="1.0" encoding="utf-8"?>
+<p:sld xmlns:a="http://schemas.openxmlformats.org/drawingml/2006/main" xmlns:r="http://schemas.openxmlformats.org/officeDocument/2006/relationships" xmlns:p="http://schemas.openxmlformats.org/presentationml/2006/main">
+  <p:cSld>
+    <p:bg>
+      <p:bgPr>
+        <a:blipFill>
+          <a:blip r:embed="rId3">
+            <a:alphaModFix/>
+          </a:blip>
+          <a:stretch>
+            <a:fillRect/>
+          </a:stretch>
+        </a:blipFill>
+        <a:effectLst/>
+      </p:bgPr>
+    </p:bg>
+    <p:spTree>
+      <p:nvGrpSpPr>
+        <p:cNvPr id="1" name="Shape 67"/>
         <p:cNvGrpSpPr/>
         <p:nvPr/>
       </p:nvGrpSpPr>
@@ -9482,8 +10159,8 @@
 </p:sld>
 </file>
 
-<file path=ppt/slides/slide3.xml><?xml version="1.0" encoding="utf-8"?>
-<p:sld xmlns:a="http://schemas.openxmlformats.org/drawingml/2006/main" xmlns:r="http://schemas.openxmlformats.org/officeDocument/2006/relationships" xmlns:mc="http://schemas.openxmlformats.org/markup-compatibility/2006" xmlns:mv="urn:schemas-microsoft-com:mac:vml" xmlns:p="http://schemas.openxmlformats.org/presentationml/2006/main" xmlns:c="http://schemas.openxmlformats.org/drawingml/2006/chart" xmlns:dgm="http://schemas.openxmlformats.org/drawingml/2006/diagram" xmlns:o="urn:schemas-microsoft-com:office:office" xmlns:v="urn:schemas-microsoft-com:vml" xmlns:pvml="urn:schemas-microsoft-com:office:powerpoint" xmlns:com="http://schemas.openxmlformats.org/drawingml/2006/compatibility" xmlns:p14="http://schemas.microsoft.com/office/powerpoint/2010/main" xmlns:p15="http://schemas.microsoft.com/office/powerpoint/2012/main" xmlns:ahyp="http://schemas.microsoft.com/office/drawing/2018/hyperlinkcolor">
+<file path=ppt/slides/slide4.xml><?xml version="1.0" encoding="utf-8"?>
+<p:sld xmlns:a="http://schemas.openxmlformats.org/drawingml/2006/main" xmlns:r="http://schemas.openxmlformats.org/officeDocument/2006/relationships" xmlns:p="http://schemas.openxmlformats.org/presentationml/2006/main">
   <p:cSld>
     <p:bg>
       <p:bgPr>
@@ -9495,11 +10172,12 @@
             <a:fillRect/>
           </a:stretch>
         </a:blipFill>
+        <a:effectLst/>
       </p:bgPr>
     </p:bg>
     <p:spTree>
       <p:nvGrpSpPr>
-        <p:cNvPr id="72" name="Shape 72"/>
+        <p:cNvPr id="1" name="Shape 72"/>
         <p:cNvGrpSpPr/>
         <p:nvPr/>
       </p:nvGrpSpPr>
@@ -9514,7 +10192,9 @@
       <p:sp>
         <p:nvSpPr>
           <p:cNvPr id="73" name="Google Shape;73;p15"/>
-          <p:cNvSpPr txBox="1"/>
+          <p:cNvSpPr txBox="1">
+            <a:spLocks noGrp="1"/>
+          </p:cNvSpPr>
           <p:nvPr>
             <p:ph type="title"/>
           </p:nvPr>
@@ -9529,12 +10209,12 @@
           </a:prstGeom>
         </p:spPr>
         <p:txBody>
-          <a:bodyPr anchorCtr="0" anchor="b" bIns="91425" lIns="91425" spcFirstLastPara="1" rIns="91425" wrap="square" tIns="91425">
+          <a:bodyPr spcFirstLastPara="1" wrap="square" lIns="91425" tIns="91425" rIns="91425" bIns="91425" anchor="b" anchorCtr="0">
             <a:noAutofit/>
           </a:bodyPr>
           <a:lstStyle/>
           <a:p>
-            <a:pPr indent="0" lvl="0" marL="0" rtl="0" algn="l">
+            <a:pPr marL="0" lvl="0" indent="0" algn="l" rtl="0">
               <a:spcBef>
                 <a:spcPts val="0"/>
               </a:spcBef>
@@ -9557,15 +10237,7 @@
                   <a:srgbClr val="000000"/>
                 </a:solidFill>
               </a:rPr>
-              <a:t> </a:t>
-            </a:r>
-            <a:r>
-              <a:rPr lang="en">
-                <a:solidFill>
-                  <a:srgbClr val="000000"/>
-                </a:solidFill>
-              </a:rPr>
-              <a:t>HTTP</a:t>
+              <a:t> HTTP</a:t>
             </a:r>
             <a:endParaRPr>
               <a:solidFill>
@@ -9578,9 +10250,11 @@
       <p:sp>
         <p:nvSpPr>
           <p:cNvPr id="74" name="Google Shape;74;p15"/>
-          <p:cNvSpPr txBox="1"/>
+          <p:cNvSpPr txBox="1">
+            <a:spLocks noGrp="1"/>
+          </p:cNvSpPr>
           <p:nvPr>
-            <p:ph idx="1" type="body"/>
+            <p:ph type="body" idx="1"/>
           </p:nvPr>
         </p:nvSpPr>
         <p:spPr>
@@ -9593,12 +10267,12 @@
           </a:prstGeom>
         </p:spPr>
         <p:txBody>
-          <a:bodyPr anchorCtr="0" anchor="t" bIns="91425" lIns="91425" spcFirstLastPara="1" rIns="91425" wrap="square" tIns="91425">
+          <a:bodyPr spcFirstLastPara="1" wrap="square" lIns="91425" tIns="91425" rIns="91425" bIns="91425" anchor="t" anchorCtr="0">
             <a:noAutofit/>
           </a:bodyPr>
           <a:lstStyle/>
           <a:p>
-            <a:pPr indent="0" lvl="0" marL="0" rtl="0" algn="ctr">
+            <a:pPr marL="0" lvl="0" indent="0" algn="ctr" rtl="0">
               <a:spcBef>
                 <a:spcPts val="0"/>
               </a:spcBef>
@@ -9619,7 +10293,7 @@
             <a:endParaRPr sz="2400"/>
           </a:p>
           <a:p>
-            <a:pPr indent="0" lvl="0" marL="0" rtl="0" algn="ctr">
+            <a:pPr marL="0" lvl="0" indent="0" algn="ctr" rtl="0">
               <a:spcBef>
                 <a:spcPts val="1600"/>
               </a:spcBef>
@@ -9640,7 +10314,7 @@
             <a:endParaRPr sz="2400"/>
           </a:p>
           <a:p>
-            <a:pPr indent="0" lvl="0" marL="0" rtl="0" algn="ctr">
+            <a:pPr marL="0" lvl="0" indent="0" algn="ctr" rtl="0">
               <a:spcBef>
                 <a:spcPts val="1600"/>
               </a:spcBef>
@@ -9661,7 +10335,7 @@
             <a:endParaRPr sz="2400"/>
           </a:p>
           <a:p>
-            <a:pPr indent="0" lvl="0" marL="0" rtl="0" algn="ctr">
+            <a:pPr marL="0" lvl="0" indent="0" algn="ctr" rtl="0">
               <a:spcBef>
                 <a:spcPts val="1600"/>
               </a:spcBef>
@@ -9691,8 +10365,8 @@
 </p:sld>
 </file>
 
-<file path=ppt/slides/slide4.xml><?xml version="1.0" encoding="utf-8"?>
-<p:sld xmlns:a="http://schemas.openxmlformats.org/drawingml/2006/main" xmlns:r="http://schemas.openxmlformats.org/officeDocument/2006/relationships" xmlns:mc="http://schemas.openxmlformats.org/markup-compatibility/2006" xmlns:mv="urn:schemas-microsoft-com:mac:vml" xmlns:p="http://schemas.openxmlformats.org/presentationml/2006/main" xmlns:c="http://schemas.openxmlformats.org/drawingml/2006/chart" xmlns:dgm="http://schemas.openxmlformats.org/drawingml/2006/diagram" xmlns:o="urn:schemas-microsoft-com:office:office" xmlns:v="urn:schemas-microsoft-com:vml" xmlns:pvml="urn:schemas-microsoft-com:office:powerpoint" xmlns:com="http://schemas.openxmlformats.org/drawingml/2006/compatibility" xmlns:p14="http://schemas.microsoft.com/office/powerpoint/2010/main" xmlns:p15="http://schemas.microsoft.com/office/powerpoint/2012/main" xmlns:ahyp="http://schemas.microsoft.com/office/drawing/2018/hyperlinkcolor">
+<file path=ppt/slides/slide5.xml><?xml version="1.0" encoding="utf-8"?>
+<p:sld xmlns:a="http://schemas.openxmlformats.org/drawingml/2006/main" xmlns:r="http://schemas.openxmlformats.org/officeDocument/2006/relationships" xmlns:p="http://schemas.openxmlformats.org/presentationml/2006/main">
   <p:cSld>
     <p:bg>
       <p:bgPr>
@@ -9704,11 +10378,12 @@
             <a:fillRect/>
           </a:stretch>
         </a:blipFill>
+        <a:effectLst/>
       </p:bgPr>
     </p:bg>
     <p:spTree>
       <p:nvGrpSpPr>
-        <p:cNvPr id="78" name="Shape 78"/>
+        <p:cNvPr id="1" name="Shape 78"/>
         <p:cNvGrpSpPr/>
         <p:nvPr/>
       </p:nvGrpSpPr>
@@ -9723,7 +10398,9 @@
       <p:sp>
         <p:nvSpPr>
           <p:cNvPr id="79" name="Google Shape;79;p16"/>
-          <p:cNvSpPr txBox="1"/>
+          <p:cNvSpPr txBox="1">
+            <a:spLocks noGrp="1"/>
+          </p:cNvSpPr>
           <p:nvPr>
             <p:ph type="title"/>
           </p:nvPr>
@@ -9738,12 +10415,12 @@
           </a:prstGeom>
         </p:spPr>
         <p:txBody>
-          <a:bodyPr anchorCtr="0" anchor="b" bIns="91425" lIns="91425" spcFirstLastPara="1" rIns="91425" wrap="square" tIns="91425">
+          <a:bodyPr spcFirstLastPara="1" wrap="square" lIns="91425" tIns="91425" rIns="91425" bIns="91425" anchor="b" anchorCtr="0">
             <a:noAutofit/>
           </a:bodyPr>
           <a:lstStyle/>
           <a:p>
-            <a:pPr indent="0" lvl="0" marL="0" rtl="0" algn="l">
+            <a:pPr marL="0" lvl="0" indent="0" algn="l" rtl="0">
               <a:spcBef>
                 <a:spcPts val="0"/>
               </a:spcBef>
@@ -9796,8 +10473,8 @@
 </p:sld>
 </file>
 
-<file path=ppt/slides/slide5.xml><?xml version="1.0" encoding="utf-8"?>
-<p:sld xmlns:a="http://schemas.openxmlformats.org/drawingml/2006/main" xmlns:r="http://schemas.openxmlformats.org/officeDocument/2006/relationships" xmlns:mc="http://schemas.openxmlformats.org/markup-compatibility/2006" xmlns:mv="urn:schemas-microsoft-com:mac:vml" xmlns:p="http://schemas.openxmlformats.org/presentationml/2006/main" xmlns:c="http://schemas.openxmlformats.org/drawingml/2006/chart" xmlns:dgm="http://schemas.openxmlformats.org/drawingml/2006/diagram" xmlns:o="urn:schemas-microsoft-com:office:office" xmlns:v="urn:schemas-microsoft-com:vml" xmlns:pvml="urn:schemas-microsoft-com:office:powerpoint" xmlns:com="http://schemas.openxmlformats.org/drawingml/2006/compatibility" xmlns:p14="http://schemas.microsoft.com/office/powerpoint/2010/main" xmlns:p15="http://schemas.microsoft.com/office/powerpoint/2012/main" xmlns:ahyp="http://schemas.microsoft.com/office/drawing/2018/hyperlinkcolor">
+<file path=ppt/slides/slide6.xml><?xml version="1.0" encoding="utf-8"?>
+<p:sld xmlns:a="http://schemas.openxmlformats.org/drawingml/2006/main" xmlns:r="http://schemas.openxmlformats.org/officeDocument/2006/relationships" xmlns:p="http://schemas.openxmlformats.org/presentationml/2006/main">
   <p:cSld>
     <p:bg>
       <p:bgPr>
@@ -9809,11 +10486,12 @@
             <a:fillRect/>
           </a:stretch>
         </a:blipFill>
+        <a:effectLst/>
       </p:bgPr>
     </p:bg>
     <p:spTree>
       <p:nvGrpSpPr>
-        <p:cNvPr id="84" name="Shape 84"/>
+        <p:cNvPr id="1" name="Shape 84"/>
         <p:cNvGrpSpPr/>
         <p:nvPr/>
       </p:nvGrpSpPr>
@@ -9828,7 +10506,9 @@
       <p:sp>
         <p:nvSpPr>
           <p:cNvPr id="85" name="Google Shape;85;p17"/>
-          <p:cNvSpPr txBox="1"/>
+          <p:cNvSpPr txBox="1">
+            <a:spLocks noGrp="1"/>
+          </p:cNvSpPr>
           <p:nvPr>
             <p:ph type="title"/>
           </p:nvPr>
@@ -9843,12 +10523,12 @@
           </a:prstGeom>
         </p:spPr>
         <p:txBody>
-          <a:bodyPr anchorCtr="0" anchor="b" bIns="91425" lIns="91425" spcFirstLastPara="1" rIns="91425" wrap="square" tIns="91425">
+          <a:bodyPr spcFirstLastPara="1" wrap="square" lIns="91425" tIns="91425" rIns="91425" bIns="91425" anchor="b" anchorCtr="0">
             <a:noAutofit/>
           </a:bodyPr>
           <a:lstStyle/>
           <a:p>
-            <a:pPr indent="0" lvl="0" marL="0" rtl="0" algn="l">
+            <a:pPr marL="0" lvl="0" indent="0" algn="l" rtl="0">
               <a:spcBef>
                 <a:spcPts val="0"/>
               </a:spcBef>
@@ -9868,9 +10548,11 @@
       <p:sp>
         <p:nvSpPr>
           <p:cNvPr id="86" name="Google Shape;86;p17"/>
-          <p:cNvSpPr txBox="1"/>
+          <p:cNvSpPr txBox="1">
+            <a:spLocks noGrp="1"/>
+          </p:cNvSpPr>
           <p:nvPr>
-            <p:ph idx="1" type="body"/>
+            <p:ph type="body" idx="1"/>
           </p:nvPr>
         </p:nvSpPr>
         <p:spPr>
@@ -9883,12 +10565,12 @@
           </a:prstGeom>
         </p:spPr>
         <p:txBody>
-          <a:bodyPr anchorCtr="0" anchor="t" bIns="91425" lIns="91425" spcFirstLastPara="1" rIns="91425" wrap="square" tIns="91425">
+          <a:bodyPr spcFirstLastPara="1" wrap="square" lIns="91425" tIns="91425" rIns="91425" bIns="91425" anchor="t" anchorCtr="0">
             <a:noAutofit/>
           </a:bodyPr>
           <a:lstStyle/>
           <a:p>
-            <a:pPr indent="0" lvl="0" marL="0" rtl="0" algn="l">
+            <a:pPr marL="0" lvl="0" indent="0" algn="l" rtl="0">
               <a:spcBef>
                 <a:spcPts val="0"/>
               </a:spcBef>
@@ -9899,20 +10581,12 @@
             </a:pPr>
             <a:r>
               <a:rPr lang="en"/>
-              <a:t>SEND the same information in Header to </a:t>
-            </a:r>
-            <a:r>
-              <a:rPr lang="en"/>
-              <a:t>client</a:t>
-            </a:r>
-            <a:r>
-              <a:rPr lang="en"/>
-              <a:t>.</a:t>
+              <a:t>SEND the same information in Header to client.</a:t>
             </a:r>
             <a:endParaRPr/>
           </a:p>
           <a:p>
-            <a:pPr indent="0" lvl="0" marL="0" rtl="0" algn="l">
+            <a:pPr marL="0" lvl="0" indent="0" algn="l" rtl="0">
               <a:spcBef>
                 <a:spcPts val="1600"/>
               </a:spcBef>
@@ -9928,7 +10602,7 @@
             <a:endParaRPr/>
           </a:p>
           <a:p>
-            <a:pPr indent="0" lvl="0" marL="0" rtl="0" algn="l">
+            <a:pPr marL="0" lvl="0" indent="0" algn="l" rtl="0">
               <a:spcBef>
                 <a:spcPts val="1600"/>
               </a:spcBef>
@@ -9953,8 +10627,8 @@
 </p:sld>
 </file>
 
-<file path=ppt/slides/slide6.xml><?xml version="1.0" encoding="utf-8"?>
-<p:sld xmlns:a="http://schemas.openxmlformats.org/drawingml/2006/main" xmlns:r="http://schemas.openxmlformats.org/officeDocument/2006/relationships" xmlns:mc="http://schemas.openxmlformats.org/markup-compatibility/2006" xmlns:mv="urn:schemas-microsoft-com:mac:vml" xmlns:p="http://schemas.openxmlformats.org/presentationml/2006/main" xmlns:c="http://schemas.openxmlformats.org/drawingml/2006/chart" xmlns:dgm="http://schemas.openxmlformats.org/drawingml/2006/diagram" xmlns:o="urn:schemas-microsoft-com:office:office" xmlns:v="urn:schemas-microsoft-com:vml" xmlns:pvml="urn:schemas-microsoft-com:office:powerpoint" xmlns:com="http://schemas.openxmlformats.org/drawingml/2006/compatibility" xmlns:p14="http://schemas.microsoft.com/office/powerpoint/2010/main" xmlns:p15="http://schemas.microsoft.com/office/powerpoint/2012/main" xmlns:ahyp="http://schemas.microsoft.com/office/drawing/2018/hyperlinkcolor">
+<file path=ppt/slides/slide7.xml><?xml version="1.0" encoding="utf-8"?>
+<p:sld xmlns:a="http://schemas.openxmlformats.org/drawingml/2006/main" xmlns:r="http://schemas.openxmlformats.org/officeDocument/2006/relationships" xmlns:p="http://schemas.openxmlformats.org/presentationml/2006/main">
   <p:cSld>
     <p:bg>
       <p:bgPr>
@@ -9966,11 +10640,12 @@
             <a:fillRect/>
           </a:stretch>
         </a:blipFill>
+        <a:effectLst/>
       </p:bgPr>
     </p:bg>
     <p:spTree>
       <p:nvGrpSpPr>
-        <p:cNvPr id="90" name="Shape 90"/>
+        <p:cNvPr id="1" name="Shape 90"/>
         <p:cNvGrpSpPr/>
         <p:nvPr/>
       </p:nvGrpSpPr>
@@ -9985,7 +10660,9 @@
       <p:sp>
         <p:nvSpPr>
           <p:cNvPr id="91" name="Google Shape;91;p18"/>
-          <p:cNvSpPr txBox="1"/>
+          <p:cNvSpPr txBox="1">
+            <a:spLocks noGrp="1"/>
+          </p:cNvSpPr>
           <p:nvPr>
             <p:ph type="title"/>
           </p:nvPr>
@@ -10000,12 +10677,12 @@
           </a:prstGeom>
         </p:spPr>
         <p:txBody>
-          <a:bodyPr anchorCtr="0" anchor="b" bIns="91425" lIns="91425" spcFirstLastPara="1" rIns="91425" wrap="square" tIns="91425">
+          <a:bodyPr spcFirstLastPara="1" wrap="square" lIns="91425" tIns="91425" rIns="91425" bIns="91425" anchor="b" anchorCtr="0">
             <a:noAutofit/>
           </a:bodyPr>
           <a:lstStyle/>
           <a:p>
-            <a:pPr indent="0" lvl="0" marL="0" rtl="0" algn="l">
+            <a:pPr marL="0" lvl="0" indent="0" algn="l" rtl="0">
               <a:spcBef>
                 <a:spcPts val="0"/>
               </a:spcBef>
@@ -10058,8 +10735,8 @@
 </p:sld>
 </file>
 
-<file path=ppt/slides/slide7.xml><?xml version="1.0" encoding="utf-8"?>
-<p:sld xmlns:a="http://schemas.openxmlformats.org/drawingml/2006/main" xmlns:r="http://schemas.openxmlformats.org/officeDocument/2006/relationships" xmlns:mc="http://schemas.openxmlformats.org/markup-compatibility/2006" xmlns:mv="urn:schemas-microsoft-com:mac:vml" xmlns:p="http://schemas.openxmlformats.org/presentationml/2006/main" xmlns:c="http://schemas.openxmlformats.org/drawingml/2006/chart" xmlns:dgm="http://schemas.openxmlformats.org/drawingml/2006/diagram" xmlns:o="urn:schemas-microsoft-com:office:office" xmlns:v="urn:schemas-microsoft-com:vml" xmlns:pvml="urn:schemas-microsoft-com:office:powerpoint" xmlns:com="http://schemas.openxmlformats.org/drawingml/2006/compatibility" xmlns:p14="http://schemas.microsoft.com/office/powerpoint/2010/main" xmlns:p15="http://schemas.microsoft.com/office/powerpoint/2012/main" xmlns:ahyp="http://schemas.microsoft.com/office/drawing/2018/hyperlinkcolor">
+<file path=ppt/slides/slide8.xml><?xml version="1.0" encoding="utf-8"?>
+<p:sld xmlns:a="http://schemas.openxmlformats.org/drawingml/2006/main" xmlns:r="http://schemas.openxmlformats.org/officeDocument/2006/relationships" xmlns:p="http://schemas.openxmlformats.org/presentationml/2006/main">
   <p:cSld>
     <p:bg>
       <p:bgPr>
@@ -10071,11 +10748,12 @@
             <a:fillRect/>
           </a:stretch>
         </a:blipFill>
+        <a:effectLst/>
       </p:bgPr>
     </p:bg>
     <p:spTree>
       <p:nvGrpSpPr>
-        <p:cNvPr id="96" name="Shape 96"/>
+        <p:cNvPr id="1" name="Shape 96"/>
         <p:cNvGrpSpPr/>
         <p:nvPr/>
       </p:nvGrpSpPr>
@@ -10090,7 +10768,9 @@
       <p:sp>
         <p:nvSpPr>
           <p:cNvPr id="97" name="Google Shape;97;p19"/>
-          <p:cNvSpPr txBox="1"/>
+          <p:cNvSpPr txBox="1">
+            <a:spLocks noGrp="1"/>
+          </p:cNvSpPr>
           <p:nvPr>
             <p:ph type="title"/>
           </p:nvPr>
@@ -10105,12 +10785,12 @@
           </a:prstGeom>
         </p:spPr>
         <p:txBody>
-          <a:bodyPr anchorCtr="0" anchor="b" bIns="91425" lIns="91425" spcFirstLastPara="1" rIns="91425" wrap="square" tIns="91425">
+          <a:bodyPr spcFirstLastPara="1" wrap="square" lIns="91425" tIns="91425" rIns="91425" bIns="91425" anchor="b" anchorCtr="0">
             <a:noAutofit/>
           </a:bodyPr>
           <a:lstStyle/>
           <a:p>
-            <a:pPr indent="0" lvl="0" marL="0" rtl="0" algn="l">
+            <a:pPr marL="0" lvl="0" indent="0" algn="l" rtl="0">
               <a:spcBef>
                 <a:spcPts val="0"/>
               </a:spcBef>
@@ -10171,8 +10851,8 @@
 </p:sld>
 </file>
 
-<file path=ppt/slides/slide8.xml><?xml version="1.0" encoding="utf-8"?>
-<p:sld xmlns:a="http://schemas.openxmlformats.org/drawingml/2006/main" xmlns:r="http://schemas.openxmlformats.org/officeDocument/2006/relationships" xmlns:mc="http://schemas.openxmlformats.org/markup-compatibility/2006" xmlns:mv="urn:schemas-microsoft-com:mac:vml" xmlns:p="http://schemas.openxmlformats.org/presentationml/2006/main" xmlns:c="http://schemas.openxmlformats.org/drawingml/2006/chart" xmlns:dgm="http://schemas.openxmlformats.org/drawingml/2006/diagram" xmlns:o="urn:schemas-microsoft-com:office:office" xmlns:v="urn:schemas-microsoft-com:vml" xmlns:pvml="urn:schemas-microsoft-com:office:powerpoint" xmlns:com="http://schemas.openxmlformats.org/drawingml/2006/compatibility" xmlns:p14="http://schemas.microsoft.com/office/powerpoint/2010/main" xmlns:p15="http://schemas.microsoft.com/office/powerpoint/2012/main" xmlns:ahyp="http://schemas.microsoft.com/office/drawing/2018/hyperlinkcolor">
+<file path=ppt/slides/slide9.xml><?xml version="1.0" encoding="utf-8"?>
+<p:sld xmlns:a="http://schemas.openxmlformats.org/drawingml/2006/main" xmlns:r="http://schemas.openxmlformats.org/officeDocument/2006/relationships" xmlns:p="http://schemas.openxmlformats.org/presentationml/2006/main">
   <p:cSld>
     <p:bg>
       <p:bgPr>
@@ -10184,11 +10864,12 @@
             <a:fillRect/>
           </a:stretch>
         </a:blipFill>
+        <a:effectLst/>
       </p:bgPr>
     </p:bg>
     <p:spTree>
       <p:nvGrpSpPr>
-        <p:cNvPr id="102" name="Shape 102"/>
+        <p:cNvPr id="1" name="Shape 102"/>
         <p:cNvGrpSpPr/>
         <p:nvPr/>
       </p:nvGrpSpPr>
@@ -10203,7 +10884,9 @@
       <p:sp>
         <p:nvSpPr>
           <p:cNvPr id="103" name="Google Shape;103;p20"/>
-          <p:cNvSpPr txBox="1"/>
+          <p:cNvSpPr txBox="1">
+            <a:spLocks noGrp="1"/>
+          </p:cNvSpPr>
           <p:nvPr>
             <p:ph type="title"/>
           </p:nvPr>
@@ -10218,12 +10901,12 @@
           </a:prstGeom>
         </p:spPr>
         <p:txBody>
-          <a:bodyPr anchorCtr="0" anchor="b" bIns="91425" lIns="91425" spcFirstLastPara="1" rIns="91425" wrap="square" tIns="91425">
+          <a:bodyPr spcFirstLastPara="1" wrap="square" lIns="91425" tIns="91425" rIns="91425" bIns="91425" anchor="b" anchorCtr="0">
             <a:noAutofit/>
           </a:bodyPr>
           <a:lstStyle/>
           <a:p>
-            <a:pPr indent="0" lvl="0" marL="0" rtl="0" algn="l">
+            <a:pPr marL="0" lvl="0" indent="0" algn="l" rtl="0">
               <a:spcBef>
                 <a:spcPts val="0"/>
               </a:spcBef>
@@ -10238,15 +10921,7 @@
                   <a:srgbClr val="000000"/>
                 </a:solidFill>
               </a:rPr>
-              <a:t>                                   </a:t>
-            </a:r>
-            <a:r>
-              <a:rPr lang="en">
-                <a:solidFill>
-                  <a:srgbClr val="000000"/>
-                </a:solidFill>
-              </a:rPr>
-              <a:t>Logging</a:t>
+              <a:t>                                   Logging</a:t>
             </a:r>
             <a:endParaRPr>
               <a:solidFill>
@@ -10259,9 +10934,11 @@
       <p:sp>
         <p:nvSpPr>
           <p:cNvPr id="104" name="Google Shape;104;p20"/>
-          <p:cNvSpPr txBox="1"/>
+          <p:cNvSpPr txBox="1">
+            <a:spLocks noGrp="1"/>
+          </p:cNvSpPr>
           <p:nvPr>
-            <p:ph idx="1" type="body"/>
+            <p:ph type="body" idx="1"/>
           </p:nvPr>
         </p:nvSpPr>
         <p:spPr>
@@ -10274,12 +10951,12 @@
           </a:prstGeom>
         </p:spPr>
         <p:txBody>
-          <a:bodyPr anchorCtr="0" anchor="t" bIns="91425" lIns="91425" spcFirstLastPara="1" rIns="91425" wrap="square" tIns="91425">
+          <a:bodyPr spcFirstLastPara="1" wrap="square" lIns="91425" tIns="91425" rIns="91425" bIns="91425" anchor="t" anchorCtr="0">
             <a:noAutofit/>
           </a:bodyPr>
           <a:lstStyle/>
           <a:p>
-            <a:pPr indent="0" lvl="0" marL="0" rtl="0" algn="ctr">
+            <a:pPr marL="0" lvl="0" indent="0" algn="ctr" rtl="0">
               <a:spcBef>
                 <a:spcPts val="0"/>
               </a:spcBef>
@@ -10295,7 +10972,7 @@
             <a:endParaRPr sz="2400"/>
           </a:p>
           <a:p>
-            <a:pPr indent="0" lvl="0" marL="0" rtl="0" algn="ctr">
+            <a:pPr marL="0" lvl="0" indent="0" algn="ctr" rtl="0">
               <a:spcBef>
                 <a:spcPts val="1600"/>
               </a:spcBef>
@@ -10311,7 +10988,7 @@
             <a:endParaRPr sz="2400"/>
           </a:p>
           <a:p>
-            <a:pPr indent="0" lvl="0" marL="0" rtl="0" algn="ctr">
+            <a:pPr marL="0" lvl="0" indent="0" algn="ctr" rtl="0">
               <a:spcBef>
                 <a:spcPts val="1600"/>
               </a:spcBef>
@@ -10327,7 +11004,7 @@
             <a:endParaRPr sz="2400"/>
           </a:p>
           <a:p>
-            <a:pPr indent="0" lvl="0" marL="0" rtl="0" algn="ctr">
+            <a:pPr marL="0" lvl="0" indent="0" algn="ctr" rtl="0">
               <a:spcBef>
                 <a:spcPts val="1600"/>
               </a:spcBef>
@@ -10352,152 +11029,8 @@
 </p:sld>
 </file>
 
-<file path=ppt/slides/slide9.xml><?xml version="1.0" encoding="utf-8"?>
-<p:sld xmlns:a="http://schemas.openxmlformats.org/drawingml/2006/main" xmlns:r="http://schemas.openxmlformats.org/officeDocument/2006/relationships" xmlns:mc="http://schemas.openxmlformats.org/markup-compatibility/2006" xmlns:mv="urn:schemas-microsoft-com:mac:vml" xmlns:p="http://schemas.openxmlformats.org/presentationml/2006/main" xmlns:c="http://schemas.openxmlformats.org/drawingml/2006/chart" xmlns:dgm="http://schemas.openxmlformats.org/drawingml/2006/diagram" xmlns:o="urn:schemas-microsoft-com:office:office" xmlns:v="urn:schemas-microsoft-com:vml" xmlns:pvml="urn:schemas-microsoft-com:office:powerpoint" xmlns:com="http://schemas.openxmlformats.org/drawingml/2006/compatibility" xmlns:p14="http://schemas.microsoft.com/office/powerpoint/2010/main" xmlns:p15="http://schemas.microsoft.com/office/powerpoint/2012/main" xmlns:ahyp="http://schemas.microsoft.com/office/drawing/2018/hyperlinkcolor">
-  <p:cSld>
-    <p:bg>
-      <p:bgPr>
-        <a:blipFill>
-          <a:blip r:embed="rId3">
-            <a:alphaModFix/>
-          </a:blip>
-          <a:stretch>
-            <a:fillRect/>
-          </a:stretch>
-        </a:blipFill>
-      </p:bgPr>
-    </p:bg>
-    <p:spTree>
-      <p:nvGrpSpPr>
-        <p:cNvPr id="108" name="Shape 108"/>
-        <p:cNvGrpSpPr/>
-        <p:nvPr/>
-      </p:nvGrpSpPr>
-      <p:grpSpPr>
-        <a:xfrm>
-          <a:off x="0" y="0"/>
-          <a:ext cx="0" cy="0"/>
-          <a:chOff x="0" y="0"/>
-          <a:chExt cx="0" cy="0"/>
-        </a:xfrm>
-      </p:grpSpPr>
-      <p:sp>
-        <p:nvSpPr>
-          <p:cNvPr id="109" name="Google Shape;109;p21"/>
-          <p:cNvSpPr txBox="1"/>
-          <p:nvPr>
-            <p:ph type="title"/>
-          </p:nvPr>
-        </p:nvSpPr>
-        <p:spPr>
-          <a:xfrm>
-            <a:off x="311700" y="315925"/>
-            <a:ext cx="8520600" cy="831300"/>
-          </a:xfrm>
-          <a:prstGeom prst="rect">
-            <a:avLst/>
-          </a:prstGeom>
-        </p:spPr>
-        <p:txBody>
-          <a:bodyPr anchorCtr="0" anchor="b" bIns="91425" lIns="91425" spcFirstLastPara="1" rIns="91425" wrap="square" tIns="91425">
-            <a:noAutofit/>
-          </a:bodyPr>
-          <a:lstStyle/>
-          <a:p>
-            <a:pPr indent="0" lvl="0" marL="0" rtl="0" algn="l">
-              <a:spcBef>
-                <a:spcPts val="0"/>
-              </a:spcBef>
-              <a:spcAft>
-                <a:spcPts val="0"/>
-              </a:spcAft>
-              <a:buNone/>
-            </a:pPr>
-            <a:r>
-              <a:rPr lang="en"/>
-              <a:t>                                Information</a:t>
-            </a:r>
-            <a:endParaRPr/>
-          </a:p>
-        </p:txBody>
-      </p:sp>
-      <p:sp>
-        <p:nvSpPr>
-          <p:cNvPr id="110" name="Google Shape;110;p21"/>
-          <p:cNvSpPr txBox="1"/>
-          <p:nvPr>
-            <p:ph idx="1" type="body"/>
-          </p:nvPr>
-        </p:nvSpPr>
-        <p:spPr>
-          <a:xfrm>
-            <a:off x="311700" y="1225225"/>
-            <a:ext cx="8520600" cy="3354000"/>
-          </a:xfrm>
-          <a:prstGeom prst="rect">
-            <a:avLst/>
-          </a:prstGeom>
-        </p:spPr>
-        <p:txBody>
-          <a:bodyPr anchorCtr="0" anchor="t" bIns="91425" lIns="91425" spcFirstLastPara="1" rIns="91425" wrap="square" tIns="91425">
-            <a:noAutofit/>
-          </a:bodyPr>
-          <a:lstStyle/>
-          <a:p>
-            <a:pPr indent="0" lvl="0" marL="0" rtl="0" algn="l">
-              <a:spcBef>
-                <a:spcPts val="0"/>
-              </a:spcBef>
-              <a:spcAft>
-                <a:spcPts val="1600"/>
-              </a:spcAft>
-              <a:buNone/>
-            </a:pPr>
-            <a:r>
-              <a:t/>
-            </a:r>
-            <a:endParaRPr/>
-          </a:p>
-        </p:txBody>
-      </p:sp>
-      <p:pic>
-        <p:nvPicPr>
-          <p:cNvPr id="111" name="Google Shape;111;p21"/>
-          <p:cNvPicPr preferRelativeResize="0"/>
-          <p:nvPr/>
-        </p:nvPicPr>
-        <p:blipFill>
-          <a:blip r:embed="rId4">
-            <a:alphaModFix/>
-          </a:blip>
-          <a:stretch>
-            <a:fillRect/>
-          </a:stretch>
-        </p:blipFill>
-        <p:spPr>
-          <a:xfrm>
-            <a:off x="311700" y="1745525"/>
-            <a:ext cx="8563851" cy="2062300"/>
-          </a:xfrm>
-          <a:prstGeom prst="rect">
-            <a:avLst/>
-          </a:prstGeom>
-          <a:noFill/>
-          <a:ln>
-            <a:noFill/>
-          </a:ln>
-        </p:spPr>
-      </p:pic>
-    </p:spTree>
-  </p:cSld>
-  <p:clrMapOvr>
-    <a:masterClrMapping/>
-  </p:clrMapOvr>
-</p:sld>
-</file>
-
 <file path=ppt/theme/theme1.xml><?xml version="1.0" encoding="utf-8"?>
-<a:theme xmlns:a="http://schemas.openxmlformats.org/drawingml/2006/main" xmlns:r="http://schemas.openxmlformats.org/officeDocument/2006/relationships" name="Luxe">
+<a:theme xmlns:a="http://schemas.openxmlformats.org/drawingml/2006/main" name="Luxe">
   <a:themeElements>
     <a:clrScheme name="Luxe">
       <a:dk1>
@@ -10772,11 +11305,13 @@
       </a:bgFillStyleLst>
     </a:fmtScheme>
   </a:themeElements>
+  <a:objectDefaults/>
+  <a:extraClrSchemeLst/>
 </a:theme>
 </file>
 
 <file path=ppt/theme/theme2.xml><?xml version="1.0" encoding="utf-8"?>
-<a:theme xmlns:a="http://schemas.openxmlformats.org/drawingml/2006/main" xmlns:r="http://schemas.openxmlformats.org/officeDocument/2006/relationships">
+<a:theme xmlns:a="http://schemas.openxmlformats.org/drawingml/2006/main">
   <a:themeElements>
     <a:clrScheme name="Default">
       <a:dk1>
@@ -11051,5 +11586,7 @@
       </a:bgFillStyleLst>
     </a:fmtScheme>
   </a:themeElements>
+  <a:objectDefaults/>
+  <a:extraClrSchemeLst/>
 </a:theme>
 </file>